--- a/presentacion/algoritmo A.pptx
+++ b/presentacion/algoritmo A.pptx
@@ -5,10 +5,10 @@
     <p:sldMasterId id="2147483672" r:id="rId1"/>
   </p:sldMasterIdLst>
   <p:notesMasterIdLst>
-    <p:notesMasterId r:id="rId16"/>
+    <p:notesMasterId r:id="rId17"/>
   </p:notesMasterIdLst>
   <p:handoutMasterIdLst>
-    <p:handoutMasterId r:id="rId17"/>
+    <p:handoutMasterId r:id="rId18"/>
   </p:handoutMasterIdLst>
   <p:sldIdLst>
     <p:sldId id="256" r:id="rId2"/>
@@ -24,7 +24,8 @@
     <p:sldId id="273" r:id="rId12"/>
     <p:sldId id="272" r:id="rId13"/>
     <p:sldId id="276" r:id="rId14"/>
-    <p:sldId id="260" r:id="rId15"/>
+    <p:sldId id="277" r:id="rId15"/>
+    <p:sldId id="260" r:id="rId16"/>
   </p:sldIdLst>
   <p:sldSz cx="12192000" cy="6858000"/>
   <p:notesSz cx="6858000" cy="9144000"/>
@@ -2445,17 +2446,9 @@
           </a:pPr>
           <a:r>
             <a:rPr lang="es-AR" dirty="0"/>
-            <a:t>Los nodos </a:t>
+            <a:t>Los nodos dis-conexos son llamados obstáculos</a:t>
           </a:r>
-          <a:r>
-            <a:rPr lang="es-AR" dirty="0" err="1"/>
-            <a:t>dis-conexos</a:t>
-          </a:r>
-          <a:r>
-            <a:rPr lang="es-AR"/>
-            <a:t> son llamados obstáculos</a:t>
-          </a:r>
-          <a:endParaRPr lang="en-US"/>
+          <a:endParaRPr lang="en-US" dirty="0"/>
         </a:p>
       </dgm:t>
     </dgm:pt>
@@ -2643,11 +2636,7 @@
           </a:pPr>
           <a:r>
             <a:rPr lang="es-AR" dirty="0"/>
-            <a:t>Distancia de </a:t>
-          </a:r>
-          <a:r>
-            <a:rPr lang="es-AR" dirty="0" err="1"/>
-            <a:t>Manhatan</a:t>
+            <a:t>Distancia de Manhattan</a:t>
           </a:r>
           <a:endParaRPr lang="en-US" dirty="0"/>
         </a:p>
@@ -2730,13 +2719,8 @@
           </a:pPr>
           <a:r>
             <a:rPr lang="es-AR" dirty="0"/>
-            <a:t>Distancia </a:t>
+            <a:t>Distancia Euclidiana</a:t>
           </a:r>
-          <a:r>
-            <a:rPr lang="es-AR" dirty="0" err="1"/>
-            <a:t>Euclideana</a:t>
-          </a:r>
-          <a:endParaRPr lang="es-AR" dirty="0"/>
         </a:p>
       </dgm:t>
     </dgm:pt>
@@ -3028,7 +3012,11 @@
           </a:r>
           <a:r>
             <a:rPr lang="es-ES" dirty="0" err="1"/>
-            <a:t>sinSalida</a:t>
+            <a:t>sinSalidapara</a:t>
+          </a:r>
+          <a:r>
+            <a:rPr lang="es-ES" dirty="0"/>
+            <a:t> mantener un registro de las casillas que se han explorado y no tienen salida</a:t>
           </a:r>
           <a:endParaRPr lang="en-US" dirty="0"/>
         </a:p>
@@ -3809,17 +3797,9 @@
           </a:pPr>
           <a:r>
             <a:rPr lang="es-AR" sz="2500" kern="1200" dirty="0"/>
-            <a:t>Los nodos </a:t>
+            <a:t>Los nodos dis-conexos son llamados obstáculos</a:t>
           </a:r>
-          <a:r>
-            <a:rPr lang="es-AR" sz="2500" kern="1200" dirty="0" err="1"/>
-            <a:t>dis-conexos</a:t>
-          </a:r>
-          <a:r>
-            <a:rPr lang="es-AR" sz="2500" kern="1200"/>
-            <a:t> son llamados obstáculos</a:t>
-          </a:r>
-          <a:endParaRPr lang="en-US" sz="2500" kern="1200"/>
+          <a:endParaRPr lang="en-US" sz="2500" kern="1200" dirty="0"/>
         </a:p>
       </dsp:txBody>
       <dsp:txXfrm>
@@ -3988,11 +3968,7 @@
           </a:pPr>
           <a:r>
             <a:rPr lang="es-AR" sz="2500" kern="1200" dirty="0"/>
-            <a:t>Distancia de </a:t>
-          </a:r>
-          <a:r>
-            <a:rPr lang="es-AR" sz="2500" kern="1200" dirty="0" err="1"/>
-            <a:t>Manhatan</a:t>
+            <a:t>Distancia de Manhattan</a:t>
           </a:r>
           <a:endParaRPr lang="en-US" sz="2500" kern="1200" dirty="0"/>
         </a:p>
@@ -4311,13 +4287,8 @@
           </a:pPr>
           <a:r>
             <a:rPr lang="es-AR" sz="2500" kern="1200" dirty="0"/>
-            <a:t>Distancia </a:t>
+            <a:t>Distancia Euclidiana</a:t>
           </a:r>
-          <a:r>
-            <a:rPr lang="es-AR" sz="2500" kern="1200" dirty="0" err="1"/>
-            <a:t>Euclideana</a:t>
-          </a:r>
-          <a:endParaRPr lang="es-AR" sz="2500" kern="1200" dirty="0"/>
         </a:p>
       </dsp:txBody>
       <dsp:txXfrm>
@@ -4655,7 +4626,11 @@
           </a:r>
           <a:r>
             <a:rPr lang="es-ES" sz="1500" kern="1200" dirty="0" err="1"/>
-            <a:t>sinSalida</a:t>
+            <a:t>sinSalidapara</a:t>
+          </a:r>
+          <a:r>
+            <a:rPr lang="es-ES" sz="1500" kern="1200" dirty="0"/>
+            <a:t> mantener un registro de las casillas que se han explorado y no tienen salida</a:t>
           </a:r>
           <a:endParaRPr lang="en-US" sz="1500" kern="1200" dirty="0"/>
         </a:p>
@@ -10233,7 +10208,7 @@
             <a:pPr rtl="0"/>
             <a:fld id="{C6B3AB32-59DF-41F1-9618-EDFBF5049629}" type="slidenum">
               <a:rPr lang="es-ES" smtClean="0"/>
-              <a:t>14</a:t>
+              <a:t>15</a:t>
             </a:fld>
             <a:endParaRPr lang="es-ES"/>
           </a:p>
@@ -14725,7 +14700,7 @@
           <p:nvPr>
             <p:extLst>
               <p:ext uri="{D42A27DB-BD31-4B8C-83A1-F6EECF244321}">
-                <p14:modId xmlns:p14="http://schemas.microsoft.com/office/powerpoint/2010/main" val="2219796329"/>
+                <p14:modId xmlns:p14="http://schemas.microsoft.com/office/powerpoint/2010/main" val="2226350313"/>
               </p:ext>
             </p:extLst>
           </p:nvPr>
@@ -15159,6 +15134,89 @@
 </file>
 
 <file path=ppt/slides/slide14.xml><?xml version="1.0" encoding="utf-8"?>
+<p:sld xmlns:a="http://schemas.openxmlformats.org/drawingml/2006/main" xmlns:r="http://schemas.openxmlformats.org/officeDocument/2006/relationships" xmlns:p="http://schemas.openxmlformats.org/presentationml/2006/main">
+  <p:cSld>
+    <p:spTree>
+      <p:nvGrpSpPr>
+        <p:cNvPr id="1" name=""/>
+        <p:cNvGrpSpPr/>
+        <p:nvPr/>
+      </p:nvGrpSpPr>
+      <p:grpSpPr>
+        <a:xfrm>
+          <a:off x="0" y="0"/>
+          <a:ext cx="0" cy="0"/>
+          <a:chOff x="0" y="0"/>
+          <a:chExt cx="0" cy="0"/>
+        </a:xfrm>
+      </p:grpSpPr>
+      <p:sp>
+        <p:nvSpPr>
+          <p:cNvPr id="2" name="Título 1">
+            <a:extLst>
+              <a:ext uri="{FF2B5EF4-FFF2-40B4-BE49-F238E27FC236}">
+                <a16:creationId xmlns:a16="http://schemas.microsoft.com/office/drawing/2014/main" id="{C0B15E2D-E772-B3EF-62F6-8ECF65F39809}"/>
+              </a:ext>
+            </a:extLst>
+          </p:cNvPr>
+          <p:cNvSpPr>
+            <a:spLocks noGrp="1"/>
+          </p:cNvSpPr>
+          <p:nvPr>
+            <p:ph type="title"/>
+          </p:nvPr>
+        </p:nvSpPr>
+        <p:spPr/>
+        <p:txBody>
+          <a:bodyPr/>
+          <a:lstStyle/>
+          <a:p>
+            <a:r>
+              <a:rPr lang="es-AR"/>
+              <a:t>Complejidad computacional???</a:t>
+            </a:r>
+          </a:p>
+        </p:txBody>
+      </p:sp>
+      <p:sp>
+        <p:nvSpPr>
+          <p:cNvPr id="3" name="Marcador de contenido 2">
+            <a:extLst>
+              <a:ext uri="{FF2B5EF4-FFF2-40B4-BE49-F238E27FC236}">
+                <a16:creationId xmlns:a16="http://schemas.microsoft.com/office/drawing/2014/main" id="{5FC98181-4B46-0618-DA13-658B8329AAD3}"/>
+              </a:ext>
+            </a:extLst>
+          </p:cNvPr>
+          <p:cNvSpPr>
+            <a:spLocks noGrp="1"/>
+          </p:cNvSpPr>
+          <p:nvPr>
+            <p:ph idx="1"/>
+          </p:nvPr>
+        </p:nvSpPr>
+        <p:spPr/>
+        <p:txBody>
+          <a:bodyPr/>
+          <a:lstStyle/>
+          <a:p>
+            <a:endParaRPr lang="es-AR"/>
+          </a:p>
+        </p:txBody>
+      </p:sp>
+    </p:spTree>
+    <p:extLst>
+      <p:ext uri="{BB962C8B-B14F-4D97-AF65-F5344CB8AC3E}">
+        <p14:creationId xmlns:p14="http://schemas.microsoft.com/office/powerpoint/2010/main" val="1832333674"/>
+      </p:ext>
+    </p:extLst>
+  </p:cSld>
+  <p:clrMapOvr>
+    <a:masterClrMapping/>
+  </p:clrMapOvr>
+</p:sld>
+</file>
+
+<file path=ppt/slides/slide15.xml><?xml version="1.0" encoding="utf-8"?>
 <p:sld xmlns:a="http://schemas.openxmlformats.org/drawingml/2006/main" xmlns:r="http://schemas.openxmlformats.org/officeDocument/2006/relationships" xmlns:p="http://schemas.openxmlformats.org/presentationml/2006/main">
   <p:cSld>
     <p:bg>
@@ -15869,11 +15927,7 @@
             </a:pPr>
             <a:r>
               <a:rPr lang="es-AR" dirty="0"/>
-              <a:t>Que nodos estarán </a:t>
-            </a:r>
-            <a:r>
-              <a:rPr lang="es-AR" dirty="0" err="1"/>
-              <a:t>dis-conexos</a:t>
+              <a:t>Que nodos estarán dis-conexos</a:t>
             </a:r>
             <a:br>
               <a:rPr lang="es-AR" dirty="0"/>
@@ -16080,7 +16134,7 @@
           <p:nvPr>
             <p:extLst>
               <p:ext uri="{D42A27DB-BD31-4B8C-83A1-F6EECF244321}">
-                <p14:modId xmlns:p14="http://schemas.microsoft.com/office/powerpoint/2010/main" val="2551300451"/>
+                <p14:modId xmlns:p14="http://schemas.microsoft.com/office/powerpoint/2010/main" val="4073152551"/>
               </p:ext>
             </p:extLst>
           </p:nvPr>
@@ -16191,13 +16245,8 @@
           <a:p>
             <a:r>
               <a:rPr lang="es-AR" dirty="0"/>
-              <a:t>Distancia de </a:t>
-            </a:r>
-            <a:r>
-              <a:rPr lang="es-AR" dirty="0" err="1"/>
-              <a:t>manhatan</a:t>
-            </a:r>
-            <a:endParaRPr lang="es-AR" dirty="0"/>
+              <a:t>Distancia de manhattan</a:t>
+            </a:r>
           </a:p>
         </p:txBody>
       </p:sp>
@@ -16230,152 +16279,111 @@
           <a:lstStyle/>
           <a:p>
             <a:r>
-              <a:rPr lang="en-US" dirty="0" err="1"/>
-              <a:t>Cuando</a:t>
-            </a:r>
-            <a:r>
-              <a:rPr lang="en-US" dirty="0"/>
-              <a:t> </a:t>
-            </a:r>
-            <a:r>
-              <a:rPr lang="en-US" dirty="0" err="1"/>
-              <a:t>tengo</a:t>
-            </a:r>
-            <a:r>
-              <a:rPr lang="en-US" dirty="0"/>
-              <a:t> 4 </a:t>
-            </a:r>
-            <a:r>
-              <a:rPr lang="en-US" dirty="0" err="1"/>
-              <a:t>posibles</a:t>
-            </a:r>
-            <a:r>
-              <a:rPr lang="en-US" dirty="0"/>
-              <a:t> </a:t>
-            </a:r>
-            <a:r>
-              <a:rPr lang="en-US" dirty="0" err="1"/>
-              <a:t>movimientos</a:t>
-            </a:r>
-            <a:r>
-              <a:rPr lang="en-US" dirty="0"/>
-              <a:t> </a:t>
+              <a:rPr lang="es-AR" dirty="0"/>
+              <a:t>Cuando tengo 4 posibles movimientos </a:t>
             </a:r>
           </a:p>
           <a:p>
             <a:r>
-              <a:rPr lang="en-US" dirty="0"/>
-              <a:t>Camino Azul </a:t>
-            </a:r>
-            <a:r>
-              <a:rPr lang="en-US" dirty="0" err="1"/>
-              <a:t>igual</a:t>
-            </a:r>
-            <a:r>
-              <a:rPr lang="en-US" dirty="0"/>
-              <a:t> que </a:t>
-            </a:r>
-            <a:r>
-              <a:rPr lang="en-US" dirty="0" err="1"/>
-              <a:t>el</a:t>
-            </a:r>
-            <a:r>
-              <a:rPr lang="en-US" dirty="0"/>
-              <a:t> </a:t>
-            </a:r>
-            <a:r>
-              <a:rPr lang="en-US" dirty="0" err="1"/>
-              <a:t>camino</a:t>
-            </a:r>
-            <a:r>
-              <a:rPr lang="en-US" dirty="0"/>
-              <a:t> </a:t>
-            </a:r>
-            <a:r>
-              <a:rPr lang="en-US" dirty="0" err="1"/>
-              <a:t>verde</a:t>
-            </a:r>
-            <a:endParaRPr lang="en-US" dirty="0"/>
+              <a:rPr lang="es-AR" dirty="0"/>
+              <a:t>Camino Azul igual que el camino verde</a:t>
+            </a:r>
           </a:p>
           <a:p>
             <a:r>
-              <a:rPr lang="en-US" dirty="0" err="1"/>
-              <a:t>Calculo</a:t>
-            </a:r>
-            <a:r>
-              <a:rPr lang="en-US" dirty="0"/>
-              <a:t> </a:t>
-            </a:r>
-            <a:r>
-              <a:rPr lang="en-US" dirty="0" err="1"/>
-              <a:t>Distancia</a:t>
-            </a:r>
-            <a:r>
-              <a:rPr lang="en-US" dirty="0"/>
-              <a:t> </a:t>
+              <a:rPr lang="es-AR" dirty="0"/>
+              <a:t>Calculo Distancia </a:t>
             </a:r>
           </a:p>
           <a:p>
             <a:pPr lvl="1"/>
             <a:r>
-              <a:rPr lang="en-US" sz="1800" dirty="0"/>
-              <a:t>dx = abs(</a:t>
-            </a:r>
-            <a:r>
-              <a:rPr lang="en-US" sz="1800" dirty="0" err="1"/>
+              <a:rPr lang="es-AR" sz="1800" dirty="0" err="1"/>
+              <a:t>dx</a:t>
+            </a:r>
+            <a:r>
+              <a:rPr lang="es-AR" sz="1800" dirty="0"/>
+              <a:t> = </a:t>
+            </a:r>
+            <a:r>
+              <a:rPr lang="es-AR" sz="1800" dirty="0" err="1"/>
+              <a:t>abs</a:t>
+            </a:r>
+            <a:r>
+              <a:rPr lang="es-AR" sz="1800" dirty="0"/>
+              <a:t>(</a:t>
+            </a:r>
+            <a:r>
+              <a:rPr lang="es-AR" sz="1800" dirty="0" err="1"/>
               <a:t>current_cell.x</a:t>
             </a:r>
             <a:r>
-              <a:rPr lang="en-US" sz="1800" dirty="0"/>
+              <a:rPr lang="es-AR" sz="1800" dirty="0"/>
               <a:t> – </a:t>
             </a:r>
             <a:r>
-              <a:rPr lang="en-US" sz="1800" dirty="0" err="1"/>
+              <a:rPr lang="es-AR" sz="1800" dirty="0" err="1"/>
               <a:t>goal.x</a:t>
             </a:r>
             <a:r>
-              <a:rPr lang="en-US" sz="1800" dirty="0"/>
+              <a:rPr lang="es-AR" sz="1800" dirty="0"/>
               <a:t>)</a:t>
             </a:r>
           </a:p>
           <a:p>
             <a:pPr lvl="1"/>
             <a:r>
-              <a:rPr lang="en-US" sz="1800" dirty="0" err="1"/>
+              <a:rPr lang="es-AR" sz="1800" dirty="0" err="1"/>
               <a:t>dy</a:t>
             </a:r>
             <a:r>
-              <a:rPr lang="en-US" sz="1800" dirty="0"/>
-              <a:t> = abs(</a:t>
-            </a:r>
-            <a:r>
-              <a:rPr lang="en-US" sz="1800" dirty="0" err="1"/>
+              <a:rPr lang="es-AR" sz="1800" dirty="0"/>
+              <a:t> = </a:t>
+            </a:r>
+            <a:r>
+              <a:rPr lang="es-AR" sz="1800" dirty="0" err="1"/>
+              <a:t>abs</a:t>
+            </a:r>
+            <a:r>
+              <a:rPr lang="es-AR" sz="1800" dirty="0"/>
+              <a:t>(</a:t>
+            </a:r>
+            <a:r>
+              <a:rPr lang="es-AR" sz="1800" dirty="0" err="1"/>
               <a:t>current_cell.y</a:t>
             </a:r>
             <a:r>
-              <a:rPr lang="en-US" sz="1800" dirty="0"/>
+              <a:rPr lang="es-AR" sz="1800" dirty="0"/>
               <a:t> – </a:t>
             </a:r>
             <a:r>
-              <a:rPr lang="en-US" sz="1800" dirty="0" err="1"/>
+              <a:rPr lang="es-AR" sz="1800" dirty="0" err="1"/>
               <a:t>goal.y</a:t>
             </a:r>
             <a:r>
-              <a:rPr lang="en-US" sz="1800" dirty="0"/>
+              <a:rPr lang="es-AR" sz="1800" dirty="0"/>
               <a:t>)</a:t>
             </a:r>
           </a:p>
           <a:p>
             <a:pPr lvl="1"/>
             <a:r>
-              <a:rPr lang="en-US" sz="1800" dirty="0"/>
-              <a:t>h = dx + </a:t>
-            </a:r>
-            <a:r>
-              <a:rPr lang="en-US" sz="1800" dirty="0" err="1"/>
+              <a:rPr lang="es-AR" sz="1800" dirty="0"/>
+              <a:t>h = </a:t>
+            </a:r>
+            <a:r>
+              <a:rPr lang="es-AR" sz="1800" dirty="0" err="1"/>
+              <a:t>dx</a:t>
+            </a:r>
+            <a:r>
+              <a:rPr lang="es-AR" sz="1800" dirty="0"/>
+              <a:t> + </a:t>
+            </a:r>
+            <a:r>
+              <a:rPr lang="es-AR" sz="1800" dirty="0" err="1"/>
               <a:t>dy</a:t>
             </a:r>
-            <a:endParaRPr lang="en-US" sz="1800" dirty="0"/>
+            <a:endParaRPr lang="es-AR" sz="1800" dirty="0"/>
           </a:p>
         </p:txBody>
       </p:sp>
@@ -16507,72 +16515,15 @@
           <a:lstStyle/>
           <a:p>
             <a:r>
-              <a:rPr lang="en-US" dirty="0"/>
-              <a:t>El Camino mas </a:t>
-            </a:r>
-            <a:r>
-              <a:rPr lang="en-US" dirty="0" err="1"/>
-              <a:t>corto</a:t>
-            </a:r>
-            <a:r>
-              <a:rPr lang="en-US" dirty="0"/>
-              <a:t> es la diagonal hasta </a:t>
-            </a:r>
-            <a:r>
-              <a:rPr lang="en-US" dirty="0" err="1"/>
-              <a:t>llegar</a:t>
-            </a:r>
-            <a:r>
-              <a:rPr lang="en-US" dirty="0"/>
-              <a:t> a la fila o </a:t>
-            </a:r>
-            <a:r>
-              <a:rPr lang="en-US" dirty="0" err="1"/>
-              <a:t>columna</a:t>
-            </a:r>
-            <a:r>
-              <a:rPr lang="en-US" dirty="0"/>
-              <a:t> del </a:t>
-            </a:r>
-            <a:r>
-              <a:rPr lang="en-US" dirty="0" err="1"/>
-              <a:t>objetivo</a:t>
-            </a:r>
-            <a:r>
-              <a:rPr lang="en-US" dirty="0"/>
-              <a:t> y de ahi </a:t>
-            </a:r>
-            <a:r>
-              <a:rPr lang="en-US" dirty="0" err="1"/>
-              <a:t>seguir</a:t>
-            </a:r>
-            <a:r>
-              <a:rPr lang="en-US" dirty="0"/>
-              <a:t> </a:t>
-            </a:r>
-            <a:r>
-              <a:rPr lang="en-US" dirty="0" err="1"/>
-              <a:t>el</a:t>
-            </a:r>
-            <a:r>
-              <a:rPr lang="en-US" dirty="0"/>
-              <a:t> </a:t>
-            </a:r>
-            <a:r>
-              <a:rPr lang="en-US" dirty="0" err="1"/>
-              <a:t>camino</a:t>
-            </a:r>
-            <a:r>
-              <a:rPr lang="en-US" dirty="0"/>
-              <a:t> recto.</a:t>
+              <a:rPr lang="es-AR" dirty="0"/>
+              <a:t>El Camino más corto es la diagonal hasta llegar a la fila o columna del objetivo y de ahi seguir el camino recto.</a:t>
             </a:r>
           </a:p>
           <a:p>
             <a:r>
-              <a:rPr lang="en-US" dirty="0" err="1"/>
-              <a:t>Calculo</a:t>
-            </a:r>
-            <a:endParaRPr lang="en-US" dirty="0"/>
+              <a:rPr lang="es-AR" dirty="0"/>
+              <a:t>Cálculo</a:t>
+            </a:r>
           </a:p>
           <a:p>
             <a:pPr lvl="1"/>
@@ -16654,7 +16605,7 @@
               <a:t>D es la </a:t>
             </a:r>
             <a:r>
-              <a:rPr lang="en-US" dirty="0" err="1"/>
+              <a:rPr lang="es-AR" dirty="0"/>
               <a:t>distancia</a:t>
             </a:r>
             <a:r>

--- a/presentacion/algoritmo A.pptx
+++ b/presentacion/algoritmo A.pptx
@@ -5,27 +5,33 @@
     <p:sldMasterId id="2147483672" r:id="rId1"/>
   </p:sldMasterIdLst>
   <p:notesMasterIdLst>
-    <p:notesMasterId r:id="rId17"/>
+    <p:notesMasterId r:id="rId23"/>
   </p:notesMasterIdLst>
   <p:handoutMasterIdLst>
-    <p:handoutMasterId r:id="rId18"/>
+    <p:handoutMasterId r:id="rId24"/>
   </p:handoutMasterIdLst>
   <p:sldIdLst>
     <p:sldId id="256" r:id="rId2"/>
-    <p:sldId id="262" r:id="rId3"/>
-    <p:sldId id="268" r:id="rId4"/>
-    <p:sldId id="264" r:id="rId5"/>
-    <p:sldId id="265" r:id="rId6"/>
-    <p:sldId id="267" r:id="rId7"/>
-    <p:sldId id="269" r:id="rId8"/>
-    <p:sldId id="270" r:id="rId9"/>
-    <p:sldId id="275" r:id="rId10"/>
-    <p:sldId id="271" r:id="rId11"/>
-    <p:sldId id="273" r:id="rId12"/>
-    <p:sldId id="272" r:id="rId13"/>
-    <p:sldId id="276" r:id="rId14"/>
-    <p:sldId id="277" r:id="rId15"/>
-    <p:sldId id="260" r:id="rId16"/>
+    <p:sldId id="295" r:id="rId3"/>
+    <p:sldId id="296" r:id="rId4"/>
+    <p:sldId id="262" r:id="rId5"/>
+    <p:sldId id="268" r:id="rId6"/>
+    <p:sldId id="264" r:id="rId7"/>
+    <p:sldId id="265" r:id="rId8"/>
+    <p:sldId id="267" r:id="rId9"/>
+    <p:sldId id="270" r:id="rId10"/>
+    <p:sldId id="275" r:id="rId11"/>
+    <p:sldId id="297" r:id="rId12"/>
+    <p:sldId id="294" r:id="rId13"/>
+    <p:sldId id="277" r:id="rId14"/>
+    <p:sldId id="286" r:id="rId15"/>
+    <p:sldId id="287" r:id="rId16"/>
+    <p:sldId id="288" r:id="rId17"/>
+    <p:sldId id="289" r:id="rId18"/>
+    <p:sldId id="290" r:id="rId19"/>
+    <p:sldId id="291" r:id="rId20"/>
+    <p:sldId id="293" r:id="rId21"/>
+    <p:sldId id="260" r:id="rId22"/>
   </p:sldIdLst>
   <p:sldSz cx="12192000" cy="6858000"/>
   <p:notesSz cx="6858000" cy="9144000"/>
@@ -1595,753 +1601,6 @@
   <dgm:styleLbl name="fgShp">
     <dgm:fillClrLst meth="repeat">
       <a:schemeClr val="accent2">
-        <a:tint val="60000"/>
-      </a:schemeClr>
-    </dgm:fillClrLst>
-    <dgm:linClrLst meth="repeat">
-      <a:schemeClr val="lt1"/>
-    </dgm:linClrLst>
-    <dgm:effectClrLst/>
-    <dgm:txLinClrLst/>
-    <dgm:txFillClrLst meth="repeat">
-      <a:schemeClr val="dk1"/>
-    </dgm:txFillClrLst>
-    <dgm:txEffectClrLst/>
-  </dgm:styleLbl>
-  <dgm:styleLbl name="revTx">
-    <dgm:fillClrLst meth="repeat">
-      <a:schemeClr val="lt1">
-        <a:alpha val="0"/>
-      </a:schemeClr>
-    </dgm:fillClrLst>
-    <dgm:linClrLst meth="repeat">
-      <a:schemeClr val="dk1">
-        <a:alpha val="0"/>
-      </a:schemeClr>
-    </dgm:linClrLst>
-    <dgm:effectClrLst/>
-    <dgm:txLinClrLst/>
-    <dgm:txFillClrLst meth="repeat">
-      <a:schemeClr val="tx1"/>
-    </dgm:txFillClrLst>
-    <dgm:txEffectClrLst/>
-  </dgm:styleLbl>
-</dgm:colorsDef>
-</file>
-
-<file path=ppt/diagrams/colors3.xml><?xml version="1.0" encoding="utf-8"?>
-<dgm:colorsDef xmlns:dgm="http://schemas.openxmlformats.org/drawingml/2006/diagram" xmlns:a="http://schemas.openxmlformats.org/drawingml/2006/main" uniqueId="urn:microsoft.com/office/officeart/2005/8/colors/accent1_2">
-  <dgm:title val=""/>
-  <dgm:desc val=""/>
-  <dgm:catLst>
-    <dgm:cat type="accent1" pri="11200"/>
-  </dgm:catLst>
-  <dgm:styleLbl name="node0">
-    <dgm:fillClrLst meth="repeat">
-      <a:schemeClr val="accent1"/>
-    </dgm:fillClrLst>
-    <dgm:linClrLst meth="repeat">
-      <a:schemeClr val="lt1"/>
-    </dgm:linClrLst>
-    <dgm:effectClrLst/>
-    <dgm:txLinClrLst/>
-    <dgm:txFillClrLst/>
-    <dgm:txEffectClrLst/>
-  </dgm:styleLbl>
-  <dgm:styleLbl name="alignNode1">
-    <dgm:fillClrLst meth="repeat">
-      <a:schemeClr val="accent1"/>
-    </dgm:fillClrLst>
-    <dgm:linClrLst meth="repeat">
-      <a:schemeClr val="accent1"/>
-    </dgm:linClrLst>
-    <dgm:effectClrLst/>
-    <dgm:txLinClrLst/>
-    <dgm:txFillClrLst/>
-    <dgm:txEffectClrLst/>
-  </dgm:styleLbl>
-  <dgm:styleLbl name="node1">
-    <dgm:fillClrLst meth="repeat">
-      <a:schemeClr val="accent1"/>
-    </dgm:fillClrLst>
-    <dgm:linClrLst meth="repeat">
-      <a:schemeClr val="lt1"/>
-    </dgm:linClrLst>
-    <dgm:effectClrLst/>
-    <dgm:txLinClrLst/>
-    <dgm:txFillClrLst/>
-    <dgm:txEffectClrLst/>
-  </dgm:styleLbl>
-  <dgm:styleLbl name="lnNode1">
-    <dgm:fillClrLst meth="repeat">
-      <a:schemeClr val="accent1"/>
-    </dgm:fillClrLst>
-    <dgm:linClrLst meth="repeat">
-      <a:schemeClr val="lt1"/>
-    </dgm:linClrLst>
-    <dgm:effectClrLst/>
-    <dgm:txLinClrLst/>
-    <dgm:txFillClrLst/>
-    <dgm:txEffectClrLst/>
-  </dgm:styleLbl>
-  <dgm:styleLbl name="vennNode1">
-    <dgm:fillClrLst meth="repeat">
-      <a:schemeClr val="accent1">
-        <a:alpha val="50000"/>
-      </a:schemeClr>
-    </dgm:fillClrLst>
-    <dgm:linClrLst meth="repeat">
-      <a:schemeClr val="lt1"/>
-    </dgm:linClrLst>
-    <dgm:effectClrLst/>
-    <dgm:txLinClrLst/>
-    <dgm:txFillClrLst/>
-    <dgm:txEffectClrLst/>
-  </dgm:styleLbl>
-  <dgm:styleLbl name="node2">
-    <dgm:fillClrLst meth="repeat">
-      <a:schemeClr val="accent1"/>
-    </dgm:fillClrLst>
-    <dgm:linClrLst meth="repeat">
-      <a:schemeClr val="lt1"/>
-    </dgm:linClrLst>
-    <dgm:effectClrLst/>
-    <dgm:txLinClrLst/>
-    <dgm:txFillClrLst/>
-    <dgm:txEffectClrLst/>
-  </dgm:styleLbl>
-  <dgm:styleLbl name="node3">
-    <dgm:fillClrLst meth="repeat">
-      <a:schemeClr val="accent1"/>
-    </dgm:fillClrLst>
-    <dgm:linClrLst meth="repeat">
-      <a:schemeClr val="lt1"/>
-    </dgm:linClrLst>
-    <dgm:effectClrLst/>
-    <dgm:txLinClrLst/>
-    <dgm:txFillClrLst/>
-    <dgm:txEffectClrLst/>
-  </dgm:styleLbl>
-  <dgm:styleLbl name="node4">
-    <dgm:fillClrLst meth="repeat">
-      <a:schemeClr val="accent1"/>
-    </dgm:fillClrLst>
-    <dgm:linClrLst meth="repeat">
-      <a:schemeClr val="lt1"/>
-    </dgm:linClrLst>
-    <dgm:effectClrLst/>
-    <dgm:txLinClrLst/>
-    <dgm:txFillClrLst/>
-    <dgm:txEffectClrLst/>
-  </dgm:styleLbl>
-  <dgm:styleLbl name="fgImgPlace1">
-    <dgm:fillClrLst meth="repeat">
-      <a:schemeClr val="accent1">
-        <a:tint val="50000"/>
-      </a:schemeClr>
-    </dgm:fillClrLst>
-    <dgm:linClrLst meth="repeat">
-      <a:schemeClr val="lt1"/>
-    </dgm:linClrLst>
-    <dgm:effectClrLst/>
-    <dgm:txLinClrLst/>
-    <dgm:txFillClrLst meth="repeat">
-      <a:schemeClr val="lt1"/>
-    </dgm:txFillClrLst>
-    <dgm:txEffectClrLst/>
-  </dgm:styleLbl>
-  <dgm:styleLbl name="alignImgPlace1">
-    <dgm:fillClrLst meth="repeat">
-      <a:schemeClr val="accent1">
-        <a:tint val="50000"/>
-      </a:schemeClr>
-    </dgm:fillClrLst>
-    <dgm:linClrLst meth="repeat">
-      <a:schemeClr val="lt1"/>
-    </dgm:linClrLst>
-    <dgm:effectClrLst/>
-    <dgm:txLinClrLst/>
-    <dgm:txFillClrLst meth="repeat">
-      <a:schemeClr val="lt1"/>
-    </dgm:txFillClrLst>
-    <dgm:txEffectClrLst/>
-  </dgm:styleLbl>
-  <dgm:styleLbl name="bgImgPlace1">
-    <dgm:fillClrLst meth="repeat">
-      <a:schemeClr val="accent1">
-        <a:tint val="50000"/>
-      </a:schemeClr>
-    </dgm:fillClrLst>
-    <dgm:linClrLst meth="repeat">
-      <a:schemeClr val="lt1"/>
-    </dgm:linClrLst>
-    <dgm:effectClrLst/>
-    <dgm:txLinClrLst/>
-    <dgm:txFillClrLst meth="repeat">
-      <a:schemeClr val="lt1"/>
-    </dgm:txFillClrLst>
-    <dgm:txEffectClrLst/>
-  </dgm:styleLbl>
-  <dgm:styleLbl name="sibTrans2D1">
-    <dgm:fillClrLst meth="repeat">
-      <a:schemeClr val="accent1">
-        <a:tint val="60000"/>
-      </a:schemeClr>
-    </dgm:fillClrLst>
-    <dgm:linClrLst meth="repeat">
-      <a:schemeClr val="accent1">
-        <a:tint val="60000"/>
-      </a:schemeClr>
-    </dgm:linClrLst>
-    <dgm:effectClrLst/>
-    <dgm:txLinClrLst/>
-    <dgm:txFillClrLst/>
-    <dgm:txEffectClrLst/>
-  </dgm:styleLbl>
-  <dgm:styleLbl name="fgSibTrans2D1">
-    <dgm:fillClrLst meth="repeat">
-      <a:schemeClr val="accent1">
-        <a:tint val="60000"/>
-      </a:schemeClr>
-    </dgm:fillClrLst>
-    <dgm:linClrLst meth="repeat">
-      <a:schemeClr val="accent1">
-        <a:tint val="60000"/>
-      </a:schemeClr>
-    </dgm:linClrLst>
-    <dgm:effectClrLst/>
-    <dgm:txLinClrLst/>
-    <dgm:txFillClrLst/>
-    <dgm:txEffectClrLst/>
-  </dgm:styleLbl>
-  <dgm:styleLbl name="bgSibTrans2D1">
-    <dgm:fillClrLst meth="repeat">
-      <a:schemeClr val="accent1">
-        <a:tint val="60000"/>
-      </a:schemeClr>
-    </dgm:fillClrLst>
-    <dgm:linClrLst meth="repeat">
-      <a:schemeClr val="accent1">
-        <a:tint val="60000"/>
-      </a:schemeClr>
-    </dgm:linClrLst>
-    <dgm:effectClrLst/>
-    <dgm:txLinClrLst/>
-    <dgm:txFillClrLst/>
-    <dgm:txEffectClrLst/>
-  </dgm:styleLbl>
-  <dgm:styleLbl name="sibTrans1D1">
-    <dgm:fillClrLst meth="repeat">
-      <a:schemeClr val="accent1"/>
-    </dgm:fillClrLst>
-    <dgm:linClrLst meth="repeat">
-      <a:schemeClr val="accent1"/>
-    </dgm:linClrLst>
-    <dgm:effectClrLst/>
-    <dgm:txLinClrLst/>
-    <dgm:txFillClrLst meth="repeat">
-      <a:schemeClr val="tx1"/>
-    </dgm:txFillClrLst>
-    <dgm:txEffectClrLst/>
-  </dgm:styleLbl>
-  <dgm:styleLbl name="callout">
-    <dgm:fillClrLst meth="repeat">
-      <a:schemeClr val="accent1"/>
-    </dgm:fillClrLst>
-    <dgm:linClrLst meth="repeat">
-      <a:schemeClr val="accent1">
-        <a:tint val="50000"/>
-      </a:schemeClr>
-    </dgm:linClrLst>
-    <dgm:effectClrLst/>
-    <dgm:txLinClrLst/>
-    <dgm:txFillClrLst meth="repeat">
-      <a:schemeClr val="tx1"/>
-    </dgm:txFillClrLst>
-    <dgm:txEffectClrLst/>
-  </dgm:styleLbl>
-  <dgm:styleLbl name="asst0">
-    <dgm:fillClrLst meth="repeat">
-      <a:schemeClr val="accent1"/>
-    </dgm:fillClrLst>
-    <dgm:linClrLst meth="repeat">
-      <a:schemeClr val="lt1"/>
-    </dgm:linClrLst>
-    <dgm:effectClrLst/>
-    <dgm:txLinClrLst/>
-    <dgm:txFillClrLst/>
-    <dgm:txEffectClrLst/>
-  </dgm:styleLbl>
-  <dgm:styleLbl name="asst1">
-    <dgm:fillClrLst meth="repeat">
-      <a:schemeClr val="accent1"/>
-    </dgm:fillClrLst>
-    <dgm:linClrLst meth="repeat">
-      <a:schemeClr val="lt1"/>
-    </dgm:linClrLst>
-    <dgm:effectClrLst/>
-    <dgm:txLinClrLst/>
-    <dgm:txFillClrLst/>
-    <dgm:txEffectClrLst/>
-  </dgm:styleLbl>
-  <dgm:styleLbl name="asst2">
-    <dgm:fillClrLst meth="repeat">
-      <a:schemeClr val="accent1"/>
-    </dgm:fillClrLst>
-    <dgm:linClrLst meth="repeat">
-      <a:schemeClr val="lt1"/>
-    </dgm:linClrLst>
-    <dgm:effectClrLst/>
-    <dgm:txLinClrLst/>
-    <dgm:txFillClrLst/>
-    <dgm:txEffectClrLst/>
-  </dgm:styleLbl>
-  <dgm:styleLbl name="asst3">
-    <dgm:fillClrLst meth="repeat">
-      <a:schemeClr val="accent1"/>
-    </dgm:fillClrLst>
-    <dgm:linClrLst meth="repeat">
-      <a:schemeClr val="lt1"/>
-    </dgm:linClrLst>
-    <dgm:effectClrLst/>
-    <dgm:txLinClrLst/>
-    <dgm:txFillClrLst/>
-    <dgm:txEffectClrLst/>
-  </dgm:styleLbl>
-  <dgm:styleLbl name="asst4">
-    <dgm:fillClrLst meth="repeat">
-      <a:schemeClr val="accent1"/>
-    </dgm:fillClrLst>
-    <dgm:linClrLst meth="repeat">
-      <a:schemeClr val="lt1"/>
-    </dgm:linClrLst>
-    <dgm:effectClrLst/>
-    <dgm:txLinClrLst/>
-    <dgm:txFillClrLst/>
-    <dgm:txEffectClrLst/>
-  </dgm:styleLbl>
-  <dgm:styleLbl name="parChTrans2D1">
-    <dgm:fillClrLst meth="repeat">
-      <a:schemeClr val="accent1">
-        <a:tint val="60000"/>
-      </a:schemeClr>
-    </dgm:fillClrLst>
-    <dgm:linClrLst meth="repeat">
-      <a:schemeClr val="accent1">
-        <a:tint val="60000"/>
-      </a:schemeClr>
-    </dgm:linClrLst>
-    <dgm:effectClrLst/>
-    <dgm:txLinClrLst/>
-    <dgm:txFillClrLst meth="repeat">
-      <a:schemeClr val="lt1"/>
-    </dgm:txFillClrLst>
-    <dgm:txEffectClrLst/>
-  </dgm:styleLbl>
-  <dgm:styleLbl name="parChTrans2D2">
-    <dgm:fillClrLst meth="repeat">
-      <a:schemeClr val="accent1"/>
-    </dgm:fillClrLst>
-    <dgm:linClrLst meth="repeat">
-      <a:schemeClr val="accent1"/>
-    </dgm:linClrLst>
-    <dgm:effectClrLst/>
-    <dgm:txLinClrLst/>
-    <dgm:txFillClrLst meth="repeat">
-      <a:schemeClr val="lt1"/>
-    </dgm:txFillClrLst>
-    <dgm:txEffectClrLst/>
-  </dgm:styleLbl>
-  <dgm:styleLbl name="parChTrans2D3">
-    <dgm:fillClrLst meth="repeat">
-      <a:schemeClr val="accent1"/>
-    </dgm:fillClrLst>
-    <dgm:linClrLst meth="repeat">
-      <a:schemeClr val="accent1"/>
-    </dgm:linClrLst>
-    <dgm:effectClrLst/>
-    <dgm:txLinClrLst/>
-    <dgm:txFillClrLst meth="repeat">
-      <a:schemeClr val="lt1"/>
-    </dgm:txFillClrLst>
-    <dgm:txEffectClrLst/>
-  </dgm:styleLbl>
-  <dgm:styleLbl name="parChTrans2D4">
-    <dgm:fillClrLst meth="repeat">
-      <a:schemeClr val="accent1"/>
-    </dgm:fillClrLst>
-    <dgm:linClrLst meth="repeat">
-      <a:schemeClr val="accent1"/>
-    </dgm:linClrLst>
-    <dgm:effectClrLst/>
-    <dgm:txLinClrLst/>
-    <dgm:txFillClrLst meth="repeat">
-      <a:schemeClr val="lt1"/>
-    </dgm:txFillClrLst>
-    <dgm:txEffectClrLst/>
-  </dgm:styleLbl>
-  <dgm:styleLbl name="parChTrans1D1">
-    <dgm:fillClrLst meth="repeat">
-      <a:schemeClr val="accent1"/>
-    </dgm:fillClrLst>
-    <dgm:linClrLst meth="repeat">
-      <a:schemeClr val="accent1">
-        <a:shade val="60000"/>
-      </a:schemeClr>
-    </dgm:linClrLst>
-    <dgm:effectClrLst/>
-    <dgm:txLinClrLst/>
-    <dgm:txFillClrLst meth="repeat">
-      <a:schemeClr val="tx1"/>
-    </dgm:txFillClrLst>
-    <dgm:txEffectClrLst/>
-  </dgm:styleLbl>
-  <dgm:styleLbl name="parChTrans1D2">
-    <dgm:fillClrLst meth="repeat">
-      <a:schemeClr val="accent1"/>
-    </dgm:fillClrLst>
-    <dgm:linClrLst meth="repeat">
-      <a:schemeClr val="accent1">
-        <a:shade val="60000"/>
-      </a:schemeClr>
-    </dgm:linClrLst>
-    <dgm:effectClrLst/>
-    <dgm:txLinClrLst/>
-    <dgm:txFillClrLst meth="repeat">
-      <a:schemeClr val="tx1"/>
-    </dgm:txFillClrLst>
-    <dgm:txEffectClrLst/>
-  </dgm:styleLbl>
-  <dgm:styleLbl name="parChTrans1D3">
-    <dgm:fillClrLst meth="repeat">
-      <a:schemeClr val="accent1"/>
-    </dgm:fillClrLst>
-    <dgm:linClrLst meth="repeat">
-      <a:schemeClr val="accent1">
-        <a:shade val="80000"/>
-      </a:schemeClr>
-    </dgm:linClrLst>
-    <dgm:effectClrLst/>
-    <dgm:txLinClrLst/>
-    <dgm:txFillClrLst meth="repeat">
-      <a:schemeClr val="tx1"/>
-    </dgm:txFillClrLst>
-    <dgm:txEffectClrLst/>
-  </dgm:styleLbl>
-  <dgm:styleLbl name="parChTrans1D4">
-    <dgm:fillClrLst meth="repeat">
-      <a:schemeClr val="accent1"/>
-    </dgm:fillClrLst>
-    <dgm:linClrLst meth="repeat">
-      <a:schemeClr val="accent1">
-        <a:shade val="80000"/>
-      </a:schemeClr>
-    </dgm:linClrLst>
-    <dgm:effectClrLst/>
-    <dgm:txLinClrLst/>
-    <dgm:txFillClrLst meth="repeat">
-      <a:schemeClr val="tx1"/>
-    </dgm:txFillClrLst>
-    <dgm:txEffectClrLst/>
-  </dgm:styleLbl>
-  <dgm:styleLbl name="fgAcc1">
-    <dgm:fillClrLst meth="repeat">
-      <a:schemeClr val="lt1">
-        <a:alpha val="90000"/>
-      </a:schemeClr>
-    </dgm:fillClrLst>
-    <dgm:linClrLst meth="repeat">
-      <a:schemeClr val="accent1"/>
-    </dgm:linClrLst>
-    <dgm:effectClrLst/>
-    <dgm:txLinClrLst/>
-    <dgm:txFillClrLst meth="repeat">
-      <a:schemeClr val="dk1"/>
-    </dgm:txFillClrLst>
-    <dgm:txEffectClrLst/>
-  </dgm:styleLbl>
-  <dgm:styleLbl name="conFgAcc1">
-    <dgm:fillClrLst meth="repeat">
-      <a:schemeClr val="lt1">
-        <a:alpha val="90000"/>
-      </a:schemeClr>
-    </dgm:fillClrLst>
-    <dgm:linClrLst meth="repeat">
-      <a:schemeClr val="accent1"/>
-    </dgm:linClrLst>
-    <dgm:effectClrLst/>
-    <dgm:txLinClrLst/>
-    <dgm:txFillClrLst meth="repeat">
-      <a:schemeClr val="dk1"/>
-    </dgm:txFillClrLst>
-    <dgm:txEffectClrLst/>
-  </dgm:styleLbl>
-  <dgm:styleLbl name="alignAcc1">
-    <dgm:fillClrLst meth="repeat">
-      <a:schemeClr val="lt1">
-        <a:alpha val="90000"/>
-      </a:schemeClr>
-    </dgm:fillClrLst>
-    <dgm:linClrLst meth="repeat">
-      <a:schemeClr val="accent1"/>
-    </dgm:linClrLst>
-    <dgm:effectClrLst/>
-    <dgm:txLinClrLst/>
-    <dgm:txFillClrLst meth="repeat">
-      <a:schemeClr val="dk1"/>
-    </dgm:txFillClrLst>
-    <dgm:txEffectClrLst/>
-  </dgm:styleLbl>
-  <dgm:styleLbl name="trAlignAcc1">
-    <dgm:fillClrLst meth="repeat">
-      <a:schemeClr val="lt1">
-        <a:alpha val="40000"/>
-      </a:schemeClr>
-    </dgm:fillClrLst>
-    <dgm:linClrLst meth="repeat">
-      <a:schemeClr val="accent1"/>
-    </dgm:linClrLst>
-    <dgm:effectClrLst/>
-    <dgm:txLinClrLst/>
-    <dgm:txFillClrLst meth="repeat">
-      <a:schemeClr val="dk1"/>
-    </dgm:txFillClrLst>
-    <dgm:txEffectClrLst/>
-  </dgm:styleLbl>
-  <dgm:styleLbl name="bgAcc1">
-    <dgm:fillClrLst meth="repeat">
-      <a:schemeClr val="lt1">
-        <a:alpha val="90000"/>
-      </a:schemeClr>
-    </dgm:fillClrLst>
-    <dgm:linClrLst meth="repeat">
-      <a:schemeClr val="accent1"/>
-    </dgm:linClrLst>
-    <dgm:effectClrLst/>
-    <dgm:txLinClrLst/>
-    <dgm:txFillClrLst meth="repeat">
-      <a:schemeClr val="dk1"/>
-    </dgm:txFillClrLst>
-    <dgm:txEffectClrLst/>
-  </dgm:styleLbl>
-  <dgm:styleLbl name="solidFgAcc1">
-    <dgm:fillClrLst meth="repeat">
-      <a:schemeClr val="lt1"/>
-    </dgm:fillClrLst>
-    <dgm:linClrLst meth="repeat">
-      <a:schemeClr val="accent1"/>
-    </dgm:linClrLst>
-    <dgm:effectClrLst/>
-    <dgm:txLinClrLst/>
-    <dgm:txFillClrLst meth="repeat">
-      <a:schemeClr val="dk1"/>
-    </dgm:txFillClrLst>
-    <dgm:txEffectClrLst/>
-  </dgm:styleLbl>
-  <dgm:styleLbl name="solidAlignAcc1">
-    <dgm:fillClrLst meth="repeat">
-      <a:schemeClr val="lt1"/>
-    </dgm:fillClrLst>
-    <dgm:linClrLst meth="repeat">
-      <a:schemeClr val="accent1"/>
-    </dgm:linClrLst>
-    <dgm:effectClrLst/>
-    <dgm:txLinClrLst/>
-    <dgm:txFillClrLst meth="repeat">
-      <a:schemeClr val="dk1"/>
-    </dgm:txFillClrLst>
-    <dgm:txEffectClrLst/>
-  </dgm:styleLbl>
-  <dgm:styleLbl name="solidBgAcc1">
-    <dgm:fillClrLst meth="repeat">
-      <a:schemeClr val="lt1"/>
-    </dgm:fillClrLst>
-    <dgm:linClrLst meth="repeat">
-      <a:schemeClr val="accent1"/>
-    </dgm:linClrLst>
-    <dgm:effectClrLst/>
-    <dgm:txLinClrLst/>
-    <dgm:txFillClrLst meth="repeat">
-      <a:schemeClr val="dk1"/>
-    </dgm:txFillClrLst>
-    <dgm:txEffectClrLst/>
-  </dgm:styleLbl>
-  <dgm:styleLbl name="fgAccFollowNode1">
-    <dgm:fillClrLst meth="repeat">
-      <a:schemeClr val="accent1">
-        <a:alpha val="90000"/>
-        <a:tint val="40000"/>
-      </a:schemeClr>
-    </dgm:fillClrLst>
-    <dgm:linClrLst meth="repeat">
-      <a:schemeClr val="accent1">
-        <a:alpha val="90000"/>
-        <a:tint val="40000"/>
-      </a:schemeClr>
-    </dgm:linClrLst>
-    <dgm:effectClrLst/>
-    <dgm:txLinClrLst/>
-    <dgm:txFillClrLst meth="repeat">
-      <a:schemeClr val="dk1"/>
-    </dgm:txFillClrLst>
-    <dgm:txEffectClrLst/>
-  </dgm:styleLbl>
-  <dgm:styleLbl name="alignAccFollowNode1">
-    <dgm:fillClrLst meth="repeat">
-      <a:schemeClr val="accent1">
-        <a:alpha val="90000"/>
-        <a:tint val="40000"/>
-      </a:schemeClr>
-    </dgm:fillClrLst>
-    <dgm:linClrLst meth="repeat">
-      <a:schemeClr val="accent1">
-        <a:alpha val="90000"/>
-        <a:tint val="40000"/>
-      </a:schemeClr>
-    </dgm:linClrLst>
-    <dgm:effectClrLst/>
-    <dgm:txLinClrLst/>
-    <dgm:txFillClrLst meth="repeat">
-      <a:schemeClr val="dk1"/>
-    </dgm:txFillClrLst>
-    <dgm:txEffectClrLst/>
-  </dgm:styleLbl>
-  <dgm:styleLbl name="bgAccFollowNode1">
-    <dgm:fillClrLst meth="repeat">
-      <a:schemeClr val="accent1">
-        <a:alpha val="90000"/>
-        <a:tint val="40000"/>
-      </a:schemeClr>
-    </dgm:fillClrLst>
-    <dgm:linClrLst meth="repeat">
-      <a:schemeClr val="accent1">
-        <a:alpha val="90000"/>
-        <a:tint val="40000"/>
-      </a:schemeClr>
-    </dgm:linClrLst>
-    <dgm:effectClrLst/>
-    <dgm:txLinClrLst/>
-    <dgm:txFillClrLst meth="repeat">
-      <a:schemeClr val="dk1"/>
-    </dgm:txFillClrLst>
-    <dgm:txEffectClrLst/>
-  </dgm:styleLbl>
-  <dgm:styleLbl name="fgAcc0">
-    <dgm:fillClrLst meth="repeat">
-      <a:schemeClr val="lt1">
-        <a:alpha val="90000"/>
-      </a:schemeClr>
-    </dgm:fillClrLst>
-    <dgm:linClrLst meth="repeat">
-      <a:schemeClr val="accent1"/>
-    </dgm:linClrLst>
-    <dgm:effectClrLst/>
-    <dgm:txLinClrLst/>
-    <dgm:txFillClrLst meth="repeat">
-      <a:schemeClr val="dk1"/>
-    </dgm:txFillClrLst>
-    <dgm:txEffectClrLst/>
-  </dgm:styleLbl>
-  <dgm:styleLbl name="fgAcc2">
-    <dgm:fillClrLst meth="repeat">
-      <a:schemeClr val="lt1">
-        <a:alpha val="90000"/>
-      </a:schemeClr>
-    </dgm:fillClrLst>
-    <dgm:linClrLst meth="repeat">
-      <a:schemeClr val="accent1"/>
-    </dgm:linClrLst>
-    <dgm:effectClrLst/>
-    <dgm:txLinClrLst/>
-    <dgm:txFillClrLst meth="repeat">
-      <a:schemeClr val="dk1"/>
-    </dgm:txFillClrLst>
-    <dgm:txEffectClrLst/>
-  </dgm:styleLbl>
-  <dgm:styleLbl name="fgAcc3">
-    <dgm:fillClrLst meth="repeat">
-      <a:schemeClr val="lt1">
-        <a:alpha val="90000"/>
-      </a:schemeClr>
-    </dgm:fillClrLst>
-    <dgm:linClrLst meth="repeat">
-      <a:schemeClr val="accent1"/>
-    </dgm:linClrLst>
-    <dgm:effectClrLst/>
-    <dgm:txLinClrLst/>
-    <dgm:txFillClrLst meth="repeat">
-      <a:schemeClr val="dk1"/>
-    </dgm:txFillClrLst>
-    <dgm:txEffectClrLst/>
-  </dgm:styleLbl>
-  <dgm:styleLbl name="fgAcc4">
-    <dgm:fillClrLst meth="repeat">
-      <a:schemeClr val="lt1">
-        <a:alpha val="90000"/>
-      </a:schemeClr>
-    </dgm:fillClrLst>
-    <dgm:linClrLst meth="repeat">
-      <a:schemeClr val="accent1"/>
-    </dgm:linClrLst>
-    <dgm:effectClrLst/>
-    <dgm:txLinClrLst/>
-    <dgm:txFillClrLst meth="repeat">
-      <a:schemeClr val="dk1"/>
-    </dgm:txFillClrLst>
-    <dgm:txEffectClrLst/>
-  </dgm:styleLbl>
-  <dgm:styleLbl name="bgShp">
-    <dgm:fillClrLst meth="repeat">
-      <a:schemeClr val="accent1">
-        <a:tint val="40000"/>
-      </a:schemeClr>
-    </dgm:fillClrLst>
-    <dgm:linClrLst meth="repeat">
-      <a:schemeClr val="accent1"/>
-    </dgm:linClrLst>
-    <dgm:effectClrLst/>
-    <dgm:txLinClrLst/>
-    <dgm:txFillClrLst meth="repeat">
-      <a:schemeClr val="dk1"/>
-    </dgm:txFillClrLst>
-    <dgm:txEffectClrLst/>
-  </dgm:styleLbl>
-  <dgm:styleLbl name="dkBgShp">
-    <dgm:fillClrLst meth="repeat">
-      <a:schemeClr val="accent1">
-        <a:shade val="80000"/>
-      </a:schemeClr>
-    </dgm:fillClrLst>
-    <dgm:linClrLst meth="repeat">
-      <a:schemeClr val="accent1"/>
-    </dgm:linClrLst>
-    <dgm:effectClrLst/>
-    <dgm:txLinClrLst/>
-    <dgm:txFillClrLst meth="repeat">
-      <a:schemeClr val="lt1"/>
-    </dgm:txFillClrLst>
-    <dgm:txEffectClrLst/>
-  </dgm:styleLbl>
-  <dgm:styleLbl name="trBgShp">
-    <dgm:fillClrLst meth="repeat">
-      <a:schemeClr val="accent1">
-        <a:tint val="50000"/>
-        <a:alpha val="40000"/>
-      </a:schemeClr>
-    </dgm:fillClrLst>
-    <dgm:linClrLst meth="repeat">
-      <a:schemeClr val="accent1"/>
-    </dgm:linClrLst>
-    <dgm:effectClrLst/>
-    <dgm:txLinClrLst/>
-    <dgm:txFillClrLst meth="repeat">
-      <a:schemeClr val="lt1"/>
-    </dgm:txFillClrLst>
-    <dgm:txEffectClrLst/>
-  </dgm:styleLbl>
-  <dgm:styleLbl name="fgShp">
-    <dgm:fillClrLst meth="repeat">
-      <a:schemeClr val="accent1">
         <a:tint val="60000"/>
       </a:schemeClr>
     </dgm:fillClrLst>
@@ -2929,547 +2188,6 @@
     <dgm:cxn modelId="{45AD6709-1045-457A-8BC4-B132A4CBB125}" type="presParOf" srcId="{161FFB12-F7C2-44B4-937E-4D5E0A3A37B0}" destId="{A7FE1B4E-7C1A-4B61-8351-3D397F88FC7E}" srcOrd="1" destOrd="0" presId="urn:microsoft.com/office/officeart/2018/2/layout/IconVerticalSolidList"/>
     <dgm:cxn modelId="{598C54A9-1D42-4E1D-965A-CE3ABC07DC35}" type="presParOf" srcId="{161FFB12-F7C2-44B4-937E-4D5E0A3A37B0}" destId="{A1830574-430C-4E5C-9661-96816BC301DA}" srcOrd="2" destOrd="0" presId="urn:microsoft.com/office/officeart/2018/2/layout/IconVerticalSolidList"/>
     <dgm:cxn modelId="{825E370E-E9A7-45D9-B81F-D7963D9EEA0D}" type="presParOf" srcId="{161FFB12-F7C2-44B4-937E-4D5E0A3A37B0}" destId="{63342947-ADB2-4EDD-BB78-8684C7A65904}" srcOrd="3" destOrd="0" presId="urn:microsoft.com/office/officeart/2018/2/layout/IconVerticalSolidList"/>
-  </dgm:cxnLst>
-  <dgm:bg/>
-  <dgm:whole/>
-  <dgm:extLst>
-    <a:ext uri="http://schemas.microsoft.com/office/drawing/2008/diagram">
-      <dsp:dataModelExt xmlns:dsp="http://schemas.microsoft.com/office/drawing/2008/diagram" relId="rId6" minVer="http://schemas.openxmlformats.org/drawingml/2006/diagram"/>
-    </a:ext>
-  </dgm:extLst>
-</dgm:dataModel>
-</file>
-
-<file path=ppt/diagrams/data3.xml><?xml version="1.0" encoding="utf-8"?>
-<dgm:dataModel xmlns:dgm="http://schemas.openxmlformats.org/drawingml/2006/diagram" xmlns:a="http://schemas.openxmlformats.org/drawingml/2006/main">
-  <dgm:ptLst>
-    <dgm:pt modelId="{40AC4323-7157-4518-9BFE-24AC503D514D}" type="doc">
-      <dgm:prSet loTypeId="urn:microsoft.com/office/officeart/2016/7/layout/RepeatingBendingProcessNew" loCatId="process" qsTypeId="urn:microsoft.com/office/officeart/2005/8/quickstyle/simple1" qsCatId="simple" csTypeId="urn:microsoft.com/office/officeart/2005/8/colors/accent1_2" csCatId="accent1" phldr="1"/>
-      <dgm:spPr/>
-      <dgm:t>
-        <a:bodyPr/>
-        <a:lstStyle/>
-        <a:p>
-          <a:endParaRPr lang="en-US"/>
-        </a:p>
-      </dgm:t>
-    </dgm:pt>
-    <dgm:pt modelId="{135C44CD-EBF4-4B95-8F7A-BA73AC05D080}">
-      <dgm:prSet/>
-      <dgm:spPr/>
-      <dgm:t>
-        <a:bodyPr/>
-        <a:lstStyle/>
-        <a:p>
-          <a:r>
-            <a:rPr lang="es-ES" dirty="0"/>
-            <a:t>Se crea una </a:t>
-          </a:r>
-          <a:r>
-            <a:rPr lang="es-ES" dirty="0" err="1"/>
-            <a:t>listaCerrado</a:t>
-          </a:r>
-          <a:r>
-            <a:rPr lang="es-ES" dirty="0"/>
-            <a:t> para mantener un registro de las casillas que se han explorado y se inicializa con la casilla de origen. </a:t>
-          </a:r>
-          <a:endParaRPr lang="en-US" dirty="0"/>
-        </a:p>
-      </dgm:t>
-    </dgm:pt>
-    <dgm:pt modelId="{AE331D93-0640-4E8F-B9F1-6DB54D09BE46}" type="parTrans" cxnId="{5017D044-8D8D-43D3-8353-4A88F1710E4B}">
-      <dgm:prSet/>
-      <dgm:spPr/>
-      <dgm:t>
-        <a:bodyPr/>
-        <a:lstStyle/>
-        <a:p>
-          <a:endParaRPr lang="en-US"/>
-        </a:p>
-      </dgm:t>
-    </dgm:pt>
-    <dgm:pt modelId="{D33F897D-A00B-42A9-9821-B566DA7D8FC4}" type="sibTrans" cxnId="{5017D044-8D8D-43D3-8353-4A88F1710E4B}">
-      <dgm:prSet/>
-      <dgm:spPr/>
-      <dgm:t>
-        <a:bodyPr/>
-        <a:lstStyle/>
-        <a:p>
-          <a:endParaRPr lang="en-US"/>
-        </a:p>
-      </dgm:t>
-    </dgm:pt>
-    <dgm:pt modelId="{0CF1F4E1-7B49-46EA-99A0-8CA8537DC7DE}">
-      <dgm:prSet/>
-      <dgm:spPr/>
-      <dgm:t>
-        <a:bodyPr/>
-        <a:lstStyle/>
-        <a:p>
-          <a:r>
-            <a:rPr lang="es-ES" dirty="0"/>
-            <a:t>Se crea una lista </a:t>
-          </a:r>
-          <a:r>
-            <a:rPr lang="es-ES" dirty="0" err="1"/>
-            <a:t>sinSalidapara</a:t>
-          </a:r>
-          <a:r>
-            <a:rPr lang="es-ES" dirty="0"/>
-            <a:t> mantener un registro de las casillas que se han explorado y no tienen salida</a:t>
-          </a:r>
-          <a:endParaRPr lang="en-US" dirty="0"/>
-        </a:p>
-      </dgm:t>
-    </dgm:pt>
-    <dgm:pt modelId="{71D28368-0FAA-4A5C-8F75-FBAF8BEA45DC}" type="parTrans" cxnId="{CC7F685A-82AC-4D2E-9D71-AAE68905F4C3}">
-      <dgm:prSet/>
-      <dgm:spPr/>
-      <dgm:t>
-        <a:bodyPr/>
-        <a:lstStyle/>
-        <a:p>
-          <a:endParaRPr lang="en-US"/>
-        </a:p>
-      </dgm:t>
-    </dgm:pt>
-    <dgm:pt modelId="{7391E6C3-0523-4492-ACF4-9887CF172284}" type="sibTrans" cxnId="{CC7F685A-82AC-4D2E-9D71-AAE68905F4C3}">
-      <dgm:prSet/>
-      <dgm:spPr/>
-      <dgm:t>
-        <a:bodyPr/>
-        <a:lstStyle/>
-        <a:p>
-          <a:endParaRPr lang="en-US"/>
-        </a:p>
-      </dgm:t>
-    </dgm:pt>
-    <dgm:pt modelId="{71F365F9-B027-4213-A5FF-2B614DE764C8}">
-      <dgm:prSet/>
-      <dgm:spPr/>
-      <dgm:t>
-        <a:bodyPr/>
-        <a:lstStyle/>
-        <a:p>
-          <a:r>
-            <a:rPr lang="es-ES" dirty="0"/>
-            <a:t>Se inicializan </a:t>
-          </a:r>
-          <a:r>
-            <a:rPr lang="es-ES" dirty="0" err="1"/>
-            <a:t>listaVecinos</a:t>
-          </a:r>
-          <a:r>
-            <a:rPr lang="es-ES" dirty="0"/>
-            <a:t> y </a:t>
-          </a:r>
-          <a:r>
-            <a:rPr lang="es-ES" dirty="0" err="1"/>
-            <a:t>listaAbierto</a:t>
-          </a:r>
-          <a:r>
-            <a:rPr lang="es-ES" dirty="0"/>
-            <a:t> con los vecinos de la casilla de origen. </a:t>
-          </a:r>
-          <a:endParaRPr lang="en-US" dirty="0"/>
-        </a:p>
-      </dgm:t>
-    </dgm:pt>
-    <dgm:pt modelId="{261C99D1-C00E-4FE8-A02E-E7E8A514DFD1}" type="parTrans" cxnId="{EDC58470-C5E3-4343-9DFD-7D11E7DE019E}">
-      <dgm:prSet/>
-      <dgm:spPr/>
-      <dgm:t>
-        <a:bodyPr/>
-        <a:lstStyle/>
-        <a:p>
-          <a:endParaRPr lang="en-US"/>
-        </a:p>
-      </dgm:t>
-    </dgm:pt>
-    <dgm:pt modelId="{5BF1DF21-EEE8-429D-BCEF-968542E7F6C3}" type="sibTrans" cxnId="{EDC58470-C5E3-4343-9DFD-7D11E7DE019E}">
-      <dgm:prSet/>
-      <dgm:spPr/>
-      <dgm:t>
-        <a:bodyPr/>
-        <a:lstStyle/>
-        <a:p>
-          <a:endParaRPr lang="en-US"/>
-        </a:p>
-      </dgm:t>
-    </dgm:pt>
-    <dgm:pt modelId="{2FB1379D-6A5C-46B1-A022-184F8CEA4302}">
-      <dgm:prSet/>
-      <dgm:spPr/>
-      <dgm:t>
-        <a:bodyPr/>
-        <a:lstStyle/>
-        <a:p>
-          <a:r>
-            <a:rPr lang="es-ES" dirty="0"/>
-            <a:t>Se calcula el peso de los vecinos.</a:t>
-          </a:r>
-          <a:endParaRPr lang="en-US" dirty="0"/>
-        </a:p>
-      </dgm:t>
-    </dgm:pt>
-    <dgm:pt modelId="{FFCF2209-1581-4C2C-85C0-E936E68B2BC2}" type="parTrans" cxnId="{1B76F7F3-140C-47D4-9066-089203049000}">
-      <dgm:prSet/>
-      <dgm:spPr/>
-      <dgm:t>
-        <a:bodyPr/>
-        <a:lstStyle/>
-        <a:p>
-          <a:endParaRPr lang="en-US"/>
-        </a:p>
-      </dgm:t>
-    </dgm:pt>
-    <dgm:pt modelId="{5EE070CD-5CA7-4E4E-8D46-C19F683711C8}" type="sibTrans" cxnId="{1B76F7F3-140C-47D4-9066-089203049000}">
-      <dgm:prSet/>
-      <dgm:spPr/>
-      <dgm:t>
-        <a:bodyPr/>
-        <a:lstStyle/>
-        <a:p>
-          <a:endParaRPr lang="en-US"/>
-        </a:p>
-      </dgm:t>
-    </dgm:pt>
-    <dgm:pt modelId="{C306BFA5-5020-4816-A431-52A39CE3642C}">
-      <dgm:prSet/>
-      <dgm:spPr/>
-      <dgm:t>
-        <a:bodyPr/>
-        <a:lstStyle/>
-        <a:p>
-          <a:r>
-            <a:rPr lang="es-ES" dirty="0"/>
-            <a:t>Mientras la casilla de destino no esté en la lista cerrado. </a:t>
-          </a:r>
-          <a:endParaRPr lang="en-US" dirty="0"/>
-        </a:p>
-      </dgm:t>
-    </dgm:pt>
-    <dgm:pt modelId="{093B2777-DB2B-4F72-982B-2C37074E2E25}" type="parTrans" cxnId="{043EED14-5ED8-40F8-8970-A2F0EB19319A}">
-      <dgm:prSet/>
-      <dgm:spPr/>
-      <dgm:t>
-        <a:bodyPr/>
-        <a:lstStyle/>
-        <a:p>
-          <a:endParaRPr lang="en-US"/>
-        </a:p>
-      </dgm:t>
-    </dgm:pt>
-    <dgm:pt modelId="{C95AF643-0AD5-40C5-8850-9868AA68A744}" type="sibTrans" cxnId="{043EED14-5ED8-40F8-8970-A2F0EB19319A}">
-      <dgm:prSet/>
-      <dgm:spPr/>
-      <dgm:t>
-        <a:bodyPr/>
-        <a:lstStyle/>
-        <a:p>
-          <a:endParaRPr lang="en-US"/>
-        </a:p>
-      </dgm:t>
-    </dgm:pt>
-    <dgm:pt modelId="{7982E65C-9976-4236-B988-E9DE46A223B1}">
-      <dgm:prSet/>
-      <dgm:spPr/>
-      <dgm:t>
-        <a:bodyPr/>
-        <a:lstStyle/>
-        <a:p>
-          <a:r>
-            <a:rPr lang="es-ES" dirty="0"/>
-            <a:t>Buscar el vecino con el valor F mínimo y lo agrega a la lista cerrado.</a:t>
-          </a:r>
-          <a:endParaRPr lang="en-US" dirty="0"/>
-        </a:p>
-      </dgm:t>
-    </dgm:pt>
-    <dgm:pt modelId="{BD820F58-EA1E-4D76-803A-69CB90815068}" type="parTrans" cxnId="{C677E9C9-48BE-4286-8049-AB8B29A2E8C8}">
-      <dgm:prSet/>
-      <dgm:spPr/>
-      <dgm:t>
-        <a:bodyPr/>
-        <a:lstStyle/>
-        <a:p>
-          <a:endParaRPr lang="en-US"/>
-        </a:p>
-      </dgm:t>
-    </dgm:pt>
-    <dgm:pt modelId="{93B9B1E3-FA97-4950-8EED-A21ACEBE0C62}" type="sibTrans" cxnId="{C677E9C9-48BE-4286-8049-AB8B29A2E8C8}">
-      <dgm:prSet/>
-      <dgm:spPr/>
-      <dgm:t>
-        <a:bodyPr/>
-        <a:lstStyle/>
-        <a:p>
-          <a:endParaRPr lang="en-US"/>
-        </a:p>
-      </dgm:t>
-    </dgm:pt>
-    <dgm:pt modelId="{24ADA3F4-3C6B-4125-A317-D232AA6C1978}">
-      <dgm:prSet/>
-      <dgm:spPr/>
-      <dgm:t>
-        <a:bodyPr/>
-        <a:lstStyle/>
-        <a:p>
-          <a:r>
-            <a:rPr lang="es-ES" dirty="0"/>
-            <a:t>Si no se encuentra un vecino válido en vecinos, se coloca a la casilla como </a:t>
-          </a:r>
-          <a:r>
-            <a:rPr lang="es-ES" dirty="0" err="1"/>
-            <a:t>sinSalida</a:t>
-          </a:r>
-          <a:endParaRPr lang="en-US" dirty="0"/>
-        </a:p>
-      </dgm:t>
-    </dgm:pt>
-    <dgm:pt modelId="{CA82928B-2169-436A-B36E-0D5C71CA76C6}" type="parTrans" cxnId="{07888DC0-6DBB-4002-91DB-09CDF6604BDC}">
-      <dgm:prSet/>
-      <dgm:spPr/>
-      <dgm:t>
-        <a:bodyPr/>
-        <a:lstStyle/>
-        <a:p>
-          <a:endParaRPr lang="en-US"/>
-        </a:p>
-      </dgm:t>
-    </dgm:pt>
-    <dgm:pt modelId="{E7F53130-2BA1-41EC-A9F0-92A4AA2F9AA9}" type="sibTrans" cxnId="{07888DC0-6DBB-4002-91DB-09CDF6604BDC}">
-      <dgm:prSet/>
-      <dgm:spPr/>
-      <dgm:t>
-        <a:bodyPr/>
-        <a:lstStyle/>
-        <a:p>
-          <a:endParaRPr lang="en-US"/>
-        </a:p>
-      </dgm:t>
-    </dgm:pt>
-    <dgm:pt modelId="{3524BF7E-265A-4CCD-AAEB-D524934BD0F8}">
-      <dgm:prSet/>
-      <dgm:spPr/>
-      <dgm:t>
-        <a:bodyPr/>
-        <a:lstStyle/>
-        <a:p>
-          <a:r>
-            <a:rPr lang="es-ES" dirty="0"/>
-            <a:t>Una vez que se encuentra la casilla de destino en cerrado, se genera el camino. </a:t>
-          </a:r>
-          <a:endParaRPr lang="en-US" dirty="0"/>
-        </a:p>
-      </dgm:t>
-    </dgm:pt>
-    <dgm:pt modelId="{26FE201D-802B-4675-846F-84DDE20A04E8}" type="parTrans" cxnId="{993088EE-42A2-4BEE-8735-101BBBD0596C}">
-      <dgm:prSet/>
-      <dgm:spPr/>
-      <dgm:t>
-        <a:bodyPr/>
-        <a:lstStyle/>
-        <a:p>
-          <a:endParaRPr lang="en-US"/>
-        </a:p>
-      </dgm:t>
-    </dgm:pt>
-    <dgm:pt modelId="{290C10BE-4E16-4DCD-B2BF-669684276EC2}" type="sibTrans" cxnId="{993088EE-42A2-4BEE-8735-101BBBD0596C}">
-      <dgm:prSet/>
-      <dgm:spPr/>
-      <dgm:t>
-        <a:bodyPr/>
-        <a:lstStyle/>
-        <a:p>
-          <a:endParaRPr lang="en-US"/>
-        </a:p>
-      </dgm:t>
-    </dgm:pt>
-    <dgm:pt modelId="{99444A4B-A722-4523-92D2-F1F354EE61FF}" type="pres">
-      <dgm:prSet presAssocID="{40AC4323-7157-4518-9BFE-24AC503D514D}" presName="Name0" presStyleCnt="0">
-        <dgm:presLayoutVars>
-          <dgm:dir/>
-          <dgm:resizeHandles val="exact"/>
-        </dgm:presLayoutVars>
-      </dgm:prSet>
-      <dgm:spPr/>
-    </dgm:pt>
-    <dgm:pt modelId="{5D831626-22C6-4BC7-BF68-442CD67D9147}" type="pres">
-      <dgm:prSet presAssocID="{135C44CD-EBF4-4B95-8F7A-BA73AC05D080}" presName="node" presStyleLbl="node1" presStyleIdx="0" presStyleCnt="8">
-        <dgm:presLayoutVars>
-          <dgm:bulletEnabled val="1"/>
-        </dgm:presLayoutVars>
-      </dgm:prSet>
-      <dgm:spPr/>
-    </dgm:pt>
-    <dgm:pt modelId="{3E741D07-C726-43C5-A56E-014F68E01091}" type="pres">
-      <dgm:prSet presAssocID="{D33F897D-A00B-42A9-9821-B566DA7D8FC4}" presName="sibTrans" presStyleLbl="sibTrans1D1" presStyleIdx="0" presStyleCnt="7"/>
-      <dgm:spPr/>
-    </dgm:pt>
-    <dgm:pt modelId="{A1452D28-B53F-4AAD-9ABE-E18A0DCC6F51}" type="pres">
-      <dgm:prSet presAssocID="{D33F897D-A00B-42A9-9821-B566DA7D8FC4}" presName="connectorText" presStyleLbl="sibTrans1D1" presStyleIdx="0" presStyleCnt="7"/>
-      <dgm:spPr/>
-    </dgm:pt>
-    <dgm:pt modelId="{C39A7D16-5F3A-4683-9352-CBD1EB3EF0EB}" type="pres">
-      <dgm:prSet presAssocID="{0CF1F4E1-7B49-46EA-99A0-8CA8537DC7DE}" presName="node" presStyleLbl="node1" presStyleIdx="1" presStyleCnt="8">
-        <dgm:presLayoutVars>
-          <dgm:bulletEnabled val="1"/>
-        </dgm:presLayoutVars>
-      </dgm:prSet>
-      <dgm:spPr/>
-    </dgm:pt>
-    <dgm:pt modelId="{36DBD99E-D7E9-4A1A-8482-C53DECFEA8AD}" type="pres">
-      <dgm:prSet presAssocID="{7391E6C3-0523-4492-ACF4-9887CF172284}" presName="sibTrans" presStyleLbl="sibTrans1D1" presStyleIdx="1" presStyleCnt="7"/>
-      <dgm:spPr/>
-    </dgm:pt>
-    <dgm:pt modelId="{E45468E7-7935-4F95-AFFA-B68285C98E62}" type="pres">
-      <dgm:prSet presAssocID="{7391E6C3-0523-4492-ACF4-9887CF172284}" presName="connectorText" presStyleLbl="sibTrans1D1" presStyleIdx="1" presStyleCnt="7"/>
-      <dgm:spPr/>
-    </dgm:pt>
-    <dgm:pt modelId="{FEE99762-A1B7-409A-A90B-ADFE8D45AFCA}" type="pres">
-      <dgm:prSet presAssocID="{71F365F9-B027-4213-A5FF-2B614DE764C8}" presName="node" presStyleLbl="node1" presStyleIdx="2" presStyleCnt="8">
-        <dgm:presLayoutVars>
-          <dgm:bulletEnabled val="1"/>
-        </dgm:presLayoutVars>
-      </dgm:prSet>
-      <dgm:spPr/>
-    </dgm:pt>
-    <dgm:pt modelId="{62B90581-848D-4D3E-AE9E-CAE7170B477F}" type="pres">
-      <dgm:prSet presAssocID="{5BF1DF21-EEE8-429D-BCEF-968542E7F6C3}" presName="sibTrans" presStyleLbl="sibTrans1D1" presStyleIdx="2" presStyleCnt="7"/>
-      <dgm:spPr/>
-    </dgm:pt>
-    <dgm:pt modelId="{493E2600-FC6C-41AD-BBF7-69DFA0DAF40D}" type="pres">
-      <dgm:prSet presAssocID="{5BF1DF21-EEE8-429D-BCEF-968542E7F6C3}" presName="connectorText" presStyleLbl="sibTrans1D1" presStyleIdx="2" presStyleCnt="7"/>
-      <dgm:spPr/>
-    </dgm:pt>
-    <dgm:pt modelId="{118B9D79-8942-48F8-9017-29F6A5AACA58}" type="pres">
-      <dgm:prSet presAssocID="{2FB1379D-6A5C-46B1-A022-184F8CEA4302}" presName="node" presStyleLbl="node1" presStyleIdx="3" presStyleCnt="8">
-        <dgm:presLayoutVars>
-          <dgm:bulletEnabled val="1"/>
-        </dgm:presLayoutVars>
-      </dgm:prSet>
-      <dgm:spPr/>
-    </dgm:pt>
-    <dgm:pt modelId="{AE2C8011-9EDB-4C66-B3F6-858C926135CF}" type="pres">
-      <dgm:prSet presAssocID="{5EE070CD-5CA7-4E4E-8D46-C19F683711C8}" presName="sibTrans" presStyleLbl="sibTrans1D1" presStyleIdx="3" presStyleCnt="7"/>
-      <dgm:spPr/>
-    </dgm:pt>
-    <dgm:pt modelId="{79084606-B07F-4774-BE29-0926107BA1B4}" type="pres">
-      <dgm:prSet presAssocID="{5EE070CD-5CA7-4E4E-8D46-C19F683711C8}" presName="connectorText" presStyleLbl="sibTrans1D1" presStyleIdx="3" presStyleCnt="7"/>
-      <dgm:spPr/>
-    </dgm:pt>
-    <dgm:pt modelId="{5676FCA6-6829-4E9F-B026-55328BACFF52}" type="pres">
-      <dgm:prSet presAssocID="{C306BFA5-5020-4816-A431-52A39CE3642C}" presName="node" presStyleLbl="node1" presStyleIdx="4" presStyleCnt="8">
-        <dgm:presLayoutVars>
-          <dgm:bulletEnabled val="1"/>
-        </dgm:presLayoutVars>
-      </dgm:prSet>
-      <dgm:spPr/>
-    </dgm:pt>
-    <dgm:pt modelId="{1738FE6A-35FE-4114-8809-5AE1F888E1E7}" type="pres">
-      <dgm:prSet presAssocID="{C95AF643-0AD5-40C5-8850-9868AA68A744}" presName="sibTrans" presStyleLbl="sibTrans1D1" presStyleIdx="4" presStyleCnt="7"/>
-      <dgm:spPr/>
-    </dgm:pt>
-    <dgm:pt modelId="{241919E8-274A-4D9E-94C1-CDDE2FE2A61D}" type="pres">
-      <dgm:prSet presAssocID="{C95AF643-0AD5-40C5-8850-9868AA68A744}" presName="connectorText" presStyleLbl="sibTrans1D1" presStyleIdx="4" presStyleCnt="7"/>
-      <dgm:spPr/>
-    </dgm:pt>
-    <dgm:pt modelId="{1B60D0A4-295C-4E03-BC56-0CA98ADC28C5}" type="pres">
-      <dgm:prSet presAssocID="{7982E65C-9976-4236-B988-E9DE46A223B1}" presName="node" presStyleLbl="node1" presStyleIdx="5" presStyleCnt="8">
-        <dgm:presLayoutVars>
-          <dgm:bulletEnabled val="1"/>
-        </dgm:presLayoutVars>
-      </dgm:prSet>
-      <dgm:spPr/>
-    </dgm:pt>
-    <dgm:pt modelId="{E558AE28-6150-4B3D-8067-5083C074726D}" type="pres">
-      <dgm:prSet presAssocID="{93B9B1E3-FA97-4950-8EED-A21ACEBE0C62}" presName="sibTrans" presStyleLbl="sibTrans1D1" presStyleIdx="5" presStyleCnt="7"/>
-      <dgm:spPr/>
-    </dgm:pt>
-    <dgm:pt modelId="{C0C69A3C-934D-4FB0-A556-12C344B473A1}" type="pres">
-      <dgm:prSet presAssocID="{93B9B1E3-FA97-4950-8EED-A21ACEBE0C62}" presName="connectorText" presStyleLbl="sibTrans1D1" presStyleIdx="5" presStyleCnt="7"/>
-      <dgm:spPr/>
-    </dgm:pt>
-    <dgm:pt modelId="{EC0F0D84-F7AB-4150-9F9A-AD3EE369D3CA}" type="pres">
-      <dgm:prSet presAssocID="{24ADA3F4-3C6B-4125-A317-D232AA6C1978}" presName="node" presStyleLbl="node1" presStyleIdx="6" presStyleCnt="8">
-        <dgm:presLayoutVars>
-          <dgm:bulletEnabled val="1"/>
-        </dgm:presLayoutVars>
-      </dgm:prSet>
-      <dgm:spPr/>
-    </dgm:pt>
-    <dgm:pt modelId="{B724C9CB-0876-4E04-B62C-14730A20EAB7}" type="pres">
-      <dgm:prSet presAssocID="{E7F53130-2BA1-41EC-A9F0-92A4AA2F9AA9}" presName="sibTrans" presStyleLbl="sibTrans1D1" presStyleIdx="6" presStyleCnt="7"/>
-      <dgm:spPr/>
-    </dgm:pt>
-    <dgm:pt modelId="{7862C1A5-5E71-4014-96CD-6FF7B8F80465}" type="pres">
-      <dgm:prSet presAssocID="{E7F53130-2BA1-41EC-A9F0-92A4AA2F9AA9}" presName="connectorText" presStyleLbl="sibTrans1D1" presStyleIdx="6" presStyleCnt="7"/>
-      <dgm:spPr/>
-    </dgm:pt>
-    <dgm:pt modelId="{3E84BAD1-F307-47C0-8ED5-A7FAA6886B44}" type="pres">
-      <dgm:prSet presAssocID="{3524BF7E-265A-4CCD-AAEB-D524934BD0F8}" presName="node" presStyleLbl="node1" presStyleIdx="7" presStyleCnt="8">
-        <dgm:presLayoutVars>
-          <dgm:bulletEnabled val="1"/>
-        </dgm:presLayoutVars>
-      </dgm:prSet>
-      <dgm:spPr/>
-    </dgm:pt>
-  </dgm:ptLst>
-  <dgm:cxnLst>
-    <dgm:cxn modelId="{043EED14-5ED8-40F8-8970-A2F0EB19319A}" srcId="{40AC4323-7157-4518-9BFE-24AC503D514D}" destId="{C306BFA5-5020-4816-A431-52A39CE3642C}" srcOrd="4" destOrd="0" parTransId="{093B2777-DB2B-4F72-982B-2C37074E2E25}" sibTransId="{C95AF643-0AD5-40C5-8850-9868AA68A744}"/>
-    <dgm:cxn modelId="{48F9CC39-26BB-4750-9C9A-41B4C2406942}" type="presOf" srcId="{7391E6C3-0523-4492-ACF4-9887CF172284}" destId="{E45468E7-7935-4F95-AFFA-B68285C98E62}" srcOrd="1" destOrd="0" presId="urn:microsoft.com/office/officeart/2016/7/layout/RepeatingBendingProcessNew"/>
-    <dgm:cxn modelId="{37C76B5D-9B9A-4DE8-9224-730F783D51F4}" type="presOf" srcId="{E7F53130-2BA1-41EC-A9F0-92A4AA2F9AA9}" destId="{7862C1A5-5E71-4014-96CD-6FF7B8F80465}" srcOrd="1" destOrd="0" presId="urn:microsoft.com/office/officeart/2016/7/layout/RepeatingBendingProcessNew"/>
-    <dgm:cxn modelId="{386CCB5E-65EA-4CD5-80CA-BE7C8BF45FB4}" type="presOf" srcId="{7391E6C3-0523-4492-ACF4-9887CF172284}" destId="{36DBD99E-D7E9-4A1A-8482-C53DECFEA8AD}" srcOrd="0" destOrd="0" presId="urn:microsoft.com/office/officeart/2016/7/layout/RepeatingBendingProcessNew"/>
-    <dgm:cxn modelId="{E185985F-AF3E-4A28-8E6A-B2CAADA60B41}" type="presOf" srcId="{24ADA3F4-3C6B-4125-A317-D232AA6C1978}" destId="{EC0F0D84-F7AB-4150-9F9A-AD3EE369D3CA}" srcOrd="0" destOrd="0" presId="urn:microsoft.com/office/officeart/2016/7/layout/RepeatingBendingProcessNew"/>
-    <dgm:cxn modelId="{5017D044-8D8D-43D3-8353-4A88F1710E4B}" srcId="{40AC4323-7157-4518-9BFE-24AC503D514D}" destId="{135C44CD-EBF4-4B95-8F7A-BA73AC05D080}" srcOrd="0" destOrd="0" parTransId="{AE331D93-0640-4E8F-B9F1-6DB54D09BE46}" sibTransId="{D33F897D-A00B-42A9-9821-B566DA7D8FC4}"/>
-    <dgm:cxn modelId="{2ED80847-12DA-4E58-97EE-35B80B9DA213}" type="presOf" srcId="{2FB1379D-6A5C-46B1-A022-184F8CEA4302}" destId="{118B9D79-8942-48F8-9017-29F6A5AACA58}" srcOrd="0" destOrd="0" presId="urn:microsoft.com/office/officeart/2016/7/layout/RepeatingBendingProcessNew"/>
-    <dgm:cxn modelId="{CA7BCB6F-4D59-41B9-AF23-4DEB98C63DBA}" type="presOf" srcId="{D33F897D-A00B-42A9-9821-B566DA7D8FC4}" destId="{A1452D28-B53F-4AAD-9ABE-E18A0DCC6F51}" srcOrd="1" destOrd="0" presId="urn:microsoft.com/office/officeart/2016/7/layout/RepeatingBendingProcessNew"/>
-    <dgm:cxn modelId="{EDC58470-C5E3-4343-9DFD-7D11E7DE019E}" srcId="{40AC4323-7157-4518-9BFE-24AC503D514D}" destId="{71F365F9-B027-4213-A5FF-2B614DE764C8}" srcOrd="2" destOrd="0" parTransId="{261C99D1-C00E-4FE8-A02E-E7E8A514DFD1}" sibTransId="{5BF1DF21-EEE8-429D-BCEF-968542E7F6C3}"/>
-    <dgm:cxn modelId="{EBCB8772-2232-4A93-959B-04ED848996FF}" type="presOf" srcId="{5BF1DF21-EEE8-429D-BCEF-968542E7F6C3}" destId="{493E2600-FC6C-41AD-BBF7-69DFA0DAF40D}" srcOrd="1" destOrd="0" presId="urn:microsoft.com/office/officeart/2016/7/layout/RepeatingBendingProcessNew"/>
-    <dgm:cxn modelId="{A7310E73-F9F4-43AB-82C6-1FE14E4EA6C9}" type="presOf" srcId="{93B9B1E3-FA97-4950-8EED-A21ACEBE0C62}" destId="{E558AE28-6150-4B3D-8067-5083C074726D}" srcOrd="0" destOrd="0" presId="urn:microsoft.com/office/officeart/2016/7/layout/RepeatingBendingProcessNew"/>
-    <dgm:cxn modelId="{CC7F685A-82AC-4D2E-9D71-AAE68905F4C3}" srcId="{40AC4323-7157-4518-9BFE-24AC503D514D}" destId="{0CF1F4E1-7B49-46EA-99A0-8CA8537DC7DE}" srcOrd="1" destOrd="0" parTransId="{71D28368-0FAA-4A5C-8F75-FBAF8BEA45DC}" sibTransId="{7391E6C3-0523-4492-ACF4-9887CF172284}"/>
-    <dgm:cxn modelId="{215B997E-A635-43B9-8B28-CDAD90C7A489}" type="presOf" srcId="{40AC4323-7157-4518-9BFE-24AC503D514D}" destId="{99444A4B-A722-4523-92D2-F1F354EE61FF}" srcOrd="0" destOrd="0" presId="urn:microsoft.com/office/officeart/2016/7/layout/RepeatingBendingProcessNew"/>
-    <dgm:cxn modelId="{26783D88-E7AC-4FBB-8A32-0D162478E208}" type="presOf" srcId="{0CF1F4E1-7B49-46EA-99A0-8CA8537DC7DE}" destId="{C39A7D16-5F3A-4683-9352-CBD1EB3EF0EB}" srcOrd="0" destOrd="0" presId="urn:microsoft.com/office/officeart/2016/7/layout/RepeatingBendingProcessNew"/>
-    <dgm:cxn modelId="{B3D46C89-3833-41FE-ACC0-DE3BE39FC9C5}" type="presOf" srcId="{71F365F9-B027-4213-A5FF-2B614DE764C8}" destId="{FEE99762-A1B7-409A-A90B-ADFE8D45AFCA}" srcOrd="0" destOrd="0" presId="urn:microsoft.com/office/officeart/2016/7/layout/RepeatingBendingProcessNew"/>
-    <dgm:cxn modelId="{77908E9D-09C0-4334-850F-4EF55BF62B1E}" type="presOf" srcId="{3524BF7E-265A-4CCD-AAEB-D524934BD0F8}" destId="{3E84BAD1-F307-47C0-8ED5-A7FAA6886B44}" srcOrd="0" destOrd="0" presId="urn:microsoft.com/office/officeart/2016/7/layout/RepeatingBendingProcessNew"/>
-    <dgm:cxn modelId="{2C493D9F-0847-4445-A7ED-0195F6D5F4A1}" type="presOf" srcId="{C306BFA5-5020-4816-A431-52A39CE3642C}" destId="{5676FCA6-6829-4E9F-B026-55328BACFF52}" srcOrd="0" destOrd="0" presId="urn:microsoft.com/office/officeart/2016/7/layout/RepeatingBendingProcessNew"/>
-    <dgm:cxn modelId="{AA7D36A6-6E23-4673-8D6C-27612E56DE30}" type="presOf" srcId="{5EE070CD-5CA7-4E4E-8D46-C19F683711C8}" destId="{79084606-B07F-4774-BE29-0926107BA1B4}" srcOrd="1" destOrd="0" presId="urn:microsoft.com/office/officeart/2016/7/layout/RepeatingBendingProcessNew"/>
-    <dgm:cxn modelId="{BE1B68A9-DBF8-4F4D-8594-248493E33F44}" type="presOf" srcId="{135C44CD-EBF4-4B95-8F7A-BA73AC05D080}" destId="{5D831626-22C6-4BC7-BF68-442CD67D9147}" srcOrd="0" destOrd="0" presId="urn:microsoft.com/office/officeart/2016/7/layout/RepeatingBendingProcessNew"/>
-    <dgm:cxn modelId="{95AEEDAF-1ADB-4437-A05A-AD39E1EB2469}" type="presOf" srcId="{5BF1DF21-EEE8-429D-BCEF-968542E7F6C3}" destId="{62B90581-848D-4D3E-AE9E-CAE7170B477F}" srcOrd="0" destOrd="0" presId="urn:microsoft.com/office/officeart/2016/7/layout/RepeatingBendingProcessNew"/>
-    <dgm:cxn modelId="{07888DC0-6DBB-4002-91DB-09CDF6604BDC}" srcId="{40AC4323-7157-4518-9BFE-24AC503D514D}" destId="{24ADA3F4-3C6B-4125-A317-D232AA6C1978}" srcOrd="6" destOrd="0" parTransId="{CA82928B-2169-436A-B36E-0D5C71CA76C6}" sibTransId="{E7F53130-2BA1-41EC-A9F0-92A4AA2F9AA9}"/>
-    <dgm:cxn modelId="{A1B499C0-079C-456B-8DD4-E43231FCF02D}" type="presOf" srcId="{E7F53130-2BA1-41EC-A9F0-92A4AA2F9AA9}" destId="{B724C9CB-0876-4E04-B62C-14730A20EAB7}" srcOrd="0" destOrd="0" presId="urn:microsoft.com/office/officeart/2016/7/layout/RepeatingBendingProcessNew"/>
-    <dgm:cxn modelId="{C677E9C9-48BE-4286-8049-AB8B29A2E8C8}" srcId="{40AC4323-7157-4518-9BFE-24AC503D514D}" destId="{7982E65C-9976-4236-B988-E9DE46A223B1}" srcOrd="5" destOrd="0" parTransId="{BD820F58-EA1E-4D76-803A-69CB90815068}" sibTransId="{93B9B1E3-FA97-4950-8EED-A21ACEBE0C62}"/>
-    <dgm:cxn modelId="{951E8FCE-83C2-4ADA-81FB-7CE932F17363}" type="presOf" srcId="{93B9B1E3-FA97-4950-8EED-A21ACEBE0C62}" destId="{C0C69A3C-934D-4FB0-A556-12C344B473A1}" srcOrd="1" destOrd="0" presId="urn:microsoft.com/office/officeart/2016/7/layout/RepeatingBendingProcessNew"/>
-    <dgm:cxn modelId="{AADFB0D3-86E8-468B-8375-9B0E653F4E1A}" type="presOf" srcId="{7982E65C-9976-4236-B988-E9DE46A223B1}" destId="{1B60D0A4-295C-4E03-BC56-0CA98ADC28C5}" srcOrd="0" destOrd="0" presId="urn:microsoft.com/office/officeart/2016/7/layout/RepeatingBendingProcessNew"/>
-    <dgm:cxn modelId="{997C88D7-A2AD-4C70-A149-0D2418A55525}" type="presOf" srcId="{5EE070CD-5CA7-4E4E-8D46-C19F683711C8}" destId="{AE2C8011-9EDB-4C66-B3F6-858C926135CF}" srcOrd="0" destOrd="0" presId="urn:microsoft.com/office/officeart/2016/7/layout/RepeatingBendingProcessNew"/>
-    <dgm:cxn modelId="{60D31BDD-3F4E-42EA-8B1B-2110B19F547E}" type="presOf" srcId="{C95AF643-0AD5-40C5-8850-9868AA68A744}" destId="{1738FE6A-35FE-4114-8809-5AE1F888E1E7}" srcOrd="0" destOrd="0" presId="urn:microsoft.com/office/officeart/2016/7/layout/RepeatingBendingProcessNew"/>
-    <dgm:cxn modelId="{233867EA-EC85-4698-95F4-BA424C391447}" type="presOf" srcId="{D33F897D-A00B-42A9-9821-B566DA7D8FC4}" destId="{3E741D07-C726-43C5-A56E-014F68E01091}" srcOrd="0" destOrd="0" presId="urn:microsoft.com/office/officeart/2016/7/layout/RepeatingBendingProcessNew"/>
-    <dgm:cxn modelId="{993088EE-42A2-4BEE-8735-101BBBD0596C}" srcId="{40AC4323-7157-4518-9BFE-24AC503D514D}" destId="{3524BF7E-265A-4CCD-AAEB-D524934BD0F8}" srcOrd="7" destOrd="0" parTransId="{26FE201D-802B-4675-846F-84DDE20A04E8}" sibTransId="{290C10BE-4E16-4DCD-B2BF-669684276EC2}"/>
-    <dgm:cxn modelId="{59389AEE-F33D-45A4-A1AA-4B35F65494C6}" type="presOf" srcId="{C95AF643-0AD5-40C5-8850-9868AA68A744}" destId="{241919E8-274A-4D9E-94C1-CDDE2FE2A61D}" srcOrd="1" destOrd="0" presId="urn:microsoft.com/office/officeart/2016/7/layout/RepeatingBendingProcessNew"/>
-    <dgm:cxn modelId="{1B76F7F3-140C-47D4-9066-089203049000}" srcId="{40AC4323-7157-4518-9BFE-24AC503D514D}" destId="{2FB1379D-6A5C-46B1-A022-184F8CEA4302}" srcOrd="3" destOrd="0" parTransId="{FFCF2209-1581-4C2C-85C0-E936E68B2BC2}" sibTransId="{5EE070CD-5CA7-4E4E-8D46-C19F683711C8}"/>
-    <dgm:cxn modelId="{9F0BB5BE-EBE7-4D40-8680-529BFFB38BC5}" type="presParOf" srcId="{99444A4B-A722-4523-92D2-F1F354EE61FF}" destId="{5D831626-22C6-4BC7-BF68-442CD67D9147}" srcOrd="0" destOrd="0" presId="urn:microsoft.com/office/officeart/2016/7/layout/RepeatingBendingProcessNew"/>
-    <dgm:cxn modelId="{EC4C5683-F4EA-49D9-B28F-67EF370FD5F9}" type="presParOf" srcId="{99444A4B-A722-4523-92D2-F1F354EE61FF}" destId="{3E741D07-C726-43C5-A56E-014F68E01091}" srcOrd="1" destOrd="0" presId="urn:microsoft.com/office/officeart/2016/7/layout/RepeatingBendingProcessNew"/>
-    <dgm:cxn modelId="{3C76D6F7-7A90-425D-9F87-644BB8A79D8A}" type="presParOf" srcId="{3E741D07-C726-43C5-A56E-014F68E01091}" destId="{A1452D28-B53F-4AAD-9ABE-E18A0DCC6F51}" srcOrd="0" destOrd="0" presId="urn:microsoft.com/office/officeart/2016/7/layout/RepeatingBendingProcessNew"/>
-    <dgm:cxn modelId="{90511605-E2E6-448C-AE81-C9049AFF2630}" type="presParOf" srcId="{99444A4B-A722-4523-92D2-F1F354EE61FF}" destId="{C39A7D16-5F3A-4683-9352-CBD1EB3EF0EB}" srcOrd="2" destOrd="0" presId="urn:microsoft.com/office/officeart/2016/7/layout/RepeatingBendingProcessNew"/>
-    <dgm:cxn modelId="{F80C78A0-FC87-47D7-8A96-AAC91A17E9FA}" type="presParOf" srcId="{99444A4B-A722-4523-92D2-F1F354EE61FF}" destId="{36DBD99E-D7E9-4A1A-8482-C53DECFEA8AD}" srcOrd="3" destOrd="0" presId="urn:microsoft.com/office/officeart/2016/7/layout/RepeatingBendingProcessNew"/>
-    <dgm:cxn modelId="{09A8C7D9-AC6A-4698-9ACD-E066D0A9E8E6}" type="presParOf" srcId="{36DBD99E-D7E9-4A1A-8482-C53DECFEA8AD}" destId="{E45468E7-7935-4F95-AFFA-B68285C98E62}" srcOrd="0" destOrd="0" presId="urn:microsoft.com/office/officeart/2016/7/layout/RepeatingBendingProcessNew"/>
-    <dgm:cxn modelId="{26861CB6-3E91-4C4E-B4F6-BCBD24C98EB5}" type="presParOf" srcId="{99444A4B-A722-4523-92D2-F1F354EE61FF}" destId="{FEE99762-A1B7-409A-A90B-ADFE8D45AFCA}" srcOrd="4" destOrd="0" presId="urn:microsoft.com/office/officeart/2016/7/layout/RepeatingBendingProcessNew"/>
-    <dgm:cxn modelId="{40D2806D-A935-45F5-B0DB-1E8A6397EF59}" type="presParOf" srcId="{99444A4B-A722-4523-92D2-F1F354EE61FF}" destId="{62B90581-848D-4D3E-AE9E-CAE7170B477F}" srcOrd="5" destOrd="0" presId="urn:microsoft.com/office/officeart/2016/7/layout/RepeatingBendingProcessNew"/>
-    <dgm:cxn modelId="{8B3FA49E-2253-4525-9B24-0714A3D5DA8C}" type="presParOf" srcId="{62B90581-848D-4D3E-AE9E-CAE7170B477F}" destId="{493E2600-FC6C-41AD-BBF7-69DFA0DAF40D}" srcOrd="0" destOrd="0" presId="urn:microsoft.com/office/officeart/2016/7/layout/RepeatingBendingProcessNew"/>
-    <dgm:cxn modelId="{D1486872-21F0-4EF2-AC7A-E8B2840A01B1}" type="presParOf" srcId="{99444A4B-A722-4523-92D2-F1F354EE61FF}" destId="{118B9D79-8942-48F8-9017-29F6A5AACA58}" srcOrd="6" destOrd="0" presId="urn:microsoft.com/office/officeart/2016/7/layout/RepeatingBendingProcessNew"/>
-    <dgm:cxn modelId="{2308D4EB-7530-4083-89DE-D213B2C3DB19}" type="presParOf" srcId="{99444A4B-A722-4523-92D2-F1F354EE61FF}" destId="{AE2C8011-9EDB-4C66-B3F6-858C926135CF}" srcOrd="7" destOrd="0" presId="urn:microsoft.com/office/officeart/2016/7/layout/RepeatingBendingProcessNew"/>
-    <dgm:cxn modelId="{F4CE2B76-E90B-461C-858B-F6A556E2CEB8}" type="presParOf" srcId="{AE2C8011-9EDB-4C66-B3F6-858C926135CF}" destId="{79084606-B07F-4774-BE29-0926107BA1B4}" srcOrd="0" destOrd="0" presId="urn:microsoft.com/office/officeart/2016/7/layout/RepeatingBendingProcessNew"/>
-    <dgm:cxn modelId="{64DDAE6E-7E0E-4791-AC01-65363C187516}" type="presParOf" srcId="{99444A4B-A722-4523-92D2-F1F354EE61FF}" destId="{5676FCA6-6829-4E9F-B026-55328BACFF52}" srcOrd="8" destOrd="0" presId="urn:microsoft.com/office/officeart/2016/7/layout/RepeatingBendingProcessNew"/>
-    <dgm:cxn modelId="{7FAC39BE-1667-4A80-A01C-04AD871DAD69}" type="presParOf" srcId="{99444A4B-A722-4523-92D2-F1F354EE61FF}" destId="{1738FE6A-35FE-4114-8809-5AE1F888E1E7}" srcOrd="9" destOrd="0" presId="urn:microsoft.com/office/officeart/2016/7/layout/RepeatingBendingProcessNew"/>
-    <dgm:cxn modelId="{10C3ECF8-1764-4EFB-801C-F465A606F610}" type="presParOf" srcId="{1738FE6A-35FE-4114-8809-5AE1F888E1E7}" destId="{241919E8-274A-4D9E-94C1-CDDE2FE2A61D}" srcOrd="0" destOrd="0" presId="urn:microsoft.com/office/officeart/2016/7/layout/RepeatingBendingProcessNew"/>
-    <dgm:cxn modelId="{25CF93D9-AF4C-4809-88C3-B64EA0E22851}" type="presParOf" srcId="{99444A4B-A722-4523-92D2-F1F354EE61FF}" destId="{1B60D0A4-295C-4E03-BC56-0CA98ADC28C5}" srcOrd="10" destOrd="0" presId="urn:microsoft.com/office/officeart/2016/7/layout/RepeatingBendingProcessNew"/>
-    <dgm:cxn modelId="{5D24ABA7-1524-4DAA-814B-9943466584F9}" type="presParOf" srcId="{99444A4B-A722-4523-92D2-F1F354EE61FF}" destId="{E558AE28-6150-4B3D-8067-5083C074726D}" srcOrd="11" destOrd="0" presId="urn:microsoft.com/office/officeart/2016/7/layout/RepeatingBendingProcessNew"/>
-    <dgm:cxn modelId="{E9D67251-FD26-4342-A386-02B732B7466E}" type="presParOf" srcId="{E558AE28-6150-4B3D-8067-5083C074726D}" destId="{C0C69A3C-934D-4FB0-A556-12C344B473A1}" srcOrd="0" destOrd="0" presId="urn:microsoft.com/office/officeart/2016/7/layout/RepeatingBendingProcessNew"/>
-    <dgm:cxn modelId="{F378D74C-69A5-470F-B153-570D55F0D268}" type="presParOf" srcId="{99444A4B-A722-4523-92D2-F1F354EE61FF}" destId="{EC0F0D84-F7AB-4150-9F9A-AD3EE369D3CA}" srcOrd="12" destOrd="0" presId="urn:microsoft.com/office/officeart/2016/7/layout/RepeatingBendingProcessNew"/>
-    <dgm:cxn modelId="{4757960A-6CFE-4C3D-9D9B-EA6FB8D6D4AE}" type="presParOf" srcId="{99444A4B-A722-4523-92D2-F1F354EE61FF}" destId="{B724C9CB-0876-4E04-B62C-14730A20EAB7}" srcOrd="13" destOrd="0" presId="urn:microsoft.com/office/officeart/2016/7/layout/RepeatingBendingProcessNew"/>
-    <dgm:cxn modelId="{1D911FC7-83B3-4C6A-8153-CD552F758515}" type="presParOf" srcId="{B724C9CB-0876-4E04-B62C-14730A20EAB7}" destId="{7862C1A5-5E71-4014-96CD-6FF7B8F80465}" srcOrd="0" destOrd="0" presId="urn:microsoft.com/office/officeart/2016/7/layout/RepeatingBendingProcessNew"/>
-    <dgm:cxn modelId="{0ABD8BF5-87FB-407C-90B0-6B213DE9D33A}" type="presParOf" srcId="{99444A4B-A722-4523-92D2-F1F354EE61FF}" destId="{3E84BAD1-F307-47C0-8ED5-A7FAA6886B44}" srcOrd="14" destOrd="0" presId="urn:microsoft.com/office/officeart/2016/7/layout/RepeatingBendingProcessNew"/>
   </dgm:cxnLst>
   <dgm:bg/>
   <dgm:whole/>
@@ -4300,1244 +3018,6 @@
 </dsp:drawing>
 </file>
 
-<file path=ppt/diagrams/drawing3.xml><?xml version="1.0" encoding="utf-8"?>
-<dsp:drawing xmlns:dgm="http://schemas.openxmlformats.org/drawingml/2006/diagram" xmlns:dsp="http://schemas.microsoft.com/office/drawing/2008/diagram" xmlns:a="http://schemas.openxmlformats.org/drawingml/2006/main">
-  <dsp:spTree>
-    <dsp:nvGrpSpPr>
-      <dsp:cNvPr id="0" name=""/>
-      <dsp:cNvGrpSpPr/>
-    </dsp:nvGrpSpPr>
-    <dsp:grpSpPr/>
-    <dsp:sp modelId="{3E741D07-C726-43C5-A56E-014F68E01091}">
-      <dsp:nvSpPr>
-        <dsp:cNvPr id="0" name=""/>
-        <dsp:cNvSpPr/>
-      </dsp:nvSpPr>
-      <dsp:spPr>
-        <a:xfrm>
-          <a:off x="2351189" y="817851"/>
-          <a:ext cx="510082" cy="91440"/>
-        </a:xfrm>
-        <a:custGeom>
-          <a:avLst/>
-          <a:gdLst/>
-          <a:ahLst/>
-          <a:cxnLst/>
-          <a:rect l="0" t="0" r="0" b="0"/>
-          <a:pathLst>
-            <a:path>
-              <a:moveTo>
-                <a:pt x="0" y="45720"/>
-              </a:moveTo>
-              <a:lnTo>
-                <a:pt x="510082" y="45720"/>
-              </a:lnTo>
-            </a:path>
-          </a:pathLst>
-        </a:custGeom>
-        <a:noFill/>
-        <a:ln w="12700" cap="rnd" cmpd="sng" algn="ctr">
-          <a:solidFill>
-            <a:schemeClr val="accent1">
-              <a:hueOff val="0"/>
-              <a:satOff val="0"/>
-              <a:lumOff val="0"/>
-              <a:alphaOff val="0"/>
-            </a:schemeClr>
-          </a:solidFill>
-          <a:prstDash val="solid"/>
-          <a:tailEnd type="arrow"/>
-        </a:ln>
-        <a:effectLst/>
-      </dsp:spPr>
-      <dsp:style>
-        <a:lnRef idx="1">
-          <a:scrgbClr r="0" g="0" b="0"/>
-        </a:lnRef>
-        <a:fillRef idx="0">
-          <a:scrgbClr r="0" g="0" b="0"/>
-        </a:fillRef>
-        <a:effectRef idx="0">
-          <a:scrgbClr r="0" g="0" b="0"/>
-        </a:effectRef>
-        <a:fontRef idx="minor"/>
-      </dsp:style>
-      <dsp:txBody>
-        <a:bodyPr spcFirstLastPara="0" vert="horz" wrap="square" lIns="12700" tIns="0" rIns="12700" bIns="0" numCol="1" spcCol="1270" anchor="ctr" anchorCtr="0">
-          <a:noAutofit/>
-        </a:bodyPr>
-        <a:lstStyle/>
-        <a:p>
-          <a:pPr marL="0" lvl="0" indent="0" algn="ctr" defTabSz="222250">
-            <a:lnSpc>
-              <a:spcPct val="90000"/>
-            </a:lnSpc>
-            <a:spcBef>
-              <a:spcPct val="0"/>
-            </a:spcBef>
-            <a:spcAft>
-              <a:spcPct val="35000"/>
-            </a:spcAft>
-            <a:buNone/>
-          </a:pPr>
-          <a:endParaRPr lang="en-US" sz="500" kern="1200"/>
-        </a:p>
-      </dsp:txBody>
-      <dsp:txXfrm>
-        <a:off x="2592713" y="860868"/>
-        <a:ext cx="27034" cy="5406"/>
-      </dsp:txXfrm>
-    </dsp:sp>
-    <dsp:sp modelId="{5D831626-22C6-4BC7-BF68-442CD67D9147}">
-      <dsp:nvSpPr>
-        <dsp:cNvPr id="0" name=""/>
-        <dsp:cNvSpPr/>
-      </dsp:nvSpPr>
-      <dsp:spPr>
-        <a:xfrm>
-          <a:off x="2194" y="158333"/>
-          <a:ext cx="2350794" cy="1410476"/>
-        </a:xfrm>
-        <a:prstGeom prst="rect">
-          <a:avLst/>
-        </a:prstGeom>
-        <a:solidFill>
-          <a:schemeClr val="accent1">
-            <a:hueOff val="0"/>
-            <a:satOff val="0"/>
-            <a:lumOff val="0"/>
-            <a:alphaOff val="0"/>
-          </a:schemeClr>
-        </a:solidFill>
-        <a:ln w="22225" cap="rnd" cmpd="sng" algn="ctr">
-          <a:solidFill>
-            <a:schemeClr val="lt1">
-              <a:hueOff val="0"/>
-              <a:satOff val="0"/>
-              <a:lumOff val="0"/>
-              <a:alphaOff val="0"/>
-            </a:schemeClr>
-          </a:solidFill>
-          <a:prstDash val="solid"/>
-        </a:ln>
-        <a:effectLst/>
-      </dsp:spPr>
-      <dsp:style>
-        <a:lnRef idx="2">
-          <a:scrgbClr r="0" g="0" b="0"/>
-        </a:lnRef>
-        <a:fillRef idx="1">
-          <a:scrgbClr r="0" g="0" b="0"/>
-        </a:fillRef>
-        <a:effectRef idx="0">
-          <a:scrgbClr r="0" g="0" b="0"/>
-        </a:effectRef>
-        <a:fontRef idx="minor">
-          <a:schemeClr val="lt1"/>
-        </a:fontRef>
-      </dsp:style>
-      <dsp:txBody>
-        <a:bodyPr spcFirstLastPara="0" vert="horz" wrap="square" lIns="115191" tIns="120913" rIns="115191" bIns="120913" numCol="1" spcCol="1270" anchor="ctr" anchorCtr="0">
-          <a:noAutofit/>
-        </a:bodyPr>
-        <a:lstStyle/>
-        <a:p>
-          <a:pPr marL="0" lvl="0" indent="0" algn="ctr" defTabSz="666750">
-            <a:lnSpc>
-              <a:spcPct val="90000"/>
-            </a:lnSpc>
-            <a:spcBef>
-              <a:spcPct val="0"/>
-            </a:spcBef>
-            <a:spcAft>
-              <a:spcPct val="35000"/>
-            </a:spcAft>
-            <a:buNone/>
-          </a:pPr>
-          <a:r>
-            <a:rPr lang="es-ES" sz="1500" kern="1200" dirty="0"/>
-            <a:t>Se crea una </a:t>
-          </a:r>
-          <a:r>
-            <a:rPr lang="es-ES" sz="1500" kern="1200" dirty="0" err="1"/>
-            <a:t>listaCerrado</a:t>
-          </a:r>
-          <a:r>
-            <a:rPr lang="es-ES" sz="1500" kern="1200" dirty="0"/>
-            <a:t> para mantener un registro de las casillas que se han explorado y se inicializa con la casilla de origen. </a:t>
-          </a:r>
-          <a:endParaRPr lang="en-US" sz="1500" kern="1200" dirty="0"/>
-        </a:p>
-      </dsp:txBody>
-      <dsp:txXfrm>
-        <a:off x="2194" y="158333"/>
-        <a:ext cx="2350794" cy="1410476"/>
-      </dsp:txXfrm>
-    </dsp:sp>
-    <dsp:sp modelId="{36DBD99E-D7E9-4A1A-8482-C53DECFEA8AD}">
-      <dsp:nvSpPr>
-        <dsp:cNvPr id="0" name=""/>
-        <dsp:cNvSpPr/>
-      </dsp:nvSpPr>
-      <dsp:spPr>
-        <a:xfrm>
-          <a:off x="5242666" y="817851"/>
-          <a:ext cx="510082" cy="91440"/>
-        </a:xfrm>
-        <a:custGeom>
-          <a:avLst/>
-          <a:gdLst/>
-          <a:ahLst/>
-          <a:cxnLst/>
-          <a:rect l="0" t="0" r="0" b="0"/>
-          <a:pathLst>
-            <a:path>
-              <a:moveTo>
-                <a:pt x="0" y="45720"/>
-              </a:moveTo>
-              <a:lnTo>
-                <a:pt x="510082" y="45720"/>
-              </a:lnTo>
-            </a:path>
-          </a:pathLst>
-        </a:custGeom>
-        <a:noFill/>
-        <a:ln w="12700" cap="rnd" cmpd="sng" algn="ctr">
-          <a:solidFill>
-            <a:schemeClr val="accent1">
-              <a:hueOff val="0"/>
-              <a:satOff val="0"/>
-              <a:lumOff val="0"/>
-              <a:alphaOff val="0"/>
-            </a:schemeClr>
-          </a:solidFill>
-          <a:prstDash val="solid"/>
-          <a:tailEnd type="arrow"/>
-        </a:ln>
-        <a:effectLst/>
-      </dsp:spPr>
-      <dsp:style>
-        <a:lnRef idx="1">
-          <a:scrgbClr r="0" g="0" b="0"/>
-        </a:lnRef>
-        <a:fillRef idx="0">
-          <a:scrgbClr r="0" g="0" b="0"/>
-        </a:fillRef>
-        <a:effectRef idx="0">
-          <a:scrgbClr r="0" g="0" b="0"/>
-        </a:effectRef>
-        <a:fontRef idx="minor"/>
-      </dsp:style>
-      <dsp:txBody>
-        <a:bodyPr spcFirstLastPara="0" vert="horz" wrap="square" lIns="12700" tIns="0" rIns="12700" bIns="0" numCol="1" spcCol="1270" anchor="ctr" anchorCtr="0">
-          <a:noAutofit/>
-        </a:bodyPr>
-        <a:lstStyle/>
-        <a:p>
-          <a:pPr marL="0" lvl="0" indent="0" algn="ctr" defTabSz="222250">
-            <a:lnSpc>
-              <a:spcPct val="90000"/>
-            </a:lnSpc>
-            <a:spcBef>
-              <a:spcPct val="0"/>
-            </a:spcBef>
-            <a:spcAft>
-              <a:spcPct val="35000"/>
-            </a:spcAft>
-            <a:buNone/>
-          </a:pPr>
-          <a:endParaRPr lang="en-US" sz="500" kern="1200"/>
-        </a:p>
-      </dsp:txBody>
-      <dsp:txXfrm>
-        <a:off x="5484190" y="860868"/>
-        <a:ext cx="27034" cy="5406"/>
-      </dsp:txXfrm>
-    </dsp:sp>
-    <dsp:sp modelId="{C39A7D16-5F3A-4683-9352-CBD1EB3EF0EB}">
-      <dsp:nvSpPr>
-        <dsp:cNvPr id="0" name=""/>
-        <dsp:cNvSpPr/>
-      </dsp:nvSpPr>
-      <dsp:spPr>
-        <a:xfrm>
-          <a:off x="2893671" y="158333"/>
-          <a:ext cx="2350794" cy="1410476"/>
-        </a:xfrm>
-        <a:prstGeom prst="rect">
-          <a:avLst/>
-        </a:prstGeom>
-        <a:solidFill>
-          <a:schemeClr val="accent1">
-            <a:hueOff val="0"/>
-            <a:satOff val="0"/>
-            <a:lumOff val="0"/>
-            <a:alphaOff val="0"/>
-          </a:schemeClr>
-        </a:solidFill>
-        <a:ln w="22225" cap="rnd" cmpd="sng" algn="ctr">
-          <a:solidFill>
-            <a:schemeClr val="lt1">
-              <a:hueOff val="0"/>
-              <a:satOff val="0"/>
-              <a:lumOff val="0"/>
-              <a:alphaOff val="0"/>
-            </a:schemeClr>
-          </a:solidFill>
-          <a:prstDash val="solid"/>
-        </a:ln>
-        <a:effectLst/>
-      </dsp:spPr>
-      <dsp:style>
-        <a:lnRef idx="2">
-          <a:scrgbClr r="0" g="0" b="0"/>
-        </a:lnRef>
-        <a:fillRef idx="1">
-          <a:scrgbClr r="0" g="0" b="0"/>
-        </a:fillRef>
-        <a:effectRef idx="0">
-          <a:scrgbClr r="0" g="0" b="0"/>
-        </a:effectRef>
-        <a:fontRef idx="minor">
-          <a:schemeClr val="lt1"/>
-        </a:fontRef>
-      </dsp:style>
-      <dsp:txBody>
-        <a:bodyPr spcFirstLastPara="0" vert="horz" wrap="square" lIns="115191" tIns="120913" rIns="115191" bIns="120913" numCol="1" spcCol="1270" anchor="ctr" anchorCtr="0">
-          <a:noAutofit/>
-        </a:bodyPr>
-        <a:lstStyle/>
-        <a:p>
-          <a:pPr marL="0" lvl="0" indent="0" algn="ctr" defTabSz="666750">
-            <a:lnSpc>
-              <a:spcPct val="90000"/>
-            </a:lnSpc>
-            <a:spcBef>
-              <a:spcPct val="0"/>
-            </a:spcBef>
-            <a:spcAft>
-              <a:spcPct val="35000"/>
-            </a:spcAft>
-            <a:buNone/>
-          </a:pPr>
-          <a:r>
-            <a:rPr lang="es-ES" sz="1500" kern="1200" dirty="0"/>
-            <a:t>Se crea una lista </a:t>
-          </a:r>
-          <a:r>
-            <a:rPr lang="es-ES" sz="1500" kern="1200" dirty="0" err="1"/>
-            <a:t>sinSalidapara</a:t>
-          </a:r>
-          <a:r>
-            <a:rPr lang="es-ES" sz="1500" kern="1200" dirty="0"/>
-            <a:t> mantener un registro de las casillas que se han explorado y no tienen salida</a:t>
-          </a:r>
-          <a:endParaRPr lang="en-US" sz="1500" kern="1200" dirty="0"/>
-        </a:p>
-      </dsp:txBody>
-      <dsp:txXfrm>
-        <a:off x="2893671" y="158333"/>
-        <a:ext cx="2350794" cy="1410476"/>
-      </dsp:txXfrm>
-    </dsp:sp>
-    <dsp:sp modelId="{62B90581-848D-4D3E-AE9E-CAE7170B477F}">
-      <dsp:nvSpPr>
-        <dsp:cNvPr id="0" name=""/>
-        <dsp:cNvSpPr/>
-      </dsp:nvSpPr>
-      <dsp:spPr>
-        <a:xfrm>
-          <a:off x="8134143" y="817851"/>
-          <a:ext cx="510082" cy="91440"/>
-        </a:xfrm>
-        <a:custGeom>
-          <a:avLst/>
-          <a:gdLst/>
-          <a:ahLst/>
-          <a:cxnLst/>
-          <a:rect l="0" t="0" r="0" b="0"/>
-          <a:pathLst>
-            <a:path>
-              <a:moveTo>
-                <a:pt x="0" y="45720"/>
-              </a:moveTo>
-              <a:lnTo>
-                <a:pt x="510082" y="45720"/>
-              </a:lnTo>
-            </a:path>
-          </a:pathLst>
-        </a:custGeom>
-        <a:noFill/>
-        <a:ln w="12700" cap="rnd" cmpd="sng" algn="ctr">
-          <a:solidFill>
-            <a:schemeClr val="accent1">
-              <a:hueOff val="0"/>
-              <a:satOff val="0"/>
-              <a:lumOff val="0"/>
-              <a:alphaOff val="0"/>
-            </a:schemeClr>
-          </a:solidFill>
-          <a:prstDash val="solid"/>
-          <a:tailEnd type="arrow"/>
-        </a:ln>
-        <a:effectLst/>
-      </dsp:spPr>
-      <dsp:style>
-        <a:lnRef idx="1">
-          <a:scrgbClr r="0" g="0" b="0"/>
-        </a:lnRef>
-        <a:fillRef idx="0">
-          <a:scrgbClr r="0" g="0" b="0"/>
-        </a:fillRef>
-        <a:effectRef idx="0">
-          <a:scrgbClr r="0" g="0" b="0"/>
-        </a:effectRef>
-        <a:fontRef idx="minor"/>
-      </dsp:style>
-      <dsp:txBody>
-        <a:bodyPr spcFirstLastPara="0" vert="horz" wrap="square" lIns="12700" tIns="0" rIns="12700" bIns="0" numCol="1" spcCol="1270" anchor="ctr" anchorCtr="0">
-          <a:noAutofit/>
-        </a:bodyPr>
-        <a:lstStyle/>
-        <a:p>
-          <a:pPr marL="0" lvl="0" indent="0" algn="ctr" defTabSz="222250">
-            <a:lnSpc>
-              <a:spcPct val="90000"/>
-            </a:lnSpc>
-            <a:spcBef>
-              <a:spcPct val="0"/>
-            </a:spcBef>
-            <a:spcAft>
-              <a:spcPct val="35000"/>
-            </a:spcAft>
-            <a:buNone/>
-          </a:pPr>
-          <a:endParaRPr lang="en-US" sz="500" kern="1200"/>
-        </a:p>
-      </dsp:txBody>
-      <dsp:txXfrm>
-        <a:off x="8375667" y="860868"/>
-        <a:ext cx="27034" cy="5406"/>
-      </dsp:txXfrm>
-    </dsp:sp>
-    <dsp:sp modelId="{FEE99762-A1B7-409A-A90B-ADFE8D45AFCA}">
-      <dsp:nvSpPr>
-        <dsp:cNvPr id="0" name=""/>
-        <dsp:cNvSpPr/>
-      </dsp:nvSpPr>
-      <dsp:spPr>
-        <a:xfrm>
-          <a:off x="5785148" y="158333"/>
-          <a:ext cx="2350794" cy="1410476"/>
-        </a:xfrm>
-        <a:prstGeom prst="rect">
-          <a:avLst/>
-        </a:prstGeom>
-        <a:solidFill>
-          <a:schemeClr val="accent1">
-            <a:hueOff val="0"/>
-            <a:satOff val="0"/>
-            <a:lumOff val="0"/>
-            <a:alphaOff val="0"/>
-          </a:schemeClr>
-        </a:solidFill>
-        <a:ln w="22225" cap="rnd" cmpd="sng" algn="ctr">
-          <a:solidFill>
-            <a:schemeClr val="lt1">
-              <a:hueOff val="0"/>
-              <a:satOff val="0"/>
-              <a:lumOff val="0"/>
-              <a:alphaOff val="0"/>
-            </a:schemeClr>
-          </a:solidFill>
-          <a:prstDash val="solid"/>
-        </a:ln>
-        <a:effectLst/>
-      </dsp:spPr>
-      <dsp:style>
-        <a:lnRef idx="2">
-          <a:scrgbClr r="0" g="0" b="0"/>
-        </a:lnRef>
-        <a:fillRef idx="1">
-          <a:scrgbClr r="0" g="0" b="0"/>
-        </a:fillRef>
-        <a:effectRef idx="0">
-          <a:scrgbClr r="0" g="0" b="0"/>
-        </a:effectRef>
-        <a:fontRef idx="minor">
-          <a:schemeClr val="lt1"/>
-        </a:fontRef>
-      </dsp:style>
-      <dsp:txBody>
-        <a:bodyPr spcFirstLastPara="0" vert="horz" wrap="square" lIns="115191" tIns="120913" rIns="115191" bIns="120913" numCol="1" spcCol="1270" anchor="ctr" anchorCtr="0">
-          <a:noAutofit/>
-        </a:bodyPr>
-        <a:lstStyle/>
-        <a:p>
-          <a:pPr marL="0" lvl="0" indent="0" algn="ctr" defTabSz="666750">
-            <a:lnSpc>
-              <a:spcPct val="90000"/>
-            </a:lnSpc>
-            <a:spcBef>
-              <a:spcPct val="0"/>
-            </a:spcBef>
-            <a:spcAft>
-              <a:spcPct val="35000"/>
-            </a:spcAft>
-            <a:buNone/>
-          </a:pPr>
-          <a:r>
-            <a:rPr lang="es-ES" sz="1500" kern="1200" dirty="0"/>
-            <a:t>Se inicializan </a:t>
-          </a:r>
-          <a:r>
-            <a:rPr lang="es-ES" sz="1500" kern="1200" dirty="0" err="1"/>
-            <a:t>listaVecinos</a:t>
-          </a:r>
-          <a:r>
-            <a:rPr lang="es-ES" sz="1500" kern="1200" dirty="0"/>
-            <a:t> y </a:t>
-          </a:r>
-          <a:r>
-            <a:rPr lang="es-ES" sz="1500" kern="1200" dirty="0" err="1"/>
-            <a:t>listaAbierto</a:t>
-          </a:r>
-          <a:r>
-            <a:rPr lang="es-ES" sz="1500" kern="1200" dirty="0"/>
-            <a:t> con los vecinos de la casilla de origen. </a:t>
-          </a:r>
-          <a:endParaRPr lang="en-US" sz="1500" kern="1200" dirty="0"/>
-        </a:p>
-      </dsp:txBody>
-      <dsp:txXfrm>
-        <a:off x="5785148" y="158333"/>
-        <a:ext cx="2350794" cy="1410476"/>
-      </dsp:txXfrm>
-    </dsp:sp>
-    <dsp:sp modelId="{AE2C8011-9EDB-4C66-B3F6-858C926135CF}">
-      <dsp:nvSpPr>
-        <dsp:cNvPr id="0" name=""/>
-        <dsp:cNvSpPr/>
-      </dsp:nvSpPr>
-      <dsp:spPr>
-        <a:xfrm>
-          <a:off x="1177591" y="1567010"/>
-          <a:ext cx="8674431" cy="510082"/>
-        </a:xfrm>
-        <a:custGeom>
-          <a:avLst/>
-          <a:gdLst/>
-          <a:ahLst/>
-          <a:cxnLst/>
-          <a:rect l="0" t="0" r="0" b="0"/>
-          <a:pathLst>
-            <a:path>
-              <a:moveTo>
-                <a:pt x="8674431" y="0"/>
-              </a:moveTo>
-              <a:lnTo>
-                <a:pt x="8674431" y="272141"/>
-              </a:lnTo>
-              <a:lnTo>
-                <a:pt x="0" y="272141"/>
-              </a:lnTo>
-              <a:lnTo>
-                <a:pt x="0" y="510082"/>
-              </a:lnTo>
-            </a:path>
-          </a:pathLst>
-        </a:custGeom>
-        <a:noFill/>
-        <a:ln w="12700" cap="rnd" cmpd="sng" algn="ctr">
-          <a:solidFill>
-            <a:schemeClr val="accent1">
-              <a:hueOff val="0"/>
-              <a:satOff val="0"/>
-              <a:lumOff val="0"/>
-              <a:alphaOff val="0"/>
-            </a:schemeClr>
-          </a:solidFill>
-          <a:prstDash val="solid"/>
-          <a:tailEnd type="arrow"/>
-        </a:ln>
-        <a:effectLst/>
-      </dsp:spPr>
-      <dsp:style>
-        <a:lnRef idx="1">
-          <a:scrgbClr r="0" g="0" b="0"/>
-        </a:lnRef>
-        <a:fillRef idx="0">
-          <a:scrgbClr r="0" g="0" b="0"/>
-        </a:fillRef>
-        <a:effectRef idx="0">
-          <a:scrgbClr r="0" g="0" b="0"/>
-        </a:effectRef>
-        <a:fontRef idx="minor"/>
-      </dsp:style>
-      <dsp:txBody>
-        <a:bodyPr spcFirstLastPara="0" vert="horz" wrap="square" lIns="12700" tIns="0" rIns="12700" bIns="0" numCol="1" spcCol="1270" anchor="ctr" anchorCtr="0">
-          <a:noAutofit/>
-        </a:bodyPr>
-        <a:lstStyle/>
-        <a:p>
-          <a:pPr marL="0" lvl="0" indent="0" algn="ctr" defTabSz="222250">
-            <a:lnSpc>
-              <a:spcPct val="90000"/>
-            </a:lnSpc>
-            <a:spcBef>
-              <a:spcPct val="0"/>
-            </a:spcBef>
-            <a:spcAft>
-              <a:spcPct val="35000"/>
-            </a:spcAft>
-            <a:buNone/>
-          </a:pPr>
-          <a:endParaRPr lang="en-US" sz="500" kern="1200"/>
-        </a:p>
-      </dsp:txBody>
-      <dsp:txXfrm>
-        <a:off x="5297525" y="1819348"/>
-        <a:ext cx="434563" cy="5406"/>
-      </dsp:txXfrm>
-    </dsp:sp>
-    <dsp:sp modelId="{118B9D79-8942-48F8-9017-29F6A5AACA58}">
-      <dsp:nvSpPr>
-        <dsp:cNvPr id="0" name=""/>
-        <dsp:cNvSpPr/>
-      </dsp:nvSpPr>
-      <dsp:spPr>
-        <a:xfrm>
-          <a:off x="8676625" y="158333"/>
-          <a:ext cx="2350794" cy="1410476"/>
-        </a:xfrm>
-        <a:prstGeom prst="rect">
-          <a:avLst/>
-        </a:prstGeom>
-        <a:solidFill>
-          <a:schemeClr val="accent1">
-            <a:hueOff val="0"/>
-            <a:satOff val="0"/>
-            <a:lumOff val="0"/>
-            <a:alphaOff val="0"/>
-          </a:schemeClr>
-        </a:solidFill>
-        <a:ln w="22225" cap="rnd" cmpd="sng" algn="ctr">
-          <a:solidFill>
-            <a:schemeClr val="lt1">
-              <a:hueOff val="0"/>
-              <a:satOff val="0"/>
-              <a:lumOff val="0"/>
-              <a:alphaOff val="0"/>
-            </a:schemeClr>
-          </a:solidFill>
-          <a:prstDash val="solid"/>
-        </a:ln>
-        <a:effectLst/>
-      </dsp:spPr>
-      <dsp:style>
-        <a:lnRef idx="2">
-          <a:scrgbClr r="0" g="0" b="0"/>
-        </a:lnRef>
-        <a:fillRef idx="1">
-          <a:scrgbClr r="0" g="0" b="0"/>
-        </a:fillRef>
-        <a:effectRef idx="0">
-          <a:scrgbClr r="0" g="0" b="0"/>
-        </a:effectRef>
-        <a:fontRef idx="minor">
-          <a:schemeClr val="lt1"/>
-        </a:fontRef>
-      </dsp:style>
-      <dsp:txBody>
-        <a:bodyPr spcFirstLastPara="0" vert="horz" wrap="square" lIns="115191" tIns="120913" rIns="115191" bIns="120913" numCol="1" spcCol="1270" anchor="ctr" anchorCtr="0">
-          <a:noAutofit/>
-        </a:bodyPr>
-        <a:lstStyle/>
-        <a:p>
-          <a:pPr marL="0" lvl="0" indent="0" algn="ctr" defTabSz="666750">
-            <a:lnSpc>
-              <a:spcPct val="90000"/>
-            </a:lnSpc>
-            <a:spcBef>
-              <a:spcPct val="0"/>
-            </a:spcBef>
-            <a:spcAft>
-              <a:spcPct val="35000"/>
-            </a:spcAft>
-            <a:buNone/>
-          </a:pPr>
-          <a:r>
-            <a:rPr lang="es-ES" sz="1500" kern="1200" dirty="0"/>
-            <a:t>Se calcula el peso de los vecinos.</a:t>
-          </a:r>
-          <a:endParaRPr lang="en-US" sz="1500" kern="1200" dirty="0"/>
-        </a:p>
-      </dsp:txBody>
-      <dsp:txXfrm>
-        <a:off x="8676625" y="158333"/>
-        <a:ext cx="2350794" cy="1410476"/>
-      </dsp:txXfrm>
-    </dsp:sp>
-    <dsp:sp modelId="{1738FE6A-35FE-4114-8809-5AE1F888E1E7}">
-      <dsp:nvSpPr>
-        <dsp:cNvPr id="0" name=""/>
-        <dsp:cNvSpPr/>
-      </dsp:nvSpPr>
-      <dsp:spPr>
-        <a:xfrm>
-          <a:off x="2351189" y="2769011"/>
-          <a:ext cx="510082" cy="91440"/>
-        </a:xfrm>
-        <a:custGeom>
-          <a:avLst/>
-          <a:gdLst/>
-          <a:ahLst/>
-          <a:cxnLst/>
-          <a:rect l="0" t="0" r="0" b="0"/>
-          <a:pathLst>
-            <a:path>
-              <a:moveTo>
-                <a:pt x="0" y="45720"/>
-              </a:moveTo>
-              <a:lnTo>
-                <a:pt x="510082" y="45720"/>
-              </a:lnTo>
-            </a:path>
-          </a:pathLst>
-        </a:custGeom>
-        <a:noFill/>
-        <a:ln w="12700" cap="rnd" cmpd="sng" algn="ctr">
-          <a:solidFill>
-            <a:schemeClr val="accent1">
-              <a:hueOff val="0"/>
-              <a:satOff val="0"/>
-              <a:lumOff val="0"/>
-              <a:alphaOff val="0"/>
-            </a:schemeClr>
-          </a:solidFill>
-          <a:prstDash val="solid"/>
-          <a:tailEnd type="arrow"/>
-        </a:ln>
-        <a:effectLst/>
-      </dsp:spPr>
-      <dsp:style>
-        <a:lnRef idx="1">
-          <a:scrgbClr r="0" g="0" b="0"/>
-        </a:lnRef>
-        <a:fillRef idx="0">
-          <a:scrgbClr r="0" g="0" b="0"/>
-        </a:fillRef>
-        <a:effectRef idx="0">
-          <a:scrgbClr r="0" g="0" b="0"/>
-        </a:effectRef>
-        <a:fontRef idx="minor"/>
-      </dsp:style>
-      <dsp:txBody>
-        <a:bodyPr spcFirstLastPara="0" vert="horz" wrap="square" lIns="12700" tIns="0" rIns="12700" bIns="0" numCol="1" spcCol="1270" anchor="ctr" anchorCtr="0">
-          <a:noAutofit/>
-        </a:bodyPr>
-        <a:lstStyle/>
-        <a:p>
-          <a:pPr marL="0" lvl="0" indent="0" algn="ctr" defTabSz="222250">
-            <a:lnSpc>
-              <a:spcPct val="90000"/>
-            </a:lnSpc>
-            <a:spcBef>
-              <a:spcPct val="0"/>
-            </a:spcBef>
-            <a:spcAft>
-              <a:spcPct val="35000"/>
-            </a:spcAft>
-            <a:buNone/>
-          </a:pPr>
-          <a:endParaRPr lang="en-US" sz="500" kern="1200"/>
-        </a:p>
-      </dsp:txBody>
-      <dsp:txXfrm>
-        <a:off x="2592713" y="2812027"/>
-        <a:ext cx="27034" cy="5406"/>
-      </dsp:txXfrm>
-    </dsp:sp>
-    <dsp:sp modelId="{5676FCA6-6829-4E9F-B026-55328BACFF52}">
-      <dsp:nvSpPr>
-        <dsp:cNvPr id="0" name=""/>
-        <dsp:cNvSpPr/>
-      </dsp:nvSpPr>
-      <dsp:spPr>
-        <a:xfrm>
-          <a:off x="2194" y="2109492"/>
-          <a:ext cx="2350794" cy="1410476"/>
-        </a:xfrm>
-        <a:prstGeom prst="rect">
-          <a:avLst/>
-        </a:prstGeom>
-        <a:solidFill>
-          <a:schemeClr val="accent1">
-            <a:hueOff val="0"/>
-            <a:satOff val="0"/>
-            <a:lumOff val="0"/>
-            <a:alphaOff val="0"/>
-          </a:schemeClr>
-        </a:solidFill>
-        <a:ln w="22225" cap="rnd" cmpd="sng" algn="ctr">
-          <a:solidFill>
-            <a:schemeClr val="lt1">
-              <a:hueOff val="0"/>
-              <a:satOff val="0"/>
-              <a:lumOff val="0"/>
-              <a:alphaOff val="0"/>
-            </a:schemeClr>
-          </a:solidFill>
-          <a:prstDash val="solid"/>
-        </a:ln>
-        <a:effectLst/>
-      </dsp:spPr>
-      <dsp:style>
-        <a:lnRef idx="2">
-          <a:scrgbClr r="0" g="0" b="0"/>
-        </a:lnRef>
-        <a:fillRef idx="1">
-          <a:scrgbClr r="0" g="0" b="0"/>
-        </a:fillRef>
-        <a:effectRef idx="0">
-          <a:scrgbClr r="0" g="0" b="0"/>
-        </a:effectRef>
-        <a:fontRef idx="minor">
-          <a:schemeClr val="lt1"/>
-        </a:fontRef>
-      </dsp:style>
-      <dsp:txBody>
-        <a:bodyPr spcFirstLastPara="0" vert="horz" wrap="square" lIns="115191" tIns="120913" rIns="115191" bIns="120913" numCol="1" spcCol="1270" anchor="ctr" anchorCtr="0">
-          <a:noAutofit/>
-        </a:bodyPr>
-        <a:lstStyle/>
-        <a:p>
-          <a:pPr marL="0" lvl="0" indent="0" algn="ctr" defTabSz="666750">
-            <a:lnSpc>
-              <a:spcPct val="90000"/>
-            </a:lnSpc>
-            <a:spcBef>
-              <a:spcPct val="0"/>
-            </a:spcBef>
-            <a:spcAft>
-              <a:spcPct val="35000"/>
-            </a:spcAft>
-            <a:buNone/>
-          </a:pPr>
-          <a:r>
-            <a:rPr lang="es-ES" sz="1500" kern="1200" dirty="0"/>
-            <a:t>Mientras la casilla de destino no esté en la lista cerrado. </a:t>
-          </a:r>
-          <a:endParaRPr lang="en-US" sz="1500" kern="1200" dirty="0"/>
-        </a:p>
-      </dsp:txBody>
-      <dsp:txXfrm>
-        <a:off x="2194" y="2109492"/>
-        <a:ext cx="2350794" cy="1410476"/>
-      </dsp:txXfrm>
-    </dsp:sp>
-    <dsp:sp modelId="{E558AE28-6150-4B3D-8067-5083C074726D}">
-      <dsp:nvSpPr>
-        <dsp:cNvPr id="0" name=""/>
-        <dsp:cNvSpPr/>
-      </dsp:nvSpPr>
-      <dsp:spPr>
-        <a:xfrm>
-          <a:off x="5242666" y="2769011"/>
-          <a:ext cx="510082" cy="91440"/>
-        </a:xfrm>
-        <a:custGeom>
-          <a:avLst/>
-          <a:gdLst/>
-          <a:ahLst/>
-          <a:cxnLst/>
-          <a:rect l="0" t="0" r="0" b="0"/>
-          <a:pathLst>
-            <a:path>
-              <a:moveTo>
-                <a:pt x="0" y="45720"/>
-              </a:moveTo>
-              <a:lnTo>
-                <a:pt x="510082" y="45720"/>
-              </a:lnTo>
-            </a:path>
-          </a:pathLst>
-        </a:custGeom>
-        <a:noFill/>
-        <a:ln w="12700" cap="rnd" cmpd="sng" algn="ctr">
-          <a:solidFill>
-            <a:schemeClr val="accent1">
-              <a:hueOff val="0"/>
-              <a:satOff val="0"/>
-              <a:lumOff val="0"/>
-              <a:alphaOff val="0"/>
-            </a:schemeClr>
-          </a:solidFill>
-          <a:prstDash val="solid"/>
-          <a:tailEnd type="arrow"/>
-        </a:ln>
-        <a:effectLst/>
-      </dsp:spPr>
-      <dsp:style>
-        <a:lnRef idx="1">
-          <a:scrgbClr r="0" g="0" b="0"/>
-        </a:lnRef>
-        <a:fillRef idx="0">
-          <a:scrgbClr r="0" g="0" b="0"/>
-        </a:fillRef>
-        <a:effectRef idx="0">
-          <a:scrgbClr r="0" g="0" b="0"/>
-        </a:effectRef>
-        <a:fontRef idx="minor"/>
-      </dsp:style>
-      <dsp:txBody>
-        <a:bodyPr spcFirstLastPara="0" vert="horz" wrap="square" lIns="12700" tIns="0" rIns="12700" bIns="0" numCol="1" spcCol="1270" anchor="ctr" anchorCtr="0">
-          <a:noAutofit/>
-        </a:bodyPr>
-        <a:lstStyle/>
-        <a:p>
-          <a:pPr marL="0" lvl="0" indent="0" algn="ctr" defTabSz="222250">
-            <a:lnSpc>
-              <a:spcPct val="90000"/>
-            </a:lnSpc>
-            <a:spcBef>
-              <a:spcPct val="0"/>
-            </a:spcBef>
-            <a:spcAft>
-              <a:spcPct val="35000"/>
-            </a:spcAft>
-            <a:buNone/>
-          </a:pPr>
-          <a:endParaRPr lang="en-US" sz="500" kern="1200"/>
-        </a:p>
-      </dsp:txBody>
-      <dsp:txXfrm>
-        <a:off x="5484190" y="2812027"/>
-        <a:ext cx="27034" cy="5406"/>
-      </dsp:txXfrm>
-    </dsp:sp>
-    <dsp:sp modelId="{1B60D0A4-295C-4E03-BC56-0CA98ADC28C5}">
-      <dsp:nvSpPr>
-        <dsp:cNvPr id="0" name=""/>
-        <dsp:cNvSpPr/>
-      </dsp:nvSpPr>
-      <dsp:spPr>
-        <a:xfrm>
-          <a:off x="2893671" y="2109492"/>
-          <a:ext cx="2350794" cy="1410476"/>
-        </a:xfrm>
-        <a:prstGeom prst="rect">
-          <a:avLst/>
-        </a:prstGeom>
-        <a:solidFill>
-          <a:schemeClr val="accent1">
-            <a:hueOff val="0"/>
-            <a:satOff val="0"/>
-            <a:lumOff val="0"/>
-            <a:alphaOff val="0"/>
-          </a:schemeClr>
-        </a:solidFill>
-        <a:ln w="22225" cap="rnd" cmpd="sng" algn="ctr">
-          <a:solidFill>
-            <a:schemeClr val="lt1">
-              <a:hueOff val="0"/>
-              <a:satOff val="0"/>
-              <a:lumOff val="0"/>
-              <a:alphaOff val="0"/>
-            </a:schemeClr>
-          </a:solidFill>
-          <a:prstDash val="solid"/>
-        </a:ln>
-        <a:effectLst/>
-      </dsp:spPr>
-      <dsp:style>
-        <a:lnRef idx="2">
-          <a:scrgbClr r="0" g="0" b="0"/>
-        </a:lnRef>
-        <a:fillRef idx="1">
-          <a:scrgbClr r="0" g="0" b="0"/>
-        </a:fillRef>
-        <a:effectRef idx="0">
-          <a:scrgbClr r="0" g="0" b="0"/>
-        </a:effectRef>
-        <a:fontRef idx="minor">
-          <a:schemeClr val="lt1"/>
-        </a:fontRef>
-      </dsp:style>
-      <dsp:txBody>
-        <a:bodyPr spcFirstLastPara="0" vert="horz" wrap="square" lIns="115191" tIns="120913" rIns="115191" bIns="120913" numCol="1" spcCol="1270" anchor="ctr" anchorCtr="0">
-          <a:noAutofit/>
-        </a:bodyPr>
-        <a:lstStyle/>
-        <a:p>
-          <a:pPr marL="0" lvl="0" indent="0" algn="ctr" defTabSz="666750">
-            <a:lnSpc>
-              <a:spcPct val="90000"/>
-            </a:lnSpc>
-            <a:spcBef>
-              <a:spcPct val="0"/>
-            </a:spcBef>
-            <a:spcAft>
-              <a:spcPct val="35000"/>
-            </a:spcAft>
-            <a:buNone/>
-          </a:pPr>
-          <a:r>
-            <a:rPr lang="es-ES" sz="1500" kern="1200" dirty="0"/>
-            <a:t>Buscar el vecino con el valor F mínimo y lo agrega a la lista cerrado.</a:t>
-          </a:r>
-          <a:endParaRPr lang="en-US" sz="1500" kern="1200" dirty="0"/>
-        </a:p>
-      </dsp:txBody>
-      <dsp:txXfrm>
-        <a:off x="2893671" y="2109492"/>
-        <a:ext cx="2350794" cy="1410476"/>
-      </dsp:txXfrm>
-    </dsp:sp>
-    <dsp:sp modelId="{B724C9CB-0876-4E04-B62C-14730A20EAB7}">
-      <dsp:nvSpPr>
-        <dsp:cNvPr id="0" name=""/>
-        <dsp:cNvSpPr/>
-      </dsp:nvSpPr>
-      <dsp:spPr>
-        <a:xfrm>
-          <a:off x="8134143" y="2769011"/>
-          <a:ext cx="510082" cy="91440"/>
-        </a:xfrm>
-        <a:custGeom>
-          <a:avLst/>
-          <a:gdLst/>
-          <a:ahLst/>
-          <a:cxnLst/>
-          <a:rect l="0" t="0" r="0" b="0"/>
-          <a:pathLst>
-            <a:path>
-              <a:moveTo>
-                <a:pt x="0" y="45720"/>
-              </a:moveTo>
-              <a:lnTo>
-                <a:pt x="510082" y="45720"/>
-              </a:lnTo>
-            </a:path>
-          </a:pathLst>
-        </a:custGeom>
-        <a:noFill/>
-        <a:ln w="12700" cap="rnd" cmpd="sng" algn="ctr">
-          <a:solidFill>
-            <a:schemeClr val="accent1">
-              <a:hueOff val="0"/>
-              <a:satOff val="0"/>
-              <a:lumOff val="0"/>
-              <a:alphaOff val="0"/>
-            </a:schemeClr>
-          </a:solidFill>
-          <a:prstDash val="solid"/>
-          <a:tailEnd type="arrow"/>
-        </a:ln>
-        <a:effectLst/>
-      </dsp:spPr>
-      <dsp:style>
-        <a:lnRef idx="1">
-          <a:scrgbClr r="0" g="0" b="0"/>
-        </a:lnRef>
-        <a:fillRef idx="0">
-          <a:scrgbClr r="0" g="0" b="0"/>
-        </a:fillRef>
-        <a:effectRef idx="0">
-          <a:scrgbClr r="0" g="0" b="0"/>
-        </a:effectRef>
-        <a:fontRef idx="minor"/>
-      </dsp:style>
-      <dsp:txBody>
-        <a:bodyPr spcFirstLastPara="0" vert="horz" wrap="square" lIns="12700" tIns="0" rIns="12700" bIns="0" numCol="1" spcCol="1270" anchor="ctr" anchorCtr="0">
-          <a:noAutofit/>
-        </a:bodyPr>
-        <a:lstStyle/>
-        <a:p>
-          <a:pPr marL="0" lvl="0" indent="0" algn="ctr" defTabSz="222250">
-            <a:lnSpc>
-              <a:spcPct val="90000"/>
-            </a:lnSpc>
-            <a:spcBef>
-              <a:spcPct val="0"/>
-            </a:spcBef>
-            <a:spcAft>
-              <a:spcPct val="35000"/>
-            </a:spcAft>
-            <a:buNone/>
-          </a:pPr>
-          <a:endParaRPr lang="en-US" sz="500" kern="1200"/>
-        </a:p>
-      </dsp:txBody>
-      <dsp:txXfrm>
-        <a:off x="8375667" y="2812027"/>
-        <a:ext cx="27034" cy="5406"/>
-      </dsp:txXfrm>
-    </dsp:sp>
-    <dsp:sp modelId="{EC0F0D84-F7AB-4150-9F9A-AD3EE369D3CA}">
-      <dsp:nvSpPr>
-        <dsp:cNvPr id="0" name=""/>
-        <dsp:cNvSpPr/>
-      </dsp:nvSpPr>
-      <dsp:spPr>
-        <a:xfrm>
-          <a:off x="5785148" y="2109492"/>
-          <a:ext cx="2350794" cy="1410476"/>
-        </a:xfrm>
-        <a:prstGeom prst="rect">
-          <a:avLst/>
-        </a:prstGeom>
-        <a:solidFill>
-          <a:schemeClr val="accent1">
-            <a:hueOff val="0"/>
-            <a:satOff val="0"/>
-            <a:lumOff val="0"/>
-            <a:alphaOff val="0"/>
-          </a:schemeClr>
-        </a:solidFill>
-        <a:ln w="22225" cap="rnd" cmpd="sng" algn="ctr">
-          <a:solidFill>
-            <a:schemeClr val="lt1">
-              <a:hueOff val="0"/>
-              <a:satOff val="0"/>
-              <a:lumOff val="0"/>
-              <a:alphaOff val="0"/>
-            </a:schemeClr>
-          </a:solidFill>
-          <a:prstDash val="solid"/>
-        </a:ln>
-        <a:effectLst/>
-      </dsp:spPr>
-      <dsp:style>
-        <a:lnRef idx="2">
-          <a:scrgbClr r="0" g="0" b="0"/>
-        </a:lnRef>
-        <a:fillRef idx="1">
-          <a:scrgbClr r="0" g="0" b="0"/>
-        </a:fillRef>
-        <a:effectRef idx="0">
-          <a:scrgbClr r="0" g="0" b="0"/>
-        </a:effectRef>
-        <a:fontRef idx="minor">
-          <a:schemeClr val="lt1"/>
-        </a:fontRef>
-      </dsp:style>
-      <dsp:txBody>
-        <a:bodyPr spcFirstLastPara="0" vert="horz" wrap="square" lIns="115191" tIns="120913" rIns="115191" bIns="120913" numCol="1" spcCol="1270" anchor="ctr" anchorCtr="0">
-          <a:noAutofit/>
-        </a:bodyPr>
-        <a:lstStyle/>
-        <a:p>
-          <a:pPr marL="0" lvl="0" indent="0" algn="ctr" defTabSz="666750">
-            <a:lnSpc>
-              <a:spcPct val="90000"/>
-            </a:lnSpc>
-            <a:spcBef>
-              <a:spcPct val="0"/>
-            </a:spcBef>
-            <a:spcAft>
-              <a:spcPct val="35000"/>
-            </a:spcAft>
-            <a:buNone/>
-          </a:pPr>
-          <a:r>
-            <a:rPr lang="es-ES" sz="1500" kern="1200" dirty="0"/>
-            <a:t>Si no se encuentra un vecino válido en vecinos, se coloca a la casilla como </a:t>
-          </a:r>
-          <a:r>
-            <a:rPr lang="es-ES" sz="1500" kern="1200" dirty="0" err="1"/>
-            <a:t>sinSalida</a:t>
-          </a:r>
-          <a:endParaRPr lang="en-US" sz="1500" kern="1200" dirty="0"/>
-        </a:p>
-      </dsp:txBody>
-      <dsp:txXfrm>
-        <a:off x="5785148" y="2109492"/>
-        <a:ext cx="2350794" cy="1410476"/>
-      </dsp:txXfrm>
-    </dsp:sp>
-    <dsp:sp modelId="{3E84BAD1-F307-47C0-8ED5-A7FAA6886B44}">
-      <dsp:nvSpPr>
-        <dsp:cNvPr id="0" name=""/>
-        <dsp:cNvSpPr/>
-      </dsp:nvSpPr>
-      <dsp:spPr>
-        <a:xfrm>
-          <a:off x="8676625" y="2109492"/>
-          <a:ext cx="2350794" cy="1410476"/>
-        </a:xfrm>
-        <a:prstGeom prst="rect">
-          <a:avLst/>
-        </a:prstGeom>
-        <a:solidFill>
-          <a:schemeClr val="accent1">
-            <a:hueOff val="0"/>
-            <a:satOff val="0"/>
-            <a:lumOff val="0"/>
-            <a:alphaOff val="0"/>
-          </a:schemeClr>
-        </a:solidFill>
-        <a:ln w="22225" cap="rnd" cmpd="sng" algn="ctr">
-          <a:solidFill>
-            <a:schemeClr val="lt1">
-              <a:hueOff val="0"/>
-              <a:satOff val="0"/>
-              <a:lumOff val="0"/>
-              <a:alphaOff val="0"/>
-            </a:schemeClr>
-          </a:solidFill>
-          <a:prstDash val="solid"/>
-        </a:ln>
-        <a:effectLst/>
-      </dsp:spPr>
-      <dsp:style>
-        <a:lnRef idx="2">
-          <a:scrgbClr r="0" g="0" b="0"/>
-        </a:lnRef>
-        <a:fillRef idx="1">
-          <a:scrgbClr r="0" g="0" b="0"/>
-        </a:fillRef>
-        <a:effectRef idx="0">
-          <a:scrgbClr r="0" g="0" b="0"/>
-        </a:effectRef>
-        <a:fontRef idx="minor">
-          <a:schemeClr val="lt1"/>
-        </a:fontRef>
-      </dsp:style>
-      <dsp:txBody>
-        <a:bodyPr spcFirstLastPara="0" vert="horz" wrap="square" lIns="115191" tIns="120913" rIns="115191" bIns="120913" numCol="1" spcCol="1270" anchor="ctr" anchorCtr="0">
-          <a:noAutofit/>
-        </a:bodyPr>
-        <a:lstStyle/>
-        <a:p>
-          <a:pPr marL="0" lvl="0" indent="0" algn="ctr" defTabSz="666750">
-            <a:lnSpc>
-              <a:spcPct val="90000"/>
-            </a:lnSpc>
-            <a:spcBef>
-              <a:spcPct val="0"/>
-            </a:spcBef>
-            <a:spcAft>
-              <a:spcPct val="35000"/>
-            </a:spcAft>
-            <a:buNone/>
-          </a:pPr>
-          <a:r>
-            <a:rPr lang="es-ES" sz="1500" kern="1200" dirty="0"/>
-            <a:t>Una vez que se encuentra la casilla de destino en cerrado, se genera el camino. </a:t>
-          </a:r>
-          <a:endParaRPr lang="en-US" sz="1500" kern="1200" dirty="0"/>
-        </a:p>
-      </dsp:txBody>
-      <dsp:txXfrm>
-        <a:off x="8676625" y="2109492"/>
-        <a:ext cx="2350794" cy="1410476"/>
-      </dsp:txXfrm>
-    </dsp:sp>
-  </dsp:spTree>
-</dsp:drawing>
-</file>
-
 <file path=ppt/diagrams/layout1.xml><?xml version="1.0" encoding="utf-8"?>
 <dgm:layoutDef xmlns:dgm="http://schemas.openxmlformats.org/drawingml/2006/diagram" xmlns:a="http://schemas.openxmlformats.org/drawingml/2006/main" uniqueId="urn:microsoft.com/office/officeart/2018/2/layout/IconVerticalSolidList">
   <dgm:title val="Icon Vertical Solid List"/>
@@ -6126,198 +3606,6 @@
 </dgm:layoutDef>
 </file>
 
-<file path=ppt/diagrams/layout3.xml><?xml version="1.0" encoding="utf-8"?>
-<dgm:layoutDef xmlns:dgm="http://schemas.openxmlformats.org/drawingml/2006/diagram" xmlns:a="http://schemas.openxmlformats.org/drawingml/2006/main" uniqueId="urn:microsoft.com/office/officeart/2016/7/layout/RepeatingBendingProcessNew">
-  <dgm:title val="Repeating Bending Process New"/>
-  <dgm:desc val=""/>
-  <dgm:catLst>
-    <dgm:cat type="process" pri="500"/>
-  </dgm:catLst>
-  <dgm:sampData>
-    <dgm:dataModel>
-      <dgm:ptLst>
-        <dgm:pt modelId="0" type="doc"/>
-        <dgm:pt modelId="1">
-          <dgm:prSet phldr="1"/>
-        </dgm:pt>
-        <dgm:pt modelId="2">
-          <dgm:prSet phldr="1"/>
-        </dgm:pt>
-        <dgm:pt modelId="3">
-          <dgm:prSet phldr="1"/>
-        </dgm:pt>
-        <dgm:pt modelId="4">
-          <dgm:prSet phldr="1"/>
-        </dgm:pt>
-        <dgm:pt modelId="5">
-          <dgm:prSet phldr="1"/>
-        </dgm:pt>
-      </dgm:ptLst>
-      <dgm:cxnLst>
-        <dgm:cxn modelId="7" srcId="0" destId="1" srcOrd="0" destOrd="0"/>
-        <dgm:cxn modelId="8" srcId="0" destId="2" srcOrd="1" destOrd="0"/>
-        <dgm:cxn modelId="9" srcId="0" destId="3" srcOrd="2" destOrd="0"/>
-        <dgm:cxn modelId="10" srcId="0" destId="4" srcOrd="3" destOrd="0"/>
-        <dgm:cxn modelId="11" srcId="0" destId="5" srcOrd="4" destOrd="0"/>
-      </dgm:cxnLst>
-      <dgm:bg/>
-      <dgm:whole/>
-    </dgm:dataModel>
-  </dgm:sampData>
-  <dgm:styleData>
-    <dgm:dataModel>
-      <dgm:ptLst>
-        <dgm:pt modelId="0" type="doc"/>
-        <dgm:pt modelId="1"/>
-        <dgm:pt modelId="2"/>
-      </dgm:ptLst>
-      <dgm:cxnLst>
-        <dgm:cxn modelId="3" srcId="0" destId="1" srcOrd="0" destOrd="0"/>
-        <dgm:cxn modelId="4" srcId="0" destId="2" srcOrd="1" destOrd="0"/>
-      </dgm:cxnLst>
-      <dgm:bg/>
-      <dgm:whole/>
-    </dgm:dataModel>
-  </dgm:styleData>
-  <dgm:clrData>
-    <dgm:dataModel>
-      <dgm:ptLst>
-        <dgm:pt modelId="0" type="doc"/>
-        <dgm:pt modelId="1"/>
-        <dgm:pt modelId="2"/>
-        <dgm:pt modelId="3"/>
-        <dgm:pt modelId="4"/>
-      </dgm:ptLst>
-      <dgm:cxnLst>
-        <dgm:cxn modelId="5" srcId="0" destId="1" srcOrd="0" destOrd="0"/>
-        <dgm:cxn modelId="6" srcId="0" destId="2" srcOrd="1" destOrd="0"/>
-        <dgm:cxn modelId="7" srcId="0" destId="3" srcOrd="2" destOrd="0"/>
-        <dgm:cxn modelId="8" srcId="0" destId="4" srcOrd="3" destOrd="0"/>
-      </dgm:cxnLst>
-      <dgm:bg/>
-      <dgm:whole/>
-    </dgm:dataModel>
-  </dgm:clrData>
-  <dgm:layoutNode name="Name0">
-    <dgm:varLst>
-      <dgm:dir/>
-      <dgm:resizeHandles val="exact"/>
-    </dgm:varLst>
-    <dgm:choose name="Name1">
-      <dgm:if name="Name2" axis="self" func="var" arg="dir" op="equ" val="norm">
-        <dgm:alg type="snake">
-          <dgm:param type="grDir" val="tL"/>
-          <dgm:param type="flowDir" val="row"/>
-          <dgm:param type="contDir" val="sameDir"/>
-          <dgm:param type="bkpt" val="endCnv"/>
-        </dgm:alg>
-      </dgm:if>
-      <dgm:else name="Name3">
-        <dgm:alg type="snake">
-          <dgm:param type="grDir" val="tR"/>
-          <dgm:param type="flowDir" val="row"/>
-          <dgm:param type="contDir" val="sameDir"/>
-          <dgm:param type="bkpt" val="endCnv"/>
-        </dgm:alg>
-      </dgm:else>
-    </dgm:choose>
-    <dgm:shape xmlns:r="http://schemas.openxmlformats.org/officeDocument/2006/relationships" r:blip="">
-      <dgm:adjLst/>
-    </dgm:shape>
-    <dgm:presOf/>
-    <dgm:constrLst>
-      <dgm:constr type="w" for="ch" ptType="node" refType="w"/>
-      <dgm:constr type="w" for="ch" forName="sibTrans" refType="w" refFor="ch" refPtType="node" op="equ" fact="0.23"/>
-      <dgm:constr type="sp" refType="w" refFor="ch" refForName="sibTrans" op="equ"/>
-      <dgm:constr type="userB" for="des" forName="connectorText" refType="sp"/>
-      <dgm:constr type="primFontSz" for="ch" ptType="node" op="equ" val="65"/>
-      <dgm:constr type="h" for="ch" ptType="sibTrans" op="equ"/>
-      <dgm:constr type="primFontSz" for="des" forName="connectorText" op="equ" val="55"/>
-      <dgm:constr type="primFontSz" for="des" forName="connectorText" refType="primFontSz" refFor="ch" refPtType="node" op="lte" fact="0.8"/>
-    </dgm:constrLst>
-    <dgm:ruleLst/>
-    <dgm:forEach name="nodesForEach" axis="ch" ptType="node">
-      <dgm:layoutNode name="node">
-        <dgm:varLst>
-          <dgm:bulletEnabled val="1"/>
-        </dgm:varLst>
-        <dgm:alg type="tx"/>
-        <dgm:shape xmlns:r="http://schemas.openxmlformats.org/officeDocument/2006/relationships" type="rect" r:blip="">
-          <dgm:adjLst/>
-        </dgm:shape>
-        <dgm:presOf axis="desOrSelf" ptType="node"/>
-        <dgm:constrLst>
-          <dgm:constr type="h" refType="w" fact="0.6"/>
-          <dgm:constr type="tMarg" refType="h" fact="0.243"/>
-          <dgm:constr type="bMarg" refType="h" fact="0.243"/>
-          <dgm:constr type="lMarg" refType="w" fact="0.1389"/>
-          <dgm:constr type="rMarg" refType="w" fact="0.1389"/>
-        </dgm:constrLst>
-        <dgm:ruleLst>
-          <dgm:rule type="primFontSz" val="12" fact="NaN" max="NaN"/>
-        </dgm:ruleLst>
-      </dgm:layoutNode>
-      <dgm:forEach name="sibTransForEach" axis="followSib" ptType="sibTrans" cnt="1">
-        <dgm:layoutNode name="sibTrans">
-          <dgm:choose name="Name4">
-            <dgm:if name="Name5" axis="self" func="var" arg="dir" op="equ" val="norm">
-              <dgm:alg type="conn">
-                <dgm:param type="connRout" val="bend"/>
-                <dgm:param type="dim" val="1D"/>
-                <dgm:param type="begPts" val="midR bCtr"/>
-                <dgm:param type="endPts" val="midL tCtr"/>
-              </dgm:alg>
-            </dgm:if>
-            <dgm:else name="Name6">
-              <dgm:alg type="conn">
-                <dgm:param type="connRout" val="bend"/>
-                <dgm:param type="dim" val="1D"/>
-                <dgm:param type="begPts" val="midL bCtr"/>
-                <dgm:param type="endPts" val="midR tCtr"/>
-              </dgm:alg>
-            </dgm:else>
-          </dgm:choose>
-          <dgm:shape xmlns:r="http://schemas.openxmlformats.org/officeDocument/2006/relationships" type="conn" r:blip="" zOrderOff="-2">
-            <dgm:adjLst/>
-          </dgm:shape>
-          <dgm:presOf axis="self"/>
-          <dgm:constrLst>
-            <dgm:constr type="begPad" val="-0.05"/>
-            <dgm:constr type="endPad" val="0.9"/>
-            <dgm:constr type="userA" for="ch" refType="connDist"/>
-          </dgm:constrLst>
-          <dgm:ruleLst/>
-          <dgm:layoutNode name="connectorText">
-            <dgm:alg type="tx">
-              <dgm:param type="autoTxRot" val="upr"/>
-            </dgm:alg>
-            <dgm:shape xmlns:r="http://schemas.openxmlformats.org/officeDocument/2006/relationships" type="rect" r:blip="" hideGeom="1">
-              <dgm:adjLst/>
-            </dgm:shape>
-            <dgm:presOf axis="self"/>
-            <dgm:constrLst>
-              <dgm:constr type="userA"/>
-              <dgm:constr type="userB"/>
-              <dgm:constr type="w" refType="userA" fact="0.05"/>
-              <dgm:constr type="h" refType="userB" fact="0.01"/>
-              <dgm:constr type="lMarg" val="1"/>
-              <dgm:constr type="rMarg" val="1"/>
-              <dgm:constr type="tMarg"/>
-              <dgm:constr type="bMarg"/>
-            </dgm:constrLst>
-            <dgm:ruleLst>
-              <dgm:rule type="w" val="NaN" fact="0.6" max="NaN"/>
-              <dgm:rule type="h" val="NaN" fact="0.6" max="NaN"/>
-              <dgm:rule type="primFontSz" val="5" fact="NaN" max="NaN"/>
-            </dgm:ruleLst>
-          </dgm:layoutNode>
-        </dgm:layoutNode>
-      </dgm:forEach>
-    </dgm:forEach>
-  </dgm:layoutNode>
-</dgm:layoutDef>
-</file>
-
 <file path=ppt/diagrams/quickStyle1.xml><?xml version="1.0" encoding="utf-8"?>
 <dgm:styleDef xmlns:dgm="http://schemas.openxmlformats.org/drawingml/2006/diagram" xmlns:a="http://schemas.openxmlformats.org/drawingml/2006/main" uniqueId="urn:microsoft.com/office/officeart/2005/8/quickstyle/simple1">
   <dgm:title val=""/>
@@ -7353,1040 +4641,6 @@
 </file>
 
 <file path=ppt/diagrams/quickStyle2.xml><?xml version="1.0" encoding="utf-8"?>
-<dgm:styleDef xmlns:dgm="http://schemas.openxmlformats.org/drawingml/2006/diagram" xmlns:a="http://schemas.openxmlformats.org/drawingml/2006/main" uniqueId="urn:microsoft.com/office/officeart/2005/8/quickstyle/simple1">
-  <dgm:title val=""/>
-  <dgm:desc val=""/>
-  <dgm:catLst>
-    <dgm:cat type="simple" pri="10100"/>
-  </dgm:catLst>
-  <dgm:scene3d>
-    <a:camera prst="orthographicFront"/>
-    <a:lightRig rig="threePt" dir="t"/>
-  </dgm:scene3d>
-  <dgm:styleLbl name="node0">
-    <dgm:scene3d>
-      <a:camera prst="orthographicFront"/>
-      <a:lightRig rig="threePt" dir="t"/>
-    </dgm:scene3d>
-    <dgm:sp3d/>
-    <dgm:txPr/>
-    <dgm:style>
-      <a:lnRef idx="2">
-        <a:scrgbClr r="0" g="0" b="0"/>
-      </a:lnRef>
-      <a:fillRef idx="1">
-        <a:scrgbClr r="0" g="0" b="0"/>
-      </a:fillRef>
-      <a:effectRef idx="0">
-        <a:scrgbClr r="0" g="0" b="0"/>
-      </a:effectRef>
-      <a:fontRef idx="minor">
-        <a:schemeClr val="lt1"/>
-      </a:fontRef>
-    </dgm:style>
-  </dgm:styleLbl>
-  <dgm:styleLbl name="lnNode1">
-    <dgm:scene3d>
-      <a:camera prst="orthographicFront"/>
-      <a:lightRig rig="threePt" dir="t"/>
-    </dgm:scene3d>
-    <dgm:sp3d/>
-    <dgm:txPr/>
-    <dgm:style>
-      <a:lnRef idx="2">
-        <a:scrgbClr r="0" g="0" b="0"/>
-      </a:lnRef>
-      <a:fillRef idx="1">
-        <a:scrgbClr r="0" g="0" b="0"/>
-      </a:fillRef>
-      <a:effectRef idx="0">
-        <a:scrgbClr r="0" g="0" b="0"/>
-      </a:effectRef>
-      <a:fontRef idx="minor">
-        <a:schemeClr val="lt1"/>
-      </a:fontRef>
-    </dgm:style>
-  </dgm:styleLbl>
-  <dgm:styleLbl name="vennNode1">
-    <dgm:scene3d>
-      <a:camera prst="orthographicFront"/>
-      <a:lightRig rig="threePt" dir="t"/>
-    </dgm:scene3d>
-    <dgm:sp3d/>
-    <dgm:txPr/>
-    <dgm:style>
-      <a:lnRef idx="2">
-        <a:scrgbClr r="0" g="0" b="0"/>
-      </a:lnRef>
-      <a:fillRef idx="1">
-        <a:scrgbClr r="0" g="0" b="0"/>
-      </a:fillRef>
-      <a:effectRef idx="0">
-        <a:scrgbClr r="0" g="0" b="0"/>
-      </a:effectRef>
-      <a:fontRef idx="minor">
-        <a:schemeClr val="tx1"/>
-      </a:fontRef>
-    </dgm:style>
-  </dgm:styleLbl>
-  <dgm:styleLbl name="alignNode1">
-    <dgm:scene3d>
-      <a:camera prst="orthographicFront"/>
-      <a:lightRig rig="threePt" dir="t"/>
-    </dgm:scene3d>
-    <dgm:sp3d/>
-    <dgm:txPr/>
-    <dgm:style>
-      <a:lnRef idx="2">
-        <a:scrgbClr r="0" g="0" b="0"/>
-      </a:lnRef>
-      <a:fillRef idx="1">
-        <a:scrgbClr r="0" g="0" b="0"/>
-      </a:fillRef>
-      <a:effectRef idx="0">
-        <a:scrgbClr r="0" g="0" b="0"/>
-      </a:effectRef>
-      <a:fontRef idx="minor">
-        <a:schemeClr val="lt1"/>
-      </a:fontRef>
-    </dgm:style>
-  </dgm:styleLbl>
-  <dgm:styleLbl name="node1">
-    <dgm:scene3d>
-      <a:camera prst="orthographicFront"/>
-      <a:lightRig rig="threePt" dir="t"/>
-    </dgm:scene3d>
-    <dgm:sp3d/>
-    <dgm:txPr/>
-    <dgm:style>
-      <a:lnRef idx="2">
-        <a:scrgbClr r="0" g="0" b="0"/>
-      </a:lnRef>
-      <a:fillRef idx="1">
-        <a:scrgbClr r="0" g="0" b="0"/>
-      </a:fillRef>
-      <a:effectRef idx="0">
-        <a:scrgbClr r="0" g="0" b="0"/>
-      </a:effectRef>
-      <a:fontRef idx="minor">
-        <a:schemeClr val="lt1"/>
-      </a:fontRef>
-    </dgm:style>
-  </dgm:styleLbl>
-  <dgm:styleLbl name="node2">
-    <dgm:scene3d>
-      <a:camera prst="orthographicFront"/>
-      <a:lightRig rig="threePt" dir="t"/>
-    </dgm:scene3d>
-    <dgm:sp3d/>
-    <dgm:txPr/>
-    <dgm:style>
-      <a:lnRef idx="2">
-        <a:scrgbClr r="0" g="0" b="0"/>
-      </a:lnRef>
-      <a:fillRef idx="1">
-        <a:scrgbClr r="0" g="0" b="0"/>
-      </a:fillRef>
-      <a:effectRef idx="0">
-        <a:scrgbClr r="0" g="0" b="0"/>
-      </a:effectRef>
-      <a:fontRef idx="minor">
-        <a:schemeClr val="lt1"/>
-      </a:fontRef>
-    </dgm:style>
-  </dgm:styleLbl>
-  <dgm:styleLbl name="node3">
-    <dgm:scene3d>
-      <a:camera prst="orthographicFront"/>
-      <a:lightRig rig="threePt" dir="t"/>
-    </dgm:scene3d>
-    <dgm:sp3d/>
-    <dgm:txPr/>
-    <dgm:style>
-      <a:lnRef idx="2">
-        <a:scrgbClr r="0" g="0" b="0"/>
-      </a:lnRef>
-      <a:fillRef idx="1">
-        <a:scrgbClr r="0" g="0" b="0"/>
-      </a:fillRef>
-      <a:effectRef idx="0">
-        <a:scrgbClr r="0" g="0" b="0"/>
-      </a:effectRef>
-      <a:fontRef idx="minor">
-        <a:schemeClr val="lt1"/>
-      </a:fontRef>
-    </dgm:style>
-  </dgm:styleLbl>
-  <dgm:styleLbl name="node4">
-    <dgm:scene3d>
-      <a:camera prst="orthographicFront"/>
-      <a:lightRig rig="threePt" dir="t"/>
-    </dgm:scene3d>
-    <dgm:sp3d/>
-    <dgm:txPr/>
-    <dgm:style>
-      <a:lnRef idx="2">
-        <a:scrgbClr r="0" g="0" b="0"/>
-      </a:lnRef>
-      <a:fillRef idx="1">
-        <a:scrgbClr r="0" g="0" b="0"/>
-      </a:fillRef>
-      <a:effectRef idx="0">
-        <a:scrgbClr r="0" g="0" b="0"/>
-      </a:effectRef>
-      <a:fontRef idx="minor">
-        <a:schemeClr val="lt1"/>
-      </a:fontRef>
-    </dgm:style>
-  </dgm:styleLbl>
-  <dgm:styleLbl name="fgImgPlace1">
-    <dgm:scene3d>
-      <a:camera prst="orthographicFront"/>
-      <a:lightRig rig="threePt" dir="t"/>
-    </dgm:scene3d>
-    <dgm:sp3d/>
-    <dgm:txPr/>
-    <dgm:style>
-      <a:lnRef idx="2">
-        <a:scrgbClr r="0" g="0" b="0"/>
-      </a:lnRef>
-      <a:fillRef idx="1">
-        <a:scrgbClr r="0" g="0" b="0"/>
-      </a:fillRef>
-      <a:effectRef idx="0">
-        <a:scrgbClr r="0" g="0" b="0"/>
-      </a:effectRef>
-      <a:fontRef idx="minor"/>
-    </dgm:style>
-  </dgm:styleLbl>
-  <dgm:styleLbl name="alignImgPlace1">
-    <dgm:scene3d>
-      <a:camera prst="orthographicFront"/>
-      <a:lightRig rig="threePt" dir="t"/>
-    </dgm:scene3d>
-    <dgm:sp3d/>
-    <dgm:txPr/>
-    <dgm:style>
-      <a:lnRef idx="2">
-        <a:scrgbClr r="0" g="0" b="0"/>
-      </a:lnRef>
-      <a:fillRef idx="1">
-        <a:scrgbClr r="0" g="0" b="0"/>
-      </a:fillRef>
-      <a:effectRef idx="0">
-        <a:scrgbClr r="0" g="0" b="0"/>
-      </a:effectRef>
-      <a:fontRef idx="minor"/>
-    </dgm:style>
-  </dgm:styleLbl>
-  <dgm:styleLbl name="bgImgPlace1">
-    <dgm:scene3d>
-      <a:camera prst="orthographicFront"/>
-      <a:lightRig rig="threePt" dir="t"/>
-    </dgm:scene3d>
-    <dgm:sp3d/>
-    <dgm:txPr/>
-    <dgm:style>
-      <a:lnRef idx="2">
-        <a:scrgbClr r="0" g="0" b="0"/>
-      </a:lnRef>
-      <a:fillRef idx="1">
-        <a:scrgbClr r="0" g="0" b="0"/>
-      </a:fillRef>
-      <a:effectRef idx="0">
-        <a:scrgbClr r="0" g="0" b="0"/>
-      </a:effectRef>
-      <a:fontRef idx="minor"/>
-    </dgm:style>
-  </dgm:styleLbl>
-  <dgm:styleLbl name="sibTrans2D1">
-    <dgm:scene3d>
-      <a:camera prst="orthographicFront"/>
-      <a:lightRig rig="threePt" dir="t"/>
-    </dgm:scene3d>
-    <dgm:sp3d/>
-    <dgm:txPr/>
-    <dgm:style>
-      <a:lnRef idx="0">
-        <a:scrgbClr r="0" g="0" b="0"/>
-      </a:lnRef>
-      <a:fillRef idx="1">
-        <a:scrgbClr r="0" g="0" b="0"/>
-      </a:fillRef>
-      <a:effectRef idx="0">
-        <a:scrgbClr r="0" g="0" b="0"/>
-      </a:effectRef>
-      <a:fontRef idx="minor">
-        <a:schemeClr val="lt1"/>
-      </a:fontRef>
-    </dgm:style>
-  </dgm:styleLbl>
-  <dgm:styleLbl name="fgSibTrans2D1">
-    <dgm:scene3d>
-      <a:camera prst="orthographicFront"/>
-      <a:lightRig rig="threePt" dir="t"/>
-    </dgm:scene3d>
-    <dgm:sp3d/>
-    <dgm:txPr/>
-    <dgm:style>
-      <a:lnRef idx="0">
-        <a:scrgbClr r="0" g="0" b="0"/>
-      </a:lnRef>
-      <a:fillRef idx="1">
-        <a:scrgbClr r="0" g="0" b="0"/>
-      </a:fillRef>
-      <a:effectRef idx="0">
-        <a:scrgbClr r="0" g="0" b="0"/>
-      </a:effectRef>
-      <a:fontRef idx="minor">
-        <a:schemeClr val="lt1"/>
-      </a:fontRef>
-    </dgm:style>
-  </dgm:styleLbl>
-  <dgm:styleLbl name="bgSibTrans2D1">
-    <dgm:scene3d>
-      <a:camera prst="orthographicFront"/>
-      <a:lightRig rig="threePt" dir="t"/>
-    </dgm:scene3d>
-    <dgm:sp3d/>
-    <dgm:txPr/>
-    <dgm:style>
-      <a:lnRef idx="0">
-        <a:scrgbClr r="0" g="0" b="0"/>
-      </a:lnRef>
-      <a:fillRef idx="1">
-        <a:scrgbClr r="0" g="0" b="0"/>
-      </a:fillRef>
-      <a:effectRef idx="0">
-        <a:scrgbClr r="0" g="0" b="0"/>
-      </a:effectRef>
-      <a:fontRef idx="minor">
-        <a:schemeClr val="lt1"/>
-      </a:fontRef>
-    </dgm:style>
-  </dgm:styleLbl>
-  <dgm:styleLbl name="sibTrans1D1">
-    <dgm:scene3d>
-      <a:camera prst="orthographicFront"/>
-      <a:lightRig rig="threePt" dir="t"/>
-    </dgm:scene3d>
-    <dgm:sp3d/>
-    <dgm:txPr/>
-    <dgm:style>
-      <a:lnRef idx="1">
-        <a:scrgbClr r="0" g="0" b="0"/>
-      </a:lnRef>
-      <a:fillRef idx="0">
-        <a:scrgbClr r="0" g="0" b="0"/>
-      </a:fillRef>
-      <a:effectRef idx="0">
-        <a:scrgbClr r="0" g="0" b="0"/>
-      </a:effectRef>
-      <a:fontRef idx="minor"/>
-    </dgm:style>
-  </dgm:styleLbl>
-  <dgm:styleLbl name="callout">
-    <dgm:scene3d>
-      <a:camera prst="orthographicFront"/>
-      <a:lightRig rig="threePt" dir="t"/>
-    </dgm:scene3d>
-    <dgm:sp3d/>
-    <dgm:txPr/>
-    <dgm:style>
-      <a:lnRef idx="2">
-        <a:scrgbClr r="0" g="0" b="0"/>
-      </a:lnRef>
-      <a:fillRef idx="1">
-        <a:scrgbClr r="0" g="0" b="0"/>
-      </a:fillRef>
-      <a:effectRef idx="0">
-        <a:scrgbClr r="0" g="0" b="0"/>
-      </a:effectRef>
-      <a:fontRef idx="minor"/>
-    </dgm:style>
-  </dgm:styleLbl>
-  <dgm:styleLbl name="asst0">
-    <dgm:scene3d>
-      <a:camera prst="orthographicFront"/>
-      <a:lightRig rig="threePt" dir="t"/>
-    </dgm:scene3d>
-    <dgm:sp3d/>
-    <dgm:txPr/>
-    <dgm:style>
-      <a:lnRef idx="2">
-        <a:scrgbClr r="0" g="0" b="0"/>
-      </a:lnRef>
-      <a:fillRef idx="1">
-        <a:scrgbClr r="0" g="0" b="0"/>
-      </a:fillRef>
-      <a:effectRef idx="0">
-        <a:scrgbClr r="0" g="0" b="0"/>
-      </a:effectRef>
-      <a:fontRef idx="minor">
-        <a:schemeClr val="lt1"/>
-      </a:fontRef>
-    </dgm:style>
-  </dgm:styleLbl>
-  <dgm:styleLbl name="asst1">
-    <dgm:scene3d>
-      <a:camera prst="orthographicFront"/>
-      <a:lightRig rig="threePt" dir="t"/>
-    </dgm:scene3d>
-    <dgm:sp3d/>
-    <dgm:txPr/>
-    <dgm:style>
-      <a:lnRef idx="2">
-        <a:scrgbClr r="0" g="0" b="0"/>
-      </a:lnRef>
-      <a:fillRef idx="1">
-        <a:scrgbClr r="0" g="0" b="0"/>
-      </a:fillRef>
-      <a:effectRef idx="0">
-        <a:scrgbClr r="0" g="0" b="0"/>
-      </a:effectRef>
-      <a:fontRef idx="minor">
-        <a:schemeClr val="lt1"/>
-      </a:fontRef>
-    </dgm:style>
-  </dgm:styleLbl>
-  <dgm:styleLbl name="asst2">
-    <dgm:scene3d>
-      <a:camera prst="orthographicFront"/>
-      <a:lightRig rig="threePt" dir="t"/>
-    </dgm:scene3d>
-    <dgm:sp3d/>
-    <dgm:txPr/>
-    <dgm:style>
-      <a:lnRef idx="2">
-        <a:scrgbClr r="0" g="0" b="0"/>
-      </a:lnRef>
-      <a:fillRef idx="1">
-        <a:scrgbClr r="0" g="0" b="0"/>
-      </a:fillRef>
-      <a:effectRef idx="0">
-        <a:scrgbClr r="0" g="0" b="0"/>
-      </a:effectRef>
-      <a:fontRef idx="minor">
-        <a:schemeClr val="lt1"/>
-      </a:fontRef>
-    </dgm:style>
-  </dgm:styleLbl>
-  <dgm:styleLbl name="asst3">
-    <dgm:scene3d>
-      <a:camera prst="orthographicFront"/>
-      <a:lightRig rig="threePt" dir="t"/>
-    </dgm:scene3d>
-    <dgm:sp3d/>
-    <dgm:txPr/>
-    <dgm:style>
-      <a:lnRef idx="2">
-        <a:scrgbClr r="0" g="0" b="0"/>
-      </a:lnRef>
-      <a:fillRef idx="1">
-        <a:scrgbClr r="0" g="0" b="0"/>
-      </a:fillRef>
-      <a:effectRef idx="0">
-        <a:scrgbClr r="0" g="0" b="0"/>
-      </a:effectRef>
-      <a:fontRef idx="minor">
-        <a:schemeClr val="lt1"/>
-      </a:fontRef>
-    </dgm:style>
-  </dgm:styleLbl>
-  <dgm:styleLbl name="asst4">
-    <dgm:scene3d>
-      <a:camera prst="orthographicFront"/>
-      <a:lightRig rig="threePt" dir="t"/>
-    </dgm:scene3d>
-    <dgm:sp3d/>
-    <dgm:txPr/>
-    <dgm:style>
-      <a:lnRef idx="2">
-        <a:scrgbClr r="0" g="0" b="0"/>
-      </a:lnRef>
-      <a:fillRef idx="1">
-        <a:scrgbClr r="0" g="0" b="0"/>
-      </a:fillRef>
-      <a:effectRef idx="0">
-        <a:scrgbClr r="0" g="0" b="0"/>
-      </a:effectRef>
-      <a:fontRef idx="minor">
-        <a:schemeClr val="lt1"/>
-      </a:fontRef>
-    </dgm:style>
-  </dgm:styleLbl>
-  <dgm:styleLbl name="parChTrans2D1">
-    <dgm:scene3d>
-      <a:camera prst="orthographicFront"/>
-      <a:lightRig rig="threePt" dir="t"/>
-    </dgm:scene3d>
-    <dgm:sp3d/>
-    <dgm:txPr/>
-    <dgm:style>
-      <a:lnRef idx="2">
-        <a:scrgbClr r="0" g="0" b="0"/>
-      </a:lnRef>
-      <a:fillRef idx="1">
-        <a:scrgbClr r="0" g="0" b="0"/>
-      </a:fillRef>
-      <a:effectRef idx="0">
-        <a:scrgbClr r="0" g="0" b="0"/>
-      </a:effectRef>
-      <a:fontRef idx="minor">
-        <a:schemeClr val="lt1"/>
-      </a:fontRef>
-    </dgm:style>
-  </dgm:styleLbl>
-  <dgm:styleLbl name="parChTrans2D2">
-    <dgm:scene3d>
-      <a:camera prst="orthographicFront"/>
-      <a:lightRig rig="threePt" dir="t"/>
-    </dgm:scene3d>
-    <dgm:sp3d/>
-    <dgm:txPr/>
-    <dgm:style>
-      <a:lnRef idx="2">
-        <a:scrgbClr r="0" g="0" b="0"/>
-      </a:lnRef>
-      <a:fillRef idx="1">
-        <a:scrgbClr r="0" g="0" b="0"/>
-      </a:fillRef>
-      <a:effectRef idx="0">
-        <a:scrgbClr r="0" g="0" b="0"/>
-      </a:effectRef>
-      <a:fontRef idx="minor">
-        <a:schemeClr val="lt1"/>
-      </a:fontRef>
-    </dgm:style>
-  </dgm:styleLbl>
-  <dgm:styleLbl name="parChTrans2D3">
-    <dgm:scene3d>
-      <a:camera prst="orthographicFront"/>
-      <a:lightRig rig="threePt" dir="t"/>
-    </dgm:scene3d>
-    <dgm:sp3d/>
-    <dgm:txPr/>
-    <dgm:style>
-      <a:lnRef idx="2">
-        <a:scrgbClr r="0" g="0" b="0"/>
-      </a:lnRef>
-      <a:fillRef idx="1">
-        <a:scrgbClr r="0" g="0" b="0"/>
-      </a:fillRef>
-      <a:effectRef idx="0">
-        <a:scrgbClr r="0" g="0" b="0"/>
-      </a:effectRef>
-      <a:fontRef idx="minor">
-        <a:schemeClr val="lt1"/>
-      </a:fontRef>
-    </dgm:style>
-  </dgm:styleLbl>
-  <dgm:styleLbl name="parChTrans2D4">
-    <dgm:scene3d>
-      <a:camera prst="orthographicFront"/>
-      <a:lightRig rig="threePt" dir="t"/>
-    </dgm:scene3d>
-    <dgm:sp3d/>
-    <dgm:txPr/>
-    <dgm:style>
-      <a:lnRef idx="2">
-        <a:scrgbClr r="0" g="0" b="0"/>
-      </a:lnRef>
-      <a:fillRef idx="1">
-        <a:scrgbClr r="0" g="0" b="0"/>
-      </a:fillRef>
-      <a:effectRef idx="0">
-        <a:scrgbClr r="0" g="0" b="0"/>
-      </a:effectRef>
-      <a:fontRef idx="minor">
-        <a:schemeClr val="lt1"/>
-      </a:fontRef>
-    </dgm:style>
-  </dgm:styleLbl>
-  <dgm:styleLbl name="parChTrans1D1">
-    <dgm:scene3d>
-      <a:camera prst="orthographicFront"/>
-      <a:lightRig rig="threePt" dir="t"/>
-    </dgm:scene3d>
-    <dgm:sp3d/>
-    <dgm:txPr/>
-    <dgm:style>
-      <a:lnRef idx="2">
-        <a:scrgbClr r="0" g="0" b="0"/>
-      </a:lnRef>
-      <a:fillRef idx="0">
-        <a:scrgbClr r="0" g="0" b="0"/>
-      </a:fillRef>
-      <a:effectRef idx="0">
-        <a:scrgbClr r="0" g="0" b="0"/>
-      </a:effectRef>
-      <a:fontRef idx="minor"/>
-    </dgm:style>
-  </dgm:styleLbl>
-  <dgm:styleLbl name="parChTrans1D2">
-    <dgm:scene3d>
-      <a:camera prst="orthographicFront"/>
-      <a:lightRig rig="threePt" dir="t"/>
-    </dgm:scene3d>
-    <dgm:sp3d/>
-    <dgm:txPr/>
-    <dgm:style>
-      <a:lnRef idx="2">
-        <a:scrgbClr r="0" g="0" b="0"/>
-      </a:lnRef>
-      <a:fillRef idx="0">
-        <a:scrgbClr r="0" g="0" b="0"/>
-      </a:fillRef>
-      <a:effectRef idx="0">
-        <a:scrgbClr r="0" g="0" b="0"/>
-      </a:effectRef>
-      <a:fontRef idx="minor"/>
-    </dgm:style>
-  </dgm:styleLbl>
-  <dgm:styleLbl name="parChTrans1D3">
-    <dgm:scene3d>
-      <a:camera prst="orthographicFront"/>
-      <a:lightRig rig="threePt" dir="t"/>
-    </dgm:scene3d>
-    <dgm:sp3d/>
-    <dgm:txPr/>
-    <dgm:style>
-      <a:lnRef idx="2">
-        <a:scrgbClr r="0" g="0" b="0"/>
-      </a:lnRef>
-      <a:fillRef idx="0">
-        <a:scrgbClr r="0" g="0" b="0"/>
-      </a:fillRef>
-      <a:effectRef idx="0">
-        <a:scrgbClr r="0" g="0" b="0"/>
-      </a:effectRef>
-      <a:fontRef idx="minor"/>
-    </dgm:style>
-  </dgm:styleLbl>
-  <dgm:styleLbl name="parChTrans1D4">
-    <dgm:scene3d>
-      <a:camera prst="orthographicFront"/>
-      <a:lightRig rig="threePt" dir="t"/>
-    </dgm:scene3d>
-    <dgm:sp3d/>
-    <dgm:txPr/>
-    <dgm:style>
-      <a:lnRef idx="2">
-        <a:scrgbClr r="0" g="0" b="0"/>
-      </a:lnRef>
-      <a:fillRef idx="0">
-        <a:scrgbClr r="0" g="0" b="0"/>
-      </a:fillRef>
-      <a:effectRef idx="0">
-        <a:scrgbClr r="0" g="0" b="0"/>
-      </a:effectRef>
-      <a:fontRef idx="minor"/>
-    </dgm:style>
-  </dgm:styleLbl>
-  <dgm:styleLbl name="fgAcc1">
-    <dgm:scene3d>
-      <a:camera prst="orthographicFront"/>
-      <a:lightRig rig="threePt" dir="t"/>
-    </dgm:scene3d>
-    <dgm:sp3d/>
-    <dgm:txPr/>
-    <dgm:style>
-      <a:lnRef idx="2">
-        <a:scrgbClr r="0" g="0" b="0"/>
-      </a:lnRef>
-      <a:fillRef idx="1">
-        <a:scrgbClr r="0" g="0" b="0"/>
-      </a:fillRef>
-      <a:effectRef idx="0">
-        <a:scrgbClr r="0" g="0" b="0"/>
-      </a:effectRef>
-      <a:fontRef idx="minor"/>
-    </dgm:style>
-  </dgm:styleLbl>
-  <dgm:styleLbl name="conFgAcc1">
-    <dgm:scene3d>
-      <a:camera prst="orthographicFront"/>
-      <a:lightRig rig="threePt" dir="t"/>
-    </dgm:scene3d>
-    <dgm:sp3d/>
-    <dgm:txPr/>
-    <dgm:style>
-      <a:lnRef idx="2">
-        <a:scrgbClr r="0" g="0" b="0"/>
-      </a:lnRef>
-      <a:fillRef idx="1">
-        <a:scrgbClr r="0" g="0" b="0"/>
-      </a:fillRef>
-      <a:effectRef idx="0">
-        <a:scrgbClr r="0" g="0" b="0"/>
-      </a:effectRef>
-      <a:fontRef idx="minor"/>
-    </dgm:style>
-  </dgm:styleLbl>
-  <dgm:styleLbl name="alignAcc1">
-    <dgm:scene3d>
-      <a:camera prst="orthographicFront"/>
-      <a:lightRig rig="threePt" dir="t"/>
-    </dgm:scene3d>
-    <dgm:sp3d/>
-    <dgm:txPr/>
-    <dgm:style>
-      <a:lnRef idx="2">
-        <a:scrgbClr r="0" g="0" b="0"/>
-      </a:lnRef>
-      <a:fillRef idx="1">
-        <a:scrgbClr r="0" g="0" b="0"/>
-      </a:fillRef>
-      <a:effectRef idx="0">
-        <a:scrgbClr r="0" g="0" b="0"/>
-      </a:effectRef>
-      <a:fontRef idx="minor"/>
-    </dgm:style>
-  </dgm:styleLbl>
-  <dgm:styleLbl name="trAlignAcc1">
-    <dgm:scene3d>
-      <a:camera prst="orthographicFront"/>
-      <a:lightRig rig="threePt" dir="t"/>
-    </dgm:scene3d>
-    <dgm:sp3d/>
-    <dgm:txPr/>
-    <dgm:style>
-      <a:lnRef idx="1">
-        <a:scrgbClr r="0" g="0" b="0"/>
-      </a:lnRef>
-      <a:fillRef idx="1">
-        <a:scrgbClr r="0" g="0" b="0"/>
-      </a:fillRef>
-      <a:effectRef idx="0">
-        <a:scrgbClr r="0" g="0" b="0"/>
-      </a:effectRef>
-      <a:fontRef idx="minor"/>
-    </dgm:style>
-  </dgm:styleLbl>
-  <dgm:styleLbl name="bgAcc1">
-    <dgm:scene3d>
-      <a:camera prst="orthographicFront"/>
-      <a:lightRig rig="threePt" dir="t"/>
-    </dgm:scene3d>
-    <dgm:sp3d/>
-    <dgm:txPr/>
-    <dgm:style>
-      <a:lnRef idx="2">
-        <a:scrgbClr r="0" g="0" b="0"/>
-      </a:lnRef>
-      <a:fillRef idx="1">
-        <a:scrgbClr r="0" g="0" b="0"/>
-      </a:fillRef>
-      <a:effectRef idx="0">
-        <a:scrgbClr r="0" g="0" b="0"/>
-      </a:effectRef>
-      <a:fontRef idx="minor"/>
-    </dgm:style>
-  </dgm:styleLbl>
-  <dgm:styleLbl name="solidFgAcc1">
-    <dgm:scene3d>
-      <a:camera prst="orthographicFront"/>
-      <a:lightRig rig="threePt" dir="t"/>
-    </dgm:scene3d>
-    <dgm:sp3d/>
-    <dgm:txPr/>
-    <dgm:style>
-      <a:lnRef idx="2">
-        <a:scrgbClr r="0" g="0" b="0"/>
-      </a:lnRef>
-      <a:fillRef idx="1">
-        <a:scrgbClr r="0" g="0" b="0"/>
-      </a:fillRef>
-      <a:effectRef idx="0">
-        <a:scrgbClr r="0" g="0" b="0"/>
-      </a:effectRef>
-      <a:fontRef idx="minor"/>
-    </dgm:style>
-  </dgm:styleLbl>
-  <dgm:styleLbl name="solidAlignAcc1">
-    <dgm:scene3d>
-      <a:camera prst="orthographicFront"/>
-      <a:lightRig rig="threePt" dir="t"/>
-    </dgm:scene3d>
-    <dgm:sp3d/>
-    <dgm:txPr/>
-    <dgm:style>
-      <a:lnRef idx="2">
-        <a:scrgbClr r="0" g="0" b="0"/>
-      </a:lnRef>
-      <a:fillRef idx="1">
-        <a:scrgbClr r="0" g="0" b="0"/>
-      </a:fillRef>
-      <a:effectRef idx="0">
-        <a:scrgbClr r="0" g="0" b="0"/>
-      </a:effectRef>
-      <a:fontRef idx="minor"/>
-    </dgm:style>
-  </dgm:styleLbl>
-  <dgm:styleLbl name="solidBgAcc1">
-    <dgm:scene3d>
-      <a:camera prst="orthographicFront"/>
-      <a:lightRig rig="threePt" dir="t"/>
-    </dgm:scene3d>
-    <dgm:sp3d/>
-    <dgm:txPr/>
-    <dgm:style>
-      <a:lnRef idx="2">
-        <a:scrgbClr r="0" g="0" b="0"/>
-      </a:lnRef>
-      <a:fillRef idx="1">
-        <a:scrgbClr r="0" g="0" b="0"/>
-      </a:fillRef>
-      <a:effectRef idx="0">
-        <a:scrgbClr r="0" g="0" b="0"/>
-      </a:effectRef>
-      <a:fontRef idx="minor"/>
-    </dgm:style>
-  </dgm:styleLbl>
-  <dgm:styleLbl name="fgAccFollowNode1">
-    <dgm:scene3d>
-      <a:camera prst="orthographicFront"/>
-      <a:lightRig rig="threePt" dir="t"/>
-    </dgm:scene3d>
-    <dgm:sp3d/>
-    <dgm:txPr/>
-    <dgm:style>
-      <a:lnRef idx="2">
-        <a:scrgbClr r="0" g="0" b="0"/>
-      </a:lnRef>
-      <a:fillRef idx="1">
-        <a:scrgbClr r="0" g="0" b="0"/>
-      </a:fillRef>
-      <a:effectRef idx="0">
-        <a:scrgbClr r="0" g="0" b="0"/>
-      </a:effectRef>
-      <a:fontRef idx="minor"/>
-    </dgm:style>
-  </dgm:styleLbl>
-  <dgm:styleLbl name="alignAccFollowNode1">
-    <dgm:scene3d>
-      <a:camera prst="orthographicFront"/>
-      <a:lightRig rig="threePt" dir="t"/>
-    </dgm:scene3d>
-    <dgm:sp3d/>
-    <dgm:txPr/>
-    <dgm:style>
-      <a:lnRef idx="2">
-        <a:scrgbClr r="0" g="0" b="0"/>
-      </a:lnRef>
-      <a:fillRef idx="1">
-        <a:scrgbClr r="0" g="0" b="0"/>
-      </a:fillRef>
-      <a:effectRef idx="0">
-        <a:scrgbClr r="0" g="0" b="0"/>
-      </a:effectRef>
-      <a:fontRef idx="minor"/>
-    </dgm:style>
-  </dgm:styleLbl>
-  <dgm:styleLbl name="bgAccFollowNode1">
-    <dgm:scene3d>
-      <a:camera prst="orthographicFront"/>
-      <a:lightRig rig="threePt" dir="t"/>
-    </dgm:scene3d>
-    <dgm:sp3d/>
-    <dgm:txPr/>
-    <dgm:style>
-      <a:lnRef idx="2">
-        <a:scrgbClr r="0" g="0" b="0"/>
-      </a:lnRef>
-      <a:fillRef idx="1">
-        <a:scrgbClr r="0" g="0" b="0"/>
-      </a:fillRef>
-      <a:effectRef idx="0">
-        <a:scrgbClr r="0" g="0" b="0"/>
-      </a:effectRef>
-      <a:fontRef idx="minor"/>
-    </dgm:style>
-  </dgm:styleLbl>
-  <dgm:styleLbl name="fgAcc0">
-    <dgm:scene3d>
-      <a:camera prst="orthographicFront"/>
-      <a:lightRig rig="threePt" dir="t"/>
-    </dgm:scene3d>
-    <dgm:sp3d/>
-    <dgm:txPr/>
-    <dgm:style>
-      <a:lnRef idx="2">
-        <a:scrgbClr r="0" g="0" b="0"/>
-      </a:lnRef>
-      <a:fillRef idx="1">
-        <a:scrgbClr r="0" g="0" b="0"/>
-      </a:fillRef>
-      <a:effectRef idx="0">
-        <a:scrgbClr r="0" g="0" b="0"/>
-      </a:effectRef>
-      <a:fontRef idx="minor"/>
-    </dgm:style>
-  </dgm:styleLbl>
-  <dgm:styleLbl name="fgAcc2">
-    <dgm:scene3d>
-      <a:camera prst="orthographicFront"/>
-      <a:lightRig rig="threePt" dir="t"/>
-    </dgm:scene3d>
-    <dgm:sp3d/>
-    <dgm:txPr/>
-    <dgm:style>
-      <a:lnRef idx="2">
-        <a:scrgbClr r="0" g="0" b="0"/>
-      </a:lnRef>
-      <a:fillRef idx="1">
-        <a:scrgbClr r="0" g="0" b="0"/>
-      </a:fillRef>
-      <a:effectRef idx="0">
-        <a:scrgbClr r="0" g="0" b="0"/>
-      </a:effectRef>
-      <a:fontRef idx="minor"/>
-    </dgm:style>
-  </dgm:styleLbl>
-  <dgm:styleLbl name="fgAcc3">
-    <dgm:scene3d>
-      <a:camera prst="orthographicFront"/>
-      <a:lightRig rig="threePt" dir="t"/>
-    </dgm:scene3d>
-    <dgm:sp3d/>
-    <dgm:txPr/>
-    <dgm:style>
-      <a:lnRef idx="2">
-        <a:scrgbClr r="0" g="0" b="0"/>
-      </a:lnRef>
-      <a:fillRef idx="1">
-        <a:scrgbClr r="0" g="0" b="0"/>
-      </a:fillRef>
-      <a:effectRef idx="0">
-        <a:scrgbClr r="0" g="0" b="0"/>
-      </a:effectRef>
-      <a:fontRef idx="minor"/>
-    </dgm:style>
-  </dgm:styleLbl>
-  <dgm:styleLbl name="fgAcc4">
-    <dgm:scene3d>
-      <a:camera prst="orthographicFront"/>
-      <a:lightRig rig="threePt" dir="t"/>
-    </dgm:scene3d>
-    <dgm:sp3d/>
-    <dgm:txPr/>
-    <dgm:style>
-      <a:lnRef idx="2">
-        <a:scrgbClr r="0" g="0" b="0"/>
-      </a:lnRef>
-      <a:fillRef idx="1">
-        <a:scrgbClr r="0" g="0" b="0"/>
-      </a:fillRef>
-      <a:effectRef idx="0">
-        <a:scrgbClr r="0" g="0" b="0"/>
-      </a:effectRef>
-      <a:fontRef idx="minor"/>
-    </dgm:style>
-  </dgm:styleLbl>
-  <dgm:styleLbl name="bgShp">
-    <dgm:scene3d>
-      <a:camera prst="orthographicFront"/>
-      <a:lightRig rig="threePt" dir="t"/>
-    </dgm:scene3d>
-    <dgm:sp3d/>
-    <dgm:txPr/>
-    <dgm:style>
-      <a:lnRef idx="0">
-        <a:scrgbClr r="0" g="0" b="0"/>
-      </a:lnRef>
-      <a:fillRef idx="1">
-        <a:scrgbClr r="0" g="0" b="0"/>
-      </a:fillRef>
-      <a:effectRef idx="0">
-        <a:scrgbClr r="0" g="0" b="0"/>
-      </a:effectRef>
-      <a:fontRef idx="minor"/>
-    </dgm:style>
-  </dgm:styleLbl>
-  <dgm:styleLbl name="dkBgShp">
-    <dgm:scene3d>
-      <a:camera prst="orthographicFront"/>
-      <a:lightRig rig="threePt" dir="t"/>
-    </dgm:scene3d>
-    <dgm:sp3d/>
-    <dgm:txPr/>
-    <dgm:style>
-      <a:lnRef idx="0">
-        <a:scrgbClr r="0" g="0" b="0"/>
-      </a:lnRef>
-      <a:fillRef idx="1">
-        <a:scrgbClr r="0" g="0" b="0"/>
-      </a:fillRef>
-      <a:effectRef idx="0">
-        <a:scrgbClr r="0" g="0" b="0"/>
-      </a:effectRef>
-      <a:fontRef idx="minor"/>
-    </dgm:style>
-  </dgm:styleLbl>
-  <dgm:styleLbl name="trBgShp">
-    <dgm:scene3d>
-      <a:camera prst="orthographicFront"/>
-      <a:lightRig rig="threePt" dir="t"/>
-    </dgm:scene3d>
-    <dgm:sp3d/>
-    <dgm:txPr/>
-    <dgm:style>
-      <a:lnRef idx="0">
-        <a:scrgbClr r="0" g="0" b="0"/>
-      </a:lnRef>
-      <a:fillRef idx="1">
-        <a:scrgbClr r="0" g="0" b="0"/>
-      </a:fillRef>
-      <a:effectRef idx="0">
-        <a:scrgbClr r="0" g="0" b="0"/>
-      </a:effectRef>
-      <a:fontRef idx="minor"/>
-    </dgm:style>
-  </dgm:styleLbl>
-  <dgm:styleLbl name="fgShp">
-    <dgm:scene3d>
-      <a:camera prst="orthographicFront"/>
-      <a:lightRig rig="threePt" dir="t"/>
-    </dgm:scene3d>
-    <dgm:sp3d/>
-    <dgm:txPr/>
-    <dgm:style>
-      <a:lnRef idx="2">
-        <a:scrgbClr r="0" g="0" b="0"/>
-      </a:lnRef>
-      <a:fillRef idx="1">
-        <a:scrgbClr r="0" g="0" b="0"/>
-      </a:fillRef>
-      <a:effectRef idx="0">
-        <a:scrgbClr r="0" g="0" b="0"/>
-      </a:effectRef>
-      <a:fontRef idx="minor"/>
-    </dgm:style>
-  </dgm:styleLbl>
-  <dgm:styleLbl name="revTx">
-    <dgm:scene3d>
-      <a:camera prst="orthographicFront"/>
-      <a:lightRig rig="threePt" dir="t"/>
-    </dgm:scene3d>
-    <dgm:sp3d/>
-    <dgm:txPr/>
-    <dgm:style>
-      <a:lnRef idx="0">
-        <a:scrgbClr r="0" g="0" b="0"/>
-      </a:lnRef>
-      <a:fillRef idx="0">
-        <a:scrgbClr r="0" g="0" b="0"/>
-      </a:fillRef>
-      <a:effectRef idx="0">
-        <a:scrgbClr r="0" g="0" b="0"/>
-      </a:effectRef>
-      <a:fontRef idx="minor"/>
-    </dgm:style>
-  </dgm:styleLbl>
-</dgm:styleDef>
-</file>
-
-<file path=ppt/diagrams/quickStyle3.xml><?xml version="1.0" encoding="utf-8"?>
 <dgm:styleDef xmlns:dgm="http://schemas.openxmlformats.org/drawingml/2006/diagram" xmlns:a="http://schemas.openxmlformats.org/drawingml/2006/main" uniqueId="urn:microsoft.com/office/officeart/2005/8/quickstyle/simple1">
   <dgm:title val=""/>
   <dgm:desc val=""/>
@@ -9516,7 +5770,7 @@
             <a:pPr rtl="0"/>
             <a:fld id="{C62B80FE-187A-4085-BD71-F0873FF7BD68}" type="datetime1">
               <a:rPr lang="es-ES" smtClean="0"/>
-              <a:t>16/10/2023</a:t>
+              <a:t>14/11/2023</a:t>
             </a:fld>
             <a:endParaRPr lang="es-ES"/>
           </a:p>
@@ -9698,7 +5952,7 @@
             <a:pPr rtl="0"/>
             <a:fld id="{6D59A2BD-4571-4110-BB3E-5D004DE434FA}" type="datetime1">
               <a:rPr lang="es-ES" noProof="0" smtClean="0"/>
-              <a:t>16/10/2023</a:t>
+              <a:t>14/11/2023</a:t>
             </a:fld>
             <a:endParaRPr lang="es-ES" noProof="0"/>
           </a:p>
@@ -10122,93 +6376,7 @@
             <a:pPr rtl="0"/>
             <a:fld id="{C6B3AB32-59DF-41F1-9618-EDFBF5049629}" type="slidenum">
               <a:rPr lang="es-ES" smtClean="0"/>
-              <a:t>10</a:t>
-            </a:fld>
-            <a:endParaRPr lang="es-ES"/>
-          </a:p>
-        </p:txBody>
-      </p:sp>
-    </p:spTree>
-    <p:extLst>
-      <p:ext uri="{BB962C8B-B14F-4D97-AF65-F5344CB8AC3E}">
-        <p14:creationId xmlns:p14="http://schemas.microsoft.com/office/powerpoint/2010/main" val="3698010024"/>
-      </p:ext>
-    </p:extLst>
-  </p:cSld>
-  <p:clrMapOvr>
-    <a:masterClrMapping/>
-  </p:clrMapOvr>
-</p:notes>
-</file>
-
-<file path=ppt/notesSlides/notesSlide3.xml><?xml version="1.0" encoding="utf-8"?>
-<p:notes xmlns:a="http://schemas.openxmlformats.org/drawingml/2006/main" xmlns:r="http://schemas.openxmlformats.org/officeDocument/2006/relationships" xmlns:p="http://schemas.openxmlformats.org/presentationml/2006/main">
-  <p:cSld>
-    <p:spTree>
-      <p:nvGrpSpPr>
-        <p:cNvPr id="1" name=""/>
-        <p:cNvGrpSpPr/>
-        <p:nvPr/>
-      </p:nvGrpSpPr>
-      <p:grpSpPr>
-        <a:xfrm>
-          <a:off x="0" y="0"/>
-          <a:ext cx="0" cy="0"/>
-          <a:chOff x="0" y="0"/>
-          <a:chExt cx="0" cy="0"/>
-        </a:xfrm>
-      </p:grpSpPr>
-      <p:sp>
-        <p:nvSpPr>
-          <p:cNvPr id="2" name="Marcador de imagen de diapositiva 1"/>
-          <p:cNvSpPr>
-            <a:spLocks noGrp="1" noRot="1" noChangeAspect="1"/>
-          </p:cNvSpPr>
-          <p:nvPr>
-            <p:ph type="sldImg"/>
-          </p:nvPr>
-        </p:nvSpPr>
-        <p:spPr/>
-      </p:sp>
-      <p:sp>
-        <p:nvSpPr>
-          <p:cNvPr id="3" name="Marcador de notas 2"/>
-          <p:cNvSpPr>
-            <a:spLocks noGrp="1"/>
-          </p:cNvSpPr>
-          <p:nvPr>
-            <p:ph type="body" idx="1"/>
-          </p:nvPr>
-        </p:nvSpPr>
-        <p:spPr/>
-        <p:txBody>
-          <a:bodyPr rtlCol="0"/>
-          <a:lstStyle/>
-          <a:p>
-            <a:pPr rtl="0"/>
-            <a:endParaRPr lang="es-ES"/>
-          </a:p>
-        </p:txBody>
-      </p:sp>
-      <p:sp>
-        <p:nvSpPr>
-          <p:cNvPr id="4" name="Marcador de número de diapositiva 3"/>
-          <p:cNvSpPr>
-            <a:spLocks noGrp="1"/>
-          </p:cNvSpPr>
-          <p:nvPr>
-            <p:ph type="sldNum" sz="quarter" idx="5"/>
-          </p:nvPr>
-        </p:nvSpPr>
-        <p:spPr/>
-        <p:txBody>
-          <a:bodyPr rtlCol="0"/>
-          <a:lstStyle/>
-          <a:p>
-            <a:pPr rtl="0"/>
-            <a:fld id="{C6B3AB32-59DF-41F1-9618-EDFBF5049629}" type="slidenum">
-              <a:rPr lang="es-ES" smtClean="0"/>
-              <a:t>15</a:t>
+              <a:t>21</a:t>
             </a:fld>
             <a:endParaRPr lang="es-ES"/>
           </a:p>
@@ -10473,7 +6641,7 @@
             <a:pPr rtl="0"/>
             <a:fld id="{F409C0D2-15DE-4FAC-845B-C48979FFAEB9}" type="datetime1">
               <a:rPr lang="es-ES" noProof="0" smtClean="0"/>
-              <a:t>16/10/2023</a:t>
+              <a:t>14/11/2023</a:t>
             </a:fld>
             <a:endParaRPr lang="es-ES" noProof="0"/>
           </a:p>
@@ -10738,7 +6906,7 @@
             <a:pPr rtl="0"/>
             <a:fld id="{8CF9F163-DD03-4353-882E-CE0F9A80F1C3}" type="datetime1">
               <a:rPr lang="es-ES" noProof="0" smtClean="0"/>
-              <a:t>16/10/2023</a:t>
+              <a:t>14/11/2023</a:t>
             </a:fld>
             <a:endParaRPr lang="es-ES" noProof="0"/>
           </a:p>
@@ -10976,7 +7144,7 @@
             <a:pPr rtl="0"/>
             <a:fld id="{8D2FF54C-EA2F-453C-857C-5C9ADB86CB43}" type="datetime1">
               <a:rPr lang="es-ES" noProof="0" smtClean="0"/>
-              <a:t>16/10/2023</a:t>
+              <a:t>14/11/2023</a:t>
             </a:fld>
             <a:endParaRPr lang="es-ES" noProof="0"/>
           </a:p>
@@ -11219,7 +7387,7 @@
             <a:pPr rtl="0"/>
             <a:fld id="{57670FF6-52DC-429F-9C56-6A1BF295232E}" type="datetime1">
               <a:rPr lang="es-ES" noProof="0" smtClean="0"/>
-              <a:t>16/10/2023</a:t>
+              <a:t>14/11/2023</a:t>
             </a:fld>
             <a:endParaRPr lang="es-ES" noProof="0"/>
           </a:p>
@@ -11530,7 +7698,7 @@
             <a:pPr rtl="0"/>
             <a:fld id="{85E27922-51B6-4B96-9C28-2CD2060AE75A}" type="datetime1">
               <a:rPr lang="es-ES" noProof="0" smtClean="0"/>
-              <a:t>16/10/2023</a:t>
+              <a:t>14/11/2023</a:t>
             </a:fld>
             <a:endParaRPr lang="es-ES" noProof="0"/>
           </a:p>
@@ -11834,7 +8002,7 @@
             <a:pPr rtl="0"/>
             <a:fld id="{F3ECF5D1-1C98-40FD-9D65-EED7644802B9}" type="datetime1">
               <a:rPr lang="es-ES" noProof="0" smtClean="0"/>
-              <a:t>16/10/2023</a:t>
+              <a:t>14/11/2023</a:t>
             </a:fld>
             <a:endParaRPr lang="es-ES" noProof="0"/>
           </a:p>
@@ -12258,7 +8426,7 @@
             <a:pPr rtl="0"/>
             <a:fld id="{8556C746-EB55-4634-AD93-A9FF2473885C}" type="datetime1">
               <a:rPr lang="es-ES" noProof="0" smtClean="0"/>
-              <a:t>16/10/2023</a:t>
+              <a:t>14/11/2023</a:t>
             </a:fld>
             <a:endParaRPr lang="es-ES" noProof="0"/>
           </a:p>
@@ -12357,7 +8525,7 @@
             <a:pPr rtl="0"/>
             <a:fld id="{C9051F13-F75A-440F-BED7-E2004746A95F}" type="datetime1">
               <a:rPr lang="es-ES" noProof="0" smtClean="0"/>
-              <a:t>16/10/2023</a:t>
+              <a:t>14/11/2023</a:t>
             </a:fld>
             <a:endParaRPr lang="es-ES" noProof="0"/>
           </a:p>
@@ -12523,7 +8691,7 @@
             <a:pPr rtl="0"/>
             <a:fld id="{3D7A2E7D-666A-420B-9042-959E1D47E21D}" type="datetime1">
               <a:rPr lang="es-ES" noProof="0" smtClean="0"/>
-              <a:t>16/10/2023</a:t>
+              <a:t>14/11/2023</a:t>
             </a:fld>
             <a:endParaRPr lang="es-ES" noProof="0"/>
           </a:p>
@@ -12904,7 +9072,7 @@
             <a:pPr rtl="0"/>
             <a:fld id="{0403F12F-0E67-4CAB-8DFD-26DCD4A99D59}" type="datetime1">
               <a:rPr lang="es-ES" noProof="0" smtClean="0"/>
-              <a:t>16/10/2023</a:t>
+              <a:t>14/11/2023</a:t>
             </a:fld>
             <a:endParaRPr lang="es-ES" noProof="0"/>
           </a:p>
@@ -13197,7 +9365,7 @@
             <a:pPr rtl="0"/>
             <a:fld id="{9709DA8C-1A59-4B91-B9EA-509377CD0E23}" type="datetime1">
               <a:rPr lang="es-ES" noProof="0" smtClean="0"/>
-              <a:t>16/10/2023</a:t>
+              <a:t>14/11/2023</a:t>
             </a:fld>
             <a:endParaRPr lang="es-ES" noProof="0"/>
           </a:p>
@@ -13411,7 +9579,7 @@
             <a:pPr rtl="0"/>
             <a:fld id="{A3DF7BF2-42BB-439B-88AA-F60334FF1291}" type="datetime1">
               <a:rPr lang="es-ES" noProof="0" smtClean="0"/>
-              <a:t>16/10/2023</a:t>
+              <a:t>14/11/2023</a:t>
             </a:fld>
             <a:endParaRPr lang="es-ES" noProof="0"/>
           </a:p>
@@ -14501,57 +10669,12 @@
           <a:chExt cx="0" cy="0"/>
         </a:xfrm>
       </p:grpSpPr>
-      <p:pic>
-        <p:nvPicPr>
-          <p:cNvPr id="3074" name="Picture 2" descr="SimpsonsQOTD on Twitter: &quot;&quot;The eating of a good orange is a lot like a ...">
-            <a:extLst>
-              <a:ext uri="{FF2B5EF4-FFF2-40B4-BE49-F238E27FC236}">
-                <a16:creationId xmlns:a16="http://schemas.microsoft.com/office/drawing/2014/main" id="{17E5DB18-D87C-E6D0-CAC9-51A1655F175F}"/>
-              </a:ext>
-            </a:extLst>
-          </p:cNvPr>
-          <p:cNvPicPr>
-            <a:picLocks noChangeAspect="1" noChangeArrowheads="1"/>
-          </p:cNvPicPr>
-          <p:nvPr/>
-        </p:nvPicPr>
-        <p:blipFill rotWithShape="1">
-          <a:blip r:embed="rId3">
-            <a:extLst>
-              <a:ext uri="{28A0092B-C50C-407E-A947-70E740481C1C}">
-                <a14:useLocalDpi xmlns:a14="http://schemas.microsoft.com/office/drawing/2010/main" val="0"/>
-              </a:ext>
-            </a:extLst>
-          </a:blip>
-          <a:srcRect l="-2" t="4577" r="3" b="22181"/>
-          <a:stretch/>
-        </p:blipFill>
-        <p:spPr bwMode="auto">
-          <a:xfrm>
-            <a:off x="0" y="1"/>
-            <a:ext cx="12192000" cy="6858000"/>
-          </a:xfrm>
-          <a:prstGeom prst="rect">
-            <a:avLst/>
-          </a:prstGeom>
-          <a:noFill/>
-          <a:extLst>
-            <a:ext uri="{909E8E84-426E-40DD-AFC4-6F175D3DCCD1}">
-              <a14:hiddenFill xmlns:a14="http://schemas.microsoft.com/office/drawing/2010/main">
-                <a:solidFill>
-                  <a:srgbClr val="FFFFFF"/>
-                </a:solidFill>
-              </a14:hiddenFill>
-            </a:ext>
-          </a:extLst>
-        </p:spPr>
-      </p:pic>
       <p:sp>
         <p:nvSpPr>
           <p:cNvPr id="2" name="Título 1">
             <a:extLst>
               <a:ext uri="{FF2B5EF4-FFF2-40B4-BE49-F238E27FC236}">
-                <a16:creationId xmlns:a16="http://schemas.microsoft.com/office/drawing/2014/main" id="{C02C5318-1A1E-49D0-B2E2-A4B0FA9E8A40}"/>
+                <a16:creationId xmlns:a16="http://schemas.microsoft.com/office/drawing/2014/main" id="{F6FD6B9F-0482-AA65-DF49-442592B03715}"/>
               </a:ext>
             </a:extLst>
           </p:cNvPr>
@@ -14559,37 +10682,118 @@
             <a:spLocks noGrp="1"/>
           </p:cNvSpPr>
           <p:nvPr>
-            <p:ph type="ctrTitle"/>
+            <p:ph type="title"/>
           </p:nvPr>
         </p:nvSpPr>
-        <p:spPr>
-          <a:xfrm>
-            <a:off x="313477" y="791685"/>
-            <a:ext cx="8678123" cy="3162194"/>
-          </a:xfrm>
-        </p:spPr>
+        <p:spPr/>
         <p:txBody>
-          <a:bodyPr rtlCol="0">
-            <a:noAutofit/>
-          </a:bodyPr>
+          <a:bodyPr/>
           <a:lstStyle/>
           <a:p>
-            <a:pPr rtl="0"/>
-            <a:r>
-              <a:rPr lang="es-ES" sz="6600" dirty="0">
+            <a:r>
+              <a:rPr lang="es-AR" dirty="0"/>
+              <a:t>Por que es importante esta heurística?</a:t>
+            </a:r>
+          </a:p>
+        </p:txBody>
+      </p:sp>
+      <p:sp>
+        <p:nvSpPr>
+          <p:cNvPr id="3" name="Marcador de contenido 2">
+            <a:extLst>
+              <a:ext uri="{FF2B5EF4-FFF2-40B4-BE49-F238E27FC236}">
+                <a16:creationId xmlns:a16="http://schemas.microsoft.com/office/drawing/2014/main" id="{9464E02B-2D7F-8346-5958-476BFCBD5803}"/>
+              </a:ext>
+            </a:extLst>
+          </p:cNvPr>
+          <p:cNvSpPr>
+            <a:spLocks noGrp="1"/>
+          </p:cNvSpPr>
+          <p:nvPr>
+            <p:ph idx="1"/>
+          </p:nvPr>
+        </p:nvSpPr>
+        <p:spPr/>
+        <p:txBody>
+          <a:bodyPr/>
+          <a:lstStyle/>
+          <a:p>
+            <a:r>
+              <a:rPr lang="es-AR" dirty="0"/>
+              <a:t>Es la manera de calcular que tan buena es la decisión de tomar un camino u otro f(x)</a:t>
+            </a:r>
+          </a:p>
+          <a:p>
+            <a:r>
+              <a:rPr lang="es-AR" dirty="0"/>
+              <a:t>f(x) = g(x) + h(x)</a:t>
+            </a:r>
+          </a:p>
+          <a:p>
+            <a:r>
+              <a:rPr lang="es-AR" dirty="0"/>
+              <a:t>g(x) es la distancia acumulada de ir a celda elegida desde la celda que venia. (Igual a </a:t>
+            </a:r>
+            <a:r>
+              <a:rPr lang="es-AR" sz="1800" kern="1200" dirty="0">
                 <a:solidFill>
-                  <a:schemeClr val="bg1"/>
+                  <a:srgbClr val="3D3D3D"/>
                 </a:solidFill>
+                <a:effectLst/>
+                <a:latin typeface="Gill Sans MT" panose="020B0502020104020203" pitchFamily="34" charset="0"/>
+                <a:ea typeface="+mn-ea"/>
+                <a:cs typeface="+mn-cs"/>
               </a:rPr>
-              <a:t>Ya Explica el maldito algoritmo</a:t>
-            </a:r>
+              <a:t>Dijkstra)</a:t>
+            </a:r>
+            <a:endParaRPr lang="es-AR" dirty="0"/>
+          </a:p>
+          <a:p>
+            <a:r>
+              <a:rPr lang="es-AR" dirty="0"/>
+              <a:t>h(x) es la distancia que hay entre la celda elegida y el destino. (Mejora de </a:t>
+            </a:r>
+            <a:r>
+              <a:rPr lang="es-AR" sz="1800" kern="1200" dirty="0">
+                <a:solidFill>
+                  <a:srgbClr val="3D3D3D"/>
+                </a:solidFill>
+                <a:effectLst/>
+                <a:latin typeface="Gill Sans MT" panose="020B0502020104020203" pitchFamily="34" charset="0"/>
+                <a:ea typeface="+mn-ea"/>
+                <a:cs typeface="+mn-cs"/>
+              </a:rPr>
+              <a:t>Dijkstra)</a:t>
+            </a:r>
+            <a:endParaRPr lang="es-AR" dirty="0"/>
+          </a:p>
+          <a:p>
+            <a:r>
+              <a:rPr lang="es-AR" dirty="0"/>
+              <a:t>Con esto puedo no solo saber si es bueno el camino en base a el movimiento local, sino que tambien puedo analizar si me estoy alejando del ideal</a:t>
+            </a:r>
+          </a:p>
+          <a:p>
+            <a:r>
+              <a:rPr lang="es-AR" dirty="0"/>
+              <a:t>Dijkstra funciona de esta manera, pero considera a h(x) como 0 siempre </a:t>
+            </a:r>
+          </a:p>
+          <a:p>
+            <a:pPr marL="0" indent="0">
+              <a:buNone/>
+            </a:pPr>
+            <a:endParaRPr lang="es-AR" dirty="0"/>
+          </a:p>
+          <a:p>
+            <a:endParaRPr lang="es-AR" dirty="0"/>
           </a:p>
         </p:txBody>
       </p:sp>
     </p:spTree>
     <p:extLst>
       <p:ext uri="{BB962C8B-B14F-4D97-AF65-F5344CB8AC3E}">
-        <p14:creationId xmlns:p14="http://schemas.microsoft.com/office/powerpoint/2010/main" val="74061534"/>
+        <p14:creationId xmlns:p14="http://schemas.microsoft.com/office/powerpoint/2010/main" val="2881798081"/>
       </p:ext>
     </p:extLst>
   </p:cSld>
@@ -14621,7 +10825,7 @@
           <p:cNvPr id="2" name="Título 1">
             <a:extLst>
               <a:ext uri="{FF2B5EF4-FFF2-40B4-BE49-F238E27FC236}">
-                <a16:creationId xmlns:a16="http://schemas.microsoft.com/office/drawing/2014/main" id="{0EABE244-4841-5B6F-67A9-6551333EEC19}"/>
+                <a16:creationId xmlns:a16="http://schemas.microsoft.com/office/drawing/2014/main" id="{D8906598-DD0A-7E42-ADA8-F67C7C548766}"/>
               </a:ext>
             </a:extLst>
           </p:cNvPr>
@@ -14632,204 +10836,59 @@
             <p:ph type="title"/>
           </p:nvPr>
         </p:nvSpPr>
-        <p:spPr>
-          <a:xfrm>
-            <a:off x="581192" y="702156"/>
-            <a:ext cx="11029616" cy="1013800"/>
-          </a:xfrm>
-        </p:spPr>
+        <p:spPr/>
         <p:txBody>
-          <a:bodyPr vert="horz" lIns="91440" tIns="45720" rIns="91440" bIns="45720" rtlCol="0" anchor="b">
-            <a:normAutofit/>
-          </a:bodyPr>
+          <a:bodyPr/>
           <a:lstStyle/>
           <a:p>
             <a:r>
-              <a:rPr lang="es-ES" b="0" kern="1200" cap="all">
-                <a:latin typeface="+mj-lt"/>
-                <a:ea typeface="+mj-ea"/>
-                <a:cs typeface="+mj-cs"/>
-              </a:rPr>
-              <a:t>Pseudo-codigo</a:t>
+              <a:rPr lang="es-AR" dirty="0"/>
+              <a:t>Por que no uso Dijkstra ?</a:t>
             </a:r>
           </a:p>
         </p:txBody>
       </p:sp>
       <p:sp>
         <p:nvSpPr>
-          <p:cNvPr id="6" name="CuadroTexto 5">
+          <p:cNvPr id="3" name="Marcador de contenido 2">
             <a:extLst>
               <a:ext uri="{FF2B5EF4-FFF2-40B4-BE49-F238E27FC236}">
-                <a16:creationId xmlns:a16="http://schemas.microsoft.com/office/drawing/2014/main" id="{3BE35AFC-29D9-E233-152E-60792EF23223}"/>
+                <a16:creationId xmlns:a16="http://schemas.microsoft.com/office/drawing/2014/main" id="{99FF5F63-D558-92B1-C77A-A2A0AC0859E8}"/>
               </a:ext>
             </a:extLst>
           </p:cNvPr>
-          <p:cNvSpPr txBox="1"/>
-          <p:nvPr/>
+          <p:cNvSpPr>
+            <a:spLocks noGrp="1"/>
+          </p:cNvSpPr>
+          <p:nvPr>
+            <p:ph idx="1"/>
+          </p:nvPr>
         </p:nvSpPr>
-        <p:spPr>
-          <a:xfrm>
-            <a:off x="962025" y="3773806"/>
-            <a:ext cx="45719" cy="369332"/>
-          </a:xfrm>
-          <a:prstGeom prst="rect">
-            <a:avLst/>
-          </a:prstGeom>
-          <a:noFill/>
-        </p:spPr>
+        <p:spPr/>
         <p:txBody>
-          <a:bodyPr wrap="square" rtlCol="0">
-            <a:spAutoFit/>
-          </a:bodyPr>
+          <a:bodyPr/>
           <a:lstStyle/>
+          <a:p>
+            <a:r>
+              <a:rPr lang="es-AR" dirty="0"/>
+              <a:t>Si necesitas un algoritmo rápido para grafos grandes y muy conexos, pero con pesos muy similares entonces Dijkstra no servirá</a:t>
+            </a:r>
+          </a:p>
+          <a:p>
+            <a:r>
+              <a:rPr lang="es-AR" dirty="0"/>
+              <a:t>La MEJORA a Dijkstra que ofrece el algoritmo es la heurística. </a:t>
+            </a:r>
+          </a:p>
           <a:p>
             <a:endParaRPr lang="es-AR" dirty="0"/>
           </a:p>
         </p:txBody>
       </p:sp>
-      <p:graphicFrame>
-        <p:nvGraphicFramePr>
-          <p:cNvPr id="9" name="CuadroTexto 6">
-            <a:extLst>
-              <a:ext uri="{FF2B5EF4-FFF2-40B4-BE49-F238E27FC236}">
-                <a16:creationId xmlns:a16="http://schemas.microsoft.com/office/drawing/2014/main" id="{5015D53F-AE89-CADE-77DB-B5170587CE95}"/>
-              </a:ext>
-            </a:extLst>
-          </p:cNvPr>
-          <p:cNvGraphicFramePr/>
-          <p:nvPr>
-            <p:extLst>
-              <p:ext uri="{D42A27DB-BD31-4B8C-83A1-F6EECF244321}">
-                <p14:modId xmlns:p14="http://schemas.microsoft.com/office/powerpoint/2010/main" val="2226350313"/>
-              </p:ext>
-            </p:extLst>
-          </p:nvPr>
-        </p:nvGraphicFramePr>
-        <p:xfrm>
-          <a:off x="581192" y="2180496"/>
-          <a:ext cx="11029615" cy="3678303"/>
-        </p:xfrm>
-        <a:graphic>
-          <a:graphicData uri="http://schemas.openxmlformats.org/drawingml/2006/diagram">
-            <dgm:relIds xmlns:dgm="http://schemas.openxmlformats.org/drawingml/2006/diagram" xmlns:r="http://schemas.openxmlformats.org/officeDocument/2006/relationships" r:dm="rId2" r:lo="rId3" r:qs="rId4" r:cs="rId5"/>
-          </a:graphicData>
-        </a:graphic>
-      </p:graphicFrame>
-      <p:cxnSp>
-        <p:nvCxnSpPr>
-          <p:cNvPr id="26" name="Conector recto 25">
-            <a:extLst>
-              <a:ext uri="{FF2B5EF4-FFF2-40B4-BE49-F238E27FC236}">
-                <a16:creationId xmlns:a16="http://schemas.microsoft.com/office/drawing/2014/main" id="{CAE856BD-83E7-3C15-372C-B20D48387298}"/>
-              </a:ext>
-            </a:extLst>
-          </p:cNvPr>
-          <p:cNvCxnSpPr/>
-          <p:nvPr/>
-        </p:nvCxnSpPr>
-        <p:spPr>
-          <a:xfrm>
-            <a:off x="2505075" y="6372225"/>
-            <a:ext cx="4867275" cy="0"/>
-          </a:xfrm>
-          <a:prstGeom prst="line">
-            <a:avLst/>
-          </a:prstGeom>
-        </p:spPr>
-        <p:style>
-          <a:lnRef idx="1">
-            <a:schemeClr val="accent1"/>
-          </a:lnRef>
-          <a:fillRef idx="0">
-            <a:schemeClr val="accent1"/>
-          </a:fillRef>
-          <a:effectRef idx="0">
-            <a:schemeClr val="accent1"/>
-          </a:effectRef>
-          <a:fontRef idx="minor">
-            <a:schemeClr val="tx1"/>
-          </a:fontRef>
-        </p:style>
-      </p:cxnSp>
-      <p:cxnSp>
-        <p:nvCxnSpPr>
-          <p:cNvPr id="28" name="Conector recto 27">
-            <a:extLst>
-              <a:ext uri="{FF2B5EF4-FFF2-40B4-BE49-F238E27FC236}">
-                <a16:creationId xmlns:a16="http://schemas.microsoft.com/office/drawing/2014/main" id="{280E437D-FBCC-57F2-52FD-AF2DB56C5B68}"/>
-              </a:ext>
-            </a:extLst>
-          </p:cNvPr>
-          <p:cNvCxnSpPr/>
-          <p:nvPr/>
-        </p:nvCxnSpPr>
-        <p:spPr>
-          <a:xfrm flipV="1">
-            <a:off x="7372350" y="5667375"/>
-            <a:ext cx="0" cy="695325"/>
-          </a:xfrm>
-          <a:prstGeom prst="line">
-            <a:avLst/>
-          </a:prstGeom>
-        </p:spPr>
-        <p:style>
-          <a:lnRef idx="1">
-            <a:schemeClr val="accent1"/>
-          </a:lnRef>
-          <a:fillRef idx="0">
-            <a:schemeClr val="accent1"/>
-          </a:fillRef>
-          <a:effectRef idx="0">
-            <a:schemeClr val="accent1"/>
-          </a:effectRef>
-          <a:fontRef idx="minor">
-            <a:schemeClr val="tx1"/>
-          </a:fontRef>
-        </p:style>
-      </p:cxnSp>
-      <p:cxnSp>
-        <p:nvCxnSpPr>
-          <p:cNvPr id="30" name="Conector recto de flecha 29">
-            <a:extLst>
-              <a:ext uri="{FF2B5EF4-FFF2-40B4-BE49-F238E27FC236}">
-                <a16:creationId xmlns:a16="http://schemas.microsoft.com/office/drawing/2014/main" id="{5CAE76DA-628D-DC99-B574-A90A90F4F63A}"/>
-              </a:ext>
-            </a:extLst>
-          </p:cNvPr>
-          <p:cNvCxnSpPr/>
-          <p:nvPr/>
-        </p:nvCxnSpPr>
-        <p:spPr>
-          <a:xfrm flipV="1">
-            <a:off x="2505075" y="5657850"/>
-            <a:ext cx="0" cy="714375"/>
-          </a:xfrm>
-          <a:prstGeom prst="straightConnector1">
-            <a:avLst/>
-          </a:prstGeom>
-          <a:ln>
-            <a:tailEnd type="triangle"/>
-          </a:ln>
-        </p:spPr>
-        <p:style>
-          <a:lnRef idx="1">
-            <a:schemeClr val="accent1"/>
-          </a:lnRef>
-          <a:fillRef idx="0">
-            <a:schemeClr val="accent1"/>
-          </a:fillRef>
-          <a:effectRef idx="0">
-            <a:schemeClr val="accent1"/>
-          </a:effectRef>
-          <a:fontRef idx="minor">
-            <a:schemeClr val="tx1"/>
-          </a:fontRef>
-        </p:style>
-      </p:cxnSp>
     </p:spTree>
     <p:extLst>
       <p:ext uri="{BB962C8B-B14F-4D97-AF65-F5344CB8AC3E}">
-        <p14:creationId xmlns:p14="http://schemas.microsoft.com/office/powerpoint/2010/main" val="2174550679"/>
+        <p14:creationId xmlns:p14="http://schemas.microsoft.com/office/powerpoint/2010/main" val="663784992"/>
       </p:ext>
     </p:extLst>
   </p:cSld>
@@ -14858,10 +10917,10 @@
       </p:grpSpPr>
       <p:sp>
         <p:nvSpPr>
-          <p:cNvPr id="23" name="Title 1">
+          <p:cNvPr id="2" name="Título 1">
             <a:extLst>
               <a:ext uri="{FF2B5EF4-FFF2-40B4-BE49-F238E27FC236}">
-                <a16:creationId xmlns:a16="http://schemas.microsoft.com/office/drawing/2014/main" id="{366D071F-7CAF-75D0-4AB4-B1B0C7F889CB}"/>
+                <a16:creationId xmlns:a16="http://schemas.microsoft.com/office/drawing/2014/main" id="{F6FD6B9F-0482-AA65-DF49-442592B03715}"/>
               </a:ext>
             </a:extLst>
           </p:cNvPr>
@@ -14879,63 +10938,65 @@
           </a:xfrm>
         </p:spPr>
         <p:txBody>
-          <a:bodyPr/>
+          <a:bodyPr anchor="b">
+            <a:normAutofit/>
+          </a:bodyPr>
           <a:lstStyle/>
           <a:p>
             <a:r>
-              <a:rPr lang="en-US" dirty="0"/>
-              <a:t>Caso de </a:t>
-            </a:r>
-            <a:r>
-              <a:rPr lang="en-US" dirty="0" err="1"/>
-              <a:t>ejemplo</a:t>
-            </a:r>
-            <a:endParaRPr lang="en-US" dirty="0"/>
+              <a:rPr lang="es-AR" dirty="0"/>
+              <a:t>IMPORTANTE</a:t>
+            </a:r>
           </a:p>
         </p:txBody>
       </p:sp>
-      <p:pic>
-        <p:nvPicPr>
-          <p:cNvPr id="8" name="Gráfico 7">
+      <p:sp>
+        <p:nvSpPr>
+          <p:cNvPr id="3" name="Marcador de contenido 2">
             <a:extLst>
               <a:ext uri="{FF2B5EF4-FFF2-40B4-BE49-F238E27FC236}">
-                <a16:creationId xmlns:a16="http://schemas.microsoft.com/office/drawing/2014/main" id="{AB2BA839-F29F-749E-9D53-B1548D581711}"/>
+                <a16:creationId xmlns:a16="http://schemas.microsoft.com/office/drawing/2014/main" id="{9464E02B-2D7F-8346-5958-476BFCBD5803}"/>
               </a:ext>
             </a:extLst>
           </p:cNvPr>
-          <p:cNvPicPr>
-            <a:picLocks noChangeAspect="1"/>
-          </p:cNvPicPr>
-          <p:nvPr/>
-        </p:nvPicPr>
-        <p:blipFill>
-          <a:blip r:embed="rId2">
-            <a:extLst>
-              <a:ext uri="{96DAC541-7B7A-43D3-8B79-37D633B846F1}">
-                <asvg:svgBlip xmlns:asvg="http://schemas.microsoft.com/office/drawing/2016/SVG/main" r:embed="rId3"/>
-              </a:ext>
-            </a:extLst>
-          </a:blip>
-          <a:stretch>
-            <a:fillRect/>
-          </a:stretch>
-        </p:blipFill>
+          <p:cNvSpPr>
+            <a:spLocks noGrp="1"/>
+          </p:cNvSpPr>
+          <p:nvPr>
+            <p:ph sz="half" idx="1"/>
+          </p:nvPr>
+        </p:nvSpPr>
         <p:spPr>
           <a:xfrm>
-            <a:off x="1475864" y="2228003"/>
-            <a:ext cx="3633047" cy="3633047"/>
+            <a:off x="581193" y="2228003"/>
+            <a:ext cx="5422390" cy="3633047"/>
           </a:xfrm>
-          <a:prstGeom prst="rect">
-            <a:avLst/>
-          </a:prstGeom>
         </p:spPr>
-      </p:pic>
+        <p:txBody>
+          <a:bodyPr anchor="ctr">
+            <a:normAutofit/>
+          </a:bodyPr>
+          <a:lstStyle/>
+          <a:p>
+            <a:pPr marL="0" indent="0">
+              <a:buNone/>
+            </a:pPr>
+            <a:r>
+              <a:rPr lang="es-AR" dirty="0"/>
+              <a:t>La Heurística no determina como se moverá el personaje sino como analiza este la distancia a la cual se acercando o alejando del objetivo</a:t>
+            </a:r>
+          </a:p>
+          <a:p>
+            <a:endParaRPr lang="es-AR" dirty="0"/>
+          </a:p>
+        </p:txBody>
+      </p:sp>
       <p:sp>
         <p:nvSpPr>
-          <p:cNvPr id="18" name="Content Placeholder 3">
+          <p:cNvPr id="8" name="Content Placeholder 3">
             <a:extLst>
               <a:ext uri="{FF2B5EF4-FFF2-40B4-BE49-F238E27FC236}">
-                <a16:creationId xmlns:a16="http://schemas.microsoft.com/office/drawing/2014/main" id="{9C09721C-ABD0-159D-A326-E320CB42E7CC}"/>
+                <a16:creationId xmlns:a16="http://schemas.microsoft.com/office/drawing/2014/main" id="{169425E1-358F-E350-76B1-695F69E7B982}"/>
               </a:ext>
             </a:extLst>
           </p:cNvPr>
@@ -14953,76 +11014,32 @@
           </a:xfrm>
         </p:spPr>
         <p:txBody>
-          <a:bodyPr anchor="ctr">
-            <a:normAutofit/>
-          </a:bodyPr>
+          <a:bodyPr/>
           <a:lstStyle/>
           <a:p>
             <a:r>
-              <a:rPr lang="en-US" dirty="0"/>
-              <a:t>Verde es </a:t>
-            </a:r>
-            <a:r>
               <a:rPr lang="es-AR" dirty="0"/>
-              <a:t>el</a:t>
-            </a:r>
-            <a:r>
-              <a:rPr lang="en-US" dirty="0"/>
-              <a:t> </a:t>
-            </a:r>
-            <a:r>
-              <a:rPr lang="en-US" dirty="0" err="1"/>
-              <a:t>origen</a:t>
-            </a:r>
-            <a:endParaRPr lang="en-US" dirty="0"/>
-          </a:p>
-          <a:p>
-            <a:r>
-              <a:rPr lang="en-US" dirty="0"/>
-              <a:t>Rosa/Rojo son </a:t>
-            </a:r>
-            <a:r>
-              <a:rPr lang="en-US" dirty="0" err="1"/>
-              <a:t>los</a:t>
-            </a:r>
-            <a:r>
-              <a:rPr lang="en-US" dirty="0"/>
-              <a:t> </a:t>
-            </a:r>
-            <a:r>
-              <a:rPr lang="es-AR" dirty="0" err="1"/>
-              <a:t>obstaculos</a:t>
-            </a:r>
-            <a:r>
-              <a:rPr lang="en-US" dirty="0"/>
-              <a:t> </a:t>
-            </a:r>
-          </a:p>
-          <a:p>
-            <a:r>
-              <a:rPr lang="en-US" dirty="0"/>
-              <a:t>Celeste es </a:t>
-            </a:r>
-            <a:r>
-              <a:rPr lang="en-US" dirty="0" err="1"/>
-              <a:t>el</a:t>
-            </a:r>
-            <a:r>
-              <a:rPr lang="en-US" dirty="0"/>
-              <a:t> </a:t>
-            </a:r>
-            <a:r>
-              <a:rPr lang="en-US" dirty="0" err="1"/>
-              <a:t>destino</a:t>
-            </a:r>
-            <a:endParaRPr lang="en-US" dirty="0"/>
+              <a:t>Puede moverse en 8 direcciones como diagonal, pero hacer un análisis de la heurística como manhattan (Habbo)</a:t>
+            </a:r>
+          </a:p>
+          <a:p>
+            <a:r>
+              <a:rPr lang="es-AR" dirty="0"/>
+              <a:t>Rápida,  aproximada pero precisa de calcular distancia entre dos puntos en un mapa cuadriculado</a:t>
+            </a:r>
+          </a:p>
+          <a:p>
+            <a:r>
+              <a:rPr lang="es-AR" dirty="0"/>
+              <a:t>La heurística la determina el mapa y el desarrollador</a:t>
+            </a:r>
           </a:p>
         </p:txBody>
       </p:sp>
     </p:spTree>
     <p:extLst>
       <p:ext uri="{BB962C8B-B14F-4D97-AF65-F5344CB8AC3E}">
-        <p14:creationId xmlns:p14="http://schemas.microsoft.com/office/powerpoint/2010/main" val="555138090"/>
+        <p14:creationId xmlns:p14="http://schemas.microsoft.com/office/powerpoint/2010/main" val="2669612499"/>
       </p:ext>
     </p:extLst>
   </p:cSld>
@@ -15051,10 +11068,10 @@
       </p:grpSpPr>
       <p:sp>
         <p:nvSpPr>
-          <p:cNvPr id="23" name="Title 1">
+          <p:cNvPr id="2" name="Título 1">
             <a:extLst>
               <a:ext uri="{FF2B5EF4-FFF2-40B4-BE49-F238E27FC236}">
-                <a16:creationId xmlns:a16="http://schemas.microsoft.com/office/drawing/2014/main" id="{366D071F-7CAF-75D0-4AB4-B1B0C7F889CB}"/>
+                <a16:creationId xmlns:a16="http://schemas.microsoft.com/office/drawing/2014/main" id="{C0B15E2D-E772-B3EF-62F6-8ECF65F39809}"/>
               </a:ext>
             </a:extLst>
           </p:cNvPr>
@@ -15067,8 +11084,8 @@
         </p:nvSpPr>
         <p:spPr>
           <a:xfrm>
-            <a:off x="581192" y="702156"/>
-            <a:ext cx="11029616" cy="1013800"/>
+            <a:off x="581193" y="729658"/>
+            <a:ext cx="11029616" cy="988332"/>
           </a:xfrm>
         </p:spPr>
         <p:txBody>
@@ -15078,23 +11095,18 @@
           <a:lstStyle/>
           <a:p>
             <a:r>
-              <a:rPr lang="en-US" dirty="0"/>
-              <a:t>Caso de </a:t>
-            </a:r>
-            <a:r>
-              <a:rPr lang="en-US" dirty="0" err="1"/>
-              <a:t>ejemplo</a:t>
-            </a:r>
-            <a:endParaRPr lang="en-US" dirty="0"/>
+              <a:rPr lang="es-AR" dirty="0"/>
+              <a:t>Ejemplo</a:t>
+            </a:r>
           </a:p>
         </p:txBody>
       </p:sp>
       <p:pic>
         <p:nvPicPr>
-          <p:cNvPr id="10" name="Imagen 9">
+          <p:cNvPr id="4" name="Imagen 3">
             <a:extLst>
               <a:ext uri="{FF2B5EF4-FFF2-40B4-BE49-F238E27FC236}">
-                <a16:creationId xmlns:a16="http://schemas.microsoft.com/office/drawing/2014/main" id="{1BD08806-448C-5275-D47B-48E47AC4D6C1}"/>
+                <a16:creationId xmlns:a16="http://schemas.microsoft.com/office/drawing/2014/main" id="{A705E860-6734-5CFE-41F9-C2EE2109171E}"/>
               </a:ext>
             </a:extLst>
           </p:cNvPr>
@@ -15111,8 +11123,8 @@
         </p:blipFill>
         <p:spPr>
           <a:xfrm>
-            <a:off x="3326432" y="1843775"/>
-            <a:ext cx="4873671" cy="4780922"/>
+            <a:off x="800696" y="2228003"/>
+            <a:ext cx="4983383" cy="3633047"/>
           </a:xfrm>
           <a:prstGeom prst="rect">
             <a:avLst/>
@@ -15120,10 +11132,85 @@
           <a:noFill/>
         </p:spPr>
       </p:pic>
+      <p:sp>
+        <p:nvSpPr>
+          <p:cNvPr id="12" name="Content Placeholder 3">
+            <a:extLst>
+              <a:ext uri="{FF2B5EF4-FFF2-40B4-BE49-F238E27FC236}">
+                <a16:creationId xmlns:a16="http://schemas.microsoft.com/office/drawing/2014/main" id="{B6A4CB72-4504-4FB4-535B-0E3DE5076F07}"/>
+              </a:ext>
+            </a:extLst>
+          </p:cNvPr>
+          <p:cNvSpPr>
+            <a:spLocks noGrp="1"/>
+          </p:cNvSpPr>
+          <p:nvPr>
+            <p:ph sz="half" idx="2"/>
+          </p:nvPr>
+        </p:nvSpPr>
+        <p:spPr>
+          <a:xfrm>
+            <a:off x="6188417" y="2228003"/>
+            <a:ext cx="5422392" cy="3633047"/>
+          </a:xfrm>
+        </p:spPr>
+        <p:txBody>
+          <a:bodyPr anchor="ctr">
+            <a:normAutofit/>
+          </a:bodyPr>
+          <a:lstStyle/>
+          <a:p>
+            <a:r>
+              <a:rPr lang="es-AR" dirty="0"/>
+              <a:t>Movimientos</a:t>
+            </a:r>
+            <a:r>
+              <a:rPr lang="en-US" dirty="0"/>
+              <a:t> </a:t>
+            </a:r>
+            <a:r>
+              <a:rPr lang="es-AR" dirty="0"/>
+              <a:t>Verticales</a:t>
+            </a:r>
+            <a:r>
+              <a:rPr lang="en-US" dirty="0"/>
+              <a:t> 1</a:t>
+            </a:r>
+          </a:p>
+          <a:p>
+            <a:r>
+              <a:rPr lang="es-AR" dirty="0"/>
+              <a:t>Movimientos</a:t>
+            </a:r>
+            <a:r>
+              <a:rPr lang="en-US" dirty="0"/>
+              <a:t> </a:t>
+            </a:r>
+            <a:r>
+              <a:rPr lang="en-US" dirty="0" err="1"/>
+              <a:t>Horizontales</a:t>
+            </a:r>
+            <a:r>
+              <a:rPr lang="en-US" dirty="0"/>
+              <a:t> 1</a:t>
+            </a:r>
+          </a:p>
+          <a:p>
+            <a:r>
+              <a:rPr lang="en-US" dirty="0" err="1"/>
+              <a:t>Diagonales</a:t>
+            </a:r>
+            <a:r>
+              <a:rPr lang="en-US" dirty="0"/>
+              <a:t> 1,4</a:t>
+            </a:r>
+          </a:p>
+        </p:txBody>
+      </p:sp>
     </p:spTree>
     <p:extLst>
       <p:ext uri="{BB962C8B-B14F-4D97-AF65-F5344CB8AC3E}">
-        <p14:creationId xmlns:p14="http://schemas.microsoft.com/office/powerpoint/2010/main" val="2255925560"/>
+        <p14:creationId xmlns:p14="http://schemas.microsoft.com/office/powerpoint/2010/main" val="1832333674"/>
       </p:ext>
     </p:extLst>
   </p:cSld>
@@ -15166,14 +11253,590 @@
             <p:ph type="title"/>
           </p:nvPr>
         </p:nvSpPr>
+        <p:spPr>
+          <a:xfrm>
+            <a:off x="581192" y="702156"/>
+            <a:ext cx="11029616" cy="1013800"/>
+          </a:xfrm>
+        </p:spPr>
+        <p:txBody>
+          <a:bodyPr anchor="b">
+            <a:normAutofit/>
+          </a:bodyPr>
+          <a:lstStyle/>
+          <a:p>
+            <a:r>
+              <a:rPr lang="es-AR" dirty="0"/>
+              <a:t>Ejemplo</a:t>
+            </a:r>
+          </a:p>
+        </p:txBody>
+      </p:sp>
+      <p:pic>
+        <p:nvPicPr>
+          <p:cNvPr id="6" name="Imagen 5">
+            <a:extLst>
+              <a:ext uri="{FF2B5EF4-FFF2-40B4-BE49-F238E27FC236}">
+                <a16:creationId xmlns:a16="http://schemas.microsoft.com/office/drawing/2014/main" id="{C9796B36-1D29-5FA5-CFE0-D902886301F2}"/>
+              </a:ext>
+            </a:extLst>
+          </p:cNvPr>
+          <p:cNvPicPr>
+            <a:picLocks noChangeAspect="1"/>
+          </p:cNvPicPr>
+          <p:nvPr/>
+        </p:nvPicPr>
+        <p:blipFill>
+          <a:blip r:embed="rId2"/>
+          <a:stretch>
+            <a:fillRect/>
+          </a:stretch>
+        </p:blipFill>
+        <p:spPr>
+          <a:xfrm>
+            <a:off x="3573270" y="2180496"/>
+            <a:ext cx="5045459" cy="3678303"/>
+          </a:xfrm>
+          <a:prstGeom prst="rect">
+            <a:avLst/>
+          </a:prstGeom>
+          <a:noFill/>
+        </p:spPr>
+      </p:pic>
+    </p:spTree>
+    <p:extLst>
+      <p:ext uri="{BB962C8B-B14F-4D97-AF65-F5344CB8AC3E}">
+        <p14:creationId xmlns:p14="http://schemas.microsoft.com/office/powerpoint/2010/main" val="1784396908"/>
+      </p:ext>
+    </p:extLst>
+  </p:cSld>
+  <p:clrMapOvr>
+    <a:masterClrMapping/>
+  </p:clrMapOvr>
+</p:sld>
+</file>
+
+<file path=ppt/slides/slide15.xml><?xml version="1.0" encoding="utf-8"?>
+<p:sld xmlns:a="http://schemas.openxmlformats.org/drawingml/2006/main" xmlns:r="http://schemas.openxmlformats.org/officeDocument/2006/relationships" xmlns:p="http://schemas.openxmlformats.org/presentationml/2006/main">
+  <p:cSld>
+    <p:spTree>
+      <p:nvGrpSpPr>
+        <p:cNvPr id="1" name=""/>
+        <p:cNvGrpSpPr/>
+        <p:nvPr/>
+      </p:nvGrpSpPr>
+      <p:grpSpPr>
+        <a:xfrm>
+          <a:off x="0" y="0"/>
+          <a:ext cx="0" cy="0"/>
+          <a:chOff x="0" y="0"/>
+          <a:chExt cx="0" cy="0"/>
+        </a:xfrm>
+      </p:grpSpPr>
+      <p:sp>
+        <p:nvSpPr>
+          <p:cNvPr id="2" name="Título 1">
+            <a:extLst>
+              <a:ext uri="{FF2B5EF4-FFF2-40B4-BE49-F238E27FC236}">
+                <a16:creationId xmlns:a16="http://schemas.microsoft.com/office/drawing/2014/main" id="{C0B15E2D-E772-B3EF-62F6-8ECF65F39809}"/>
+              </a:ext>
+            </a:extLst>
+          </p:cNvPr>
+          <p:cNvSpPr>
+            <a:spLocks noGrp="1"/>
+          </p:cNvSpPr>
+          <p:nvPr>
+            <p:ph type="title"/>
+          </p:nvPr>
+        </p:nvSpPr>
+        <p:spPr>
+          <a:xfrm>
+            <a:off x="581192" y="702156"/>
+            <a:ext cx="11029616" cy="1013800"/>
+          </a:xfrm>
+        </p:spPr>
+        <p:txBody>
+          <a:bodyPr anchor="b">
+            <a:normAutofit/>
+          </a:bodyPr>
+          <a:lstStyle/>
+          <a:p>
+            <a:r>
+              <a:rPr lang="es-AR" dirty="0"/>
+              <a:t>Ejemplo</a:t>
+            </a:r>
+          </a:p>
+        </p:txBody>
+      </p:sp>
+      <p:pic>
+        <p:nvPicPr>
+          <p:cNvPr id="9" name="Imagen 8">
+            <a:extLst>
+              <a:ext uri="{FF2B5EF4-FFF2-40B4-BE49-F238E27FC236}">
+                <a16:creationId xmlns:a16="http://schemas.microsoft.com/office/drawing/2014/main" id="{F7AEEFD7-8680-BBCF-1153-3B998A469640}"/>
+              </a:ext>
+            </a:extLst>
+          </p:cNvPr>
+          <p:cNvPicPr>
+            <a:picLocks noChangeAspect="1"/>
+          </p:cNvPicPr>
+          <p:nvPr/>
+        </p:nvPicPr>
+        <p:blipFill>
+          <a:blip r:embed="rId2"/>
+          <a:stretch>
+            <a:fillRect/>
+          </a:stretch>
+        </p:blipFill>
+        <p:spPr>
+          <a:xfrm>
+            <a:off x="3573270" y="2180496"/>
+            <a:ext cx="5045459" cy="3678303"/>
+          </a:xfrm>
+          <a:prstGeom prst="rect">
+            <a:avLst/>
+          </a:prstGeom>
+          <a:noFill/>
+        </p:spPr>
+      </p:pic>
+    </p:spTree>
+    <p:extLst>
+      <p:ext uri="{BB962C8B-B14F-4D97-AF65-F5344CB8AC3E}">
+        <p14:creationId xmlns:p14="http://schemas.microsoft.com/office/powerpoint/2010/main" val="1321608087"/>
+      </p:ext>
+    </p:extLst>
+  </p:cSld>
+  <p:clrMapOvr>
+    <a:masterClrMapping/>
+  </p:clrMapOvr>
+</p:sld>
+</file>
+
+<file path=ppt/slides/slide16.xml><?xml version="1.0" encoding="utf-8"?>
+<p:sld xmlns:a="http://schemas.openxmlformats.org/drawingml/2006/main" xmlns:r="http://schemas.openxmlformats.org/officeDocument/2006/relationships" xmlns:p="http://schemas.openxmlformats.org/presentationml/2006/main">
+  <p:cSld>
+    <p:spTree>
+      <p:nvGrpSpPr>
+        <p:cNvPr id="1" name=""/>
+        <p:cNvGrpSpPr/>
+        <p:nvPr/>
+      </p:nvGrpSpPr>
+      <p:grpSpPr>
+        <a:xfrm>
+          <a:off x="0" y="0"/>
+          <a:ext cx="0" cy="0"/>
+          <a:chOff x="0" y="0"/>
+          <a:chExt cx="0" cy="0"/>
+        </a:xfrm>
+      </p:grpSpPr>
+      <p:sp>
+        <p:nvSpPr>
+          <p:cNvPr id="2" name="Título 1">
+            <a:extLst>
+              <a:ext uri="{FF2B5EF4-FFF2-40B4-BE49-F238E27FC236}">
+                <a16:creationId xmlns:a16="http://schemas.microsoft.com/office/drawing/2014/main" id="{C0B15E2D-E772-B3EF-62F6-8ECF65F39809}"/>
+              </a:ext>
+            </a:extLst>
+          </p:cNvPr>
+          <p:cNvSpPr>
+            <a:spLocks noGrp="1"/>
+          </p:cNvSpPr>
+          <p:nvPr>
+            <p:ph type="title"/>
+          </p:nvPr>
+        </p:nvSpPr>
+        <p:spPr>
+          <a:xfrm>
+            <a:off x="581192" y="702156"/>
+            <a:ext cx="11029616" cy="1013800"/>
+          </a:xfrm>
+        </p:spPr>
+        <p:txBody>
+          <a:bodyPr anchor="b">
+            <a:normAutofit/>
+          </a:bodyPr>
+          <a:lstStyle/>
+          <a:p>
+            <a:r>
+              <a:rPr lang="es-AR" dirty="0"/>
+              <a:t>Ejemplo</a:t>
+            </a:r>
+          </a:p>
+        </p:txBody>
+      </p:sp>
+      <p:pic>
+        <p:nvPicPr>
+          <p:cNvPr id="11" name="Imagen 10">
+            <a:extLst>
+              <a:ext uri="{FF2B5EF4-FFF2-40B4-BE49-F238E27FC236}">
+                <a16:creationId xmlns:a16="http://schemas.microsoft.com/office/drawing/2014/main" id="{2B044471-C430-F380-087C-C7AFAFF1DC70}"/>
+              </a:ext>
+            </a:extLst>
+          </p:cNvPr>
+          <p:cNvPicPr>
+            <a:picLocks noChangeAspect="1"/>
+          </p:cNvPicPr>
+          <p:nvPr/>
+        </p:nvPicPr>
+        <p:blipFill>
+          <a:blip r:embed="rId2"/>
+          <a:stretch>
+            <a:fillRect/>
+          </a:stretch>
+        </p:blipFill>
+        <p:spPr>
+          <a:xfrm>
+            <a:off x="3573270" y="2180496"/>
+            <a:ext cx="5045459" cy="3678303"/>
+          </a:xfrm>
+          <a:prstGeom prst="rect">
+            <a:avLst/>
+          </a:prstGeom>
+          <a:noFill/>
+        </p:spPr>
+      </p:pic>
+    </p:spTree>
+    <p:extLst>
+      <p:ext uri="{BB962C8B-B14F-4D97-AF65-F5344CB8AC3E}">
+        <p14:creationId xmlns:p14="http://schemas.microsoft.com/office/powerpoint/2010/main" val="1182717397"/>
+      </p:ext>
+    </p:extLst>
+  </p:cSld>
+  <p:clrMapOvr>
+    <a:masterClrMapping/>
+  </p:clrMapOvr>
+</p:sld>
+</file>
+
+<file path=ppt/slides/slide17.xml><?xml version="1.0" encoding="utf-8"?>
+<p:sld xmlns:a="http://schemas.openxmlformats.org/drawingml/2006/main" xmlns:r="http://schemas.openxmlformats.org/officeDocument/2006/relationships" xmlns:p="http://schemas.openxmlformats.org/presentationml/2006/main">
+  <p:cSld>
+    <p:spTree>
+      <p:nvGrpSpPr>
+        <p:cNvPr id="1" name=""/>
+        <p:cNvGrpSpPr/>
+        <p:nvPr/>
+      </p:nvGrpSpPr>
+      <p:grpSpPr>
+        <a:xfrm>
+          <a:off x="0" y="0"/>
+          <a:ext cx="0" cy="0"/>
+          <a:chOff x="0" y="0"/>
+          <a:chExt cx="0" cy="0"/>
+        </a:xfrm>
+      </p:grpSpPr>
+      <p:sp>
+        <p:nvSpPr>
+          <p:cNvPr id="2" name="Título 1">
+            <a:extLst>
+              <a:ext uri="{FF2B5EF4-FFF2-40B4-BE49-F238E27FC236}">
+                <a16:creationId xmlns:a16="http://schemas.microsoft.com/office/drawing/2014/main" id="{C0B15E2D-E772-B3EF-62F6-8ECF65F39809}"/>
+              </a:ext>
+            </a:extLst>
+          </p:cNvPr>
+          <p:cNvSpPr>
+            <a:spLocks noGrp="1"/>
+          </p:cNvSpPr>
+          <p:nvPr>
+            <p:ph type="title"/>
+          </p:nvPr>
+        </p:nvSpPr>
+        <p:spPr>
+          <a:xfrm>
+            <a:off x="581192" y="702156"/>
+            <a:ext cx="11029616" cy="1013800"/>
+          </a:xfrm>
+        </p:spPr>
+        <p:txBody>
+          <a:bodyPr anchor="b">
+            <a:normAutofit/>
+          </a:bodyPr>
+          <a:lstStyle/>
+          <a:p>
+            <a:r>
+              <a:rPr lang="es-AR" dirty="0"/>
+              <a:t>Ejemplo</a:t>
+            </a:r>
+          </a:p>
+        </p:txBody>
+      </p:sp>
+      <p:pic>
+        <p:nvPicPr>
+          <p:cNvPr id="12" name="Imagen 11">
+            <a:extLst>
+              <a:ext uri="{FF2B5EF4-FFF2-40B4-BE49-F238E27FC236}">
+                <a16:creationId xmlns:a16="http://schemas.microsoft.com/office/drawing/2014/main" id="{4FE6EB89-049B-75AE-7901-37978C07F057}"/>
+              </a:ext>
+            </a:extLst>
+          </p:cNvPr>
+          <p:cNvPicPr>
+            <a:picLocks noChangeAspect="1"/>
+          </p:cNvPicPr>
+          <p:nvPr/>
+        </p:nvPicPr>
+        <p:blipFill>
+          <a:blip r:embed="rId2"/>
+          <a:stretch>
+            <a:fillRect/>
+          </a:stretch>
+        </p:blipFill>
+        <p:spPr>
+          <a:xfrm>
+            <a:off x="3573270" y="2180496"/>
+            <a:ext cx="5045459" cy="3678303"/>
+          </a:xfrm>
+          <a:prstGeom prst="rect">
+            <a:avLst/>
+          </a:prstGeom>
+          <a:noFill/>
+        </p:spPr>
+      </p:pic>
+    </p:spTree>
+    <p:extLst>
+      <p:ext uri="{BB962C8B-B14F-4D97-AF65-F5344CB8AC3E}">
+        <p14:creationId xmlns:p14="http://schemas.microsoft.com/office/powerpoint/2010/main" val="2169446380"/>
+      </p:ext>
+    </p:extLst>
+  </p:cSld>
+  <p:clrMapOvr>
+    <a:masterClrMapping/>
+  </p:clrMapOvr>
+</p:sld>
+</file>
+
+<file path=ppt/slides/slide18.xml><?xml version="1.0" encoding="utf-8"?>
+<p:sld xmlns:a="http://schemas.openxmlformats.org/drawingml/2006/main" xmlns:r="http://schemas.openxmlformats.org/officeDocument/2006/relationships" xmlns:p="http://schemas.openxmlformats.org/presentationml/2006/main">
+  <p:cSld>
+    <p:spTree>
+      <p:nvGrpSpPr>
+        <p:cNvPr id="1" name=""/>
+        <p:cNvGrpSpPr/>
+        <p:nvPr/>
+      </p:nvGrpSpPr>
+      <p:grpSpPr>
+        <a:xfrm>
+          <a:off x="0" y="0"/>
+          <a:ext cx="0" cy="0"/>
+          <a:chOff x="0" y="0"/>
+          <a:chExt cx="0" cy="0"/>
+        </a:xfrm>
+      </p:grpSpPr>
+      <p:sp>
+        <p:nvSpPr>
+          <p:cNvPr id="2" name="Título 1">
+            <a:extLst>
+              <a:ext uri="{FF2B5EF4-FFF2-40B4-BE49-F238E27FC236}">
+                <a16:creationId xmlns:a16="http://schemas.microsoft.com/office/drawing/2014/main" id="{C0B15E2D-E772-B3EF-62F6-8ECF65F39809}"/>
+              </a:ext>
+            </a:extLst>
+          </p:cNvPr>
+          <p:cNvSpPr>
+            <a:spLocks noGrp="1"/>
+          </p:cNvSpPr>
+          <p:nvPr>
+            <p:ph type="title"/>
+          </p:nvPr>
+        </p:nvSpPr>
+        <p:spPr>
+          <a:xfrm>
+            <a:off x="581192" y="702156"/>
+            <a:ext cx="11029616" cy="1013800"/>
+          </a:xfrm>
+        </p:spPr>
+        <p:txBody>
+          <a:bodyPr anchor="b">
+            <a:normAutofit/>
+          </a:bodyPr>
+          <a:lstStyle/>
+          <a:p>
+            <a:r>
+              <a:rPr lang="es-AR" dirty="0"/>
+              <a:t>Ejemplo</a:t>
+            </a:r>
+          </a:p>
+        </p:txBody>
+      </p:sp>
+      <p:pic>
+        <p:nvPicPr>
+          <p:cNvPr id="14" name="Imagen 13">
+            <a:extLst>
+              <a:ext uri="{FF2B5EF4-FFF2-40B4-BE49-F238E27FC236}">
+                <a16:creationId xmlns:a16="http://schemas.microsoft.com/office/drawing/2014/main" id="{93E8E522-34A5-9D3B-B2CC-F69652D48F01}"/>
+              </a:ext>
+            </a:extLst>
+          </p:cNvPr>
+          <p:cNvPicPr>
+            <a:picLocks noChangeAspect="1"/>
+          </p:cNvPicPr>
+          <p:nvPr/>
+        </p:nvPicPr>
+        <p:blipFill>
+          <a:blip r:embed="rId2"/>
+          <a:stretch>
+            <a:fillRect/>
+          </a:stretch>
+        </p:blipFill>
+        <p:spPr>
+          <a:xfrm>
+            <a:off x="3345410" y="2180496"/>
+            <a:ext cx="5501178" cy="3678303"/>
+          </a:xfrm>
+          <a:prstGeom prst="rect">
+            <a:avLst/>
+          </a:prstGeom>
+          <a:noFill/>
+        </p:spPr>
+      </p:pic>
+    </p:spTree>
+    <p:extLst>
+      <p:ext uri="{BB962C8B-B14F-4D97-AF65-F5344CB8AC3E}">
+        <p14:creationId xmlns:p14="http://schemas.microsoft.com/office/powerpoint/2010/main" val="2240845633"/>
+      </p:ext>
+    </p:extLst>
+  </p:cSld>
+  <p:clrMapOvr>
+    <a:masterClrMapping/>
+  </p:clrMapOvr>
+</p:sld>
+</file>
+
+<file path=ppt/slides/slide19.xml><?xml version="1.0" encoding="utf-8"?>
+<p:sld xmlns:a="http://schemas.openxmlformats.org/drawingml/2006/main" xmlns:r="http://schemas.openxmlformats.org/officeDocument/2006/relationships" xmlns:p="http://schemas.openxmlformats.org/presentationml/2006/main">
+  <p:cSld>
+    <p:spTree>
+      <p:nvGrpSpPr>
+        <p:cNvPr id="1" name=""/>
+        <p:cNvGrpSpPr/>
+        <p:nvPr/>
+      </p:nvGrpSpPr>
+      <p:grpSpPr>
+        <a:xfrm>
+          <a:off x="0" y="0"/>
+          <a:ext cx="0" cy="0"/>
+          <a:chOff x="0" y="0"/>
+          <a:chExt cx="0" cy="0"/>
+        </a:xfrm>
+      </p:grpSpPr>
+      <p:sp>
+        <p:nvSpPr>
+          <p:cNvPr id="2" name="Título 1">
+            <a:extLst>
+              <a:ext uri="{FF2B5EF4-FFF2-40B4-BE49-F238E27FC236}">
+                <a16:creationId xmlns:a16="http://schemas.microsoft.com/office/drawing/2014/main" id="{C0B15E2D-E772-B3EF-62F6-8ECF65F39809}"/>
+              </a:ext>
+            </a:extLst>
+          </p:cNvPr>
+          <p:cNvSpPr>
+            <a:spLocks noGrp="1"/>
+          </p:cNvSpPr>
+          <p:nvPr>
+            <p:ph type="title"/>
+          </p:nvPr>
+        </p:nvSpPr>
+        <p:spPr>
+          <a:xfrm>
+            <a:off x="581192" y="702156"/>
+            <a:ext cx="11029616" cy="1013800"/>
+          </a:xfrm>
+        </p:spPr>
+        <p:txBody>
+          <a:bodyPr anchor="b">
+            <a:normAutofit/>
+          </a:bodyPr>
+          <a:lstStyle/>
+          <a:p>
+            <a:r>
+              <a:rPr lang="es-AR" dirty="0"/>
+              <a:t>Ejemplo</a:t>
+            </a:r>
+          </a:p>
+        </p:txBody>
+      </p:sp>
+      <p:pic>
+        <p:nvPicPr>
+          <p:cNvPr id="15" name="Imagen 14">
+            <a:extLst>
+              <a:ext uri="{FF2B5EF4-FFF2-40B4-BE49-F238E27FC236}">
+                <a16:creationId xmlns:a16="http://schemas.microsoft.com/office/drawing/2014/main" id="{B3DBB2B5-B3E2-A33E-62EE-9E5645393DBA}"/>
+              </a:ext>
+            </a:extLst>
+          </p:cNvPr>
+          <p:cNvPicPr>
+            <a:picLocks noChangeAspect="1"/>
+          </p:cNvPicPr>
+          <p:nvPr/>
+        </p:nvPicPr>
+        <p:blipFill>
+          <a:blip r:embed="rId2"/>
+          <a:stretch>
+            <a:fillRect/>
+          </a:stretch>
+        </p:blipFill>
+        <p:spPr>
+          <a:xfrm>
+            <a:off x="3573270" y="2180496"/>
+            <a:ext cx="5045459" cy="3678303"/>
+          </a:xfrm>
+          <a:prstGeom prst="rect">
+            <a:avLst/>
+          </a:prstGeom>
+          <a:noFill/>
+        </p:spPr>
+      </p:pic>
+    </p:spTree>
+    <p:extLst>
+      <p:ext uri="{BB962C8B-B14F-4D97-AF65-F5344CB8AC3E}">
+        <p14:creationId xmlns:p14="http://schemas.microsoft.com/office/powerpoint/2010/main" val="1627014233"/>
+      </p:ext>
+    </p:extLst>
+  </p:cSld>
+  <p:clrMapOvr>
+    <a:masterClrMapping/>
+  </p:clrMapOvr>
+</p:sld>
+</file>
+
+<file path=ppt/slides/slide2.xml><?xml version="1.0" encoding="utf-8"?>
+<p:sld xmlns:a="http://schemas.openxmlformats.org/drawingml/2006/main" xmlns:r="http://schemas.openxmlformats.org/officeDocument/2006/relationships" xmlns:p="http://schemas.openxmlformats.org/presentationml/2006/main">
+  <p:cSld>
+    <p:spTree>
+      <p:nvGrpSpPr>
+        <p:cNvPr id="1" name=""/>
+        <p:cNvGrpSpPr/>
+        <p:nvPr/>
+      </p:nvGrpSpPr>
+      <p:grpSpPr>
+        <a:xfrm>
+          <a:off x="0" y="0"/>
+          <a:ext cx="0" cy="0"/>
+          <a:chOff x="0" y="0"/>
+          <a:chExt cx="0" cy="0"/>
+        </a:xfrm>
+      </p:grpSpPr>
+      <p:sp>
+        <p:nvSpPr>
+          <p:cNvPr id="2" name="Título 1">
+            <a:extLst>
+              <a:ext uri="{FF2B5EF4-FFF2-40B4-BE49-F238E27FC236}">
+                <a16:creationId xmlns:a16="http://schemas.microsoft.com/office/drawing/2014/main" id="{E9422072-47D4-8AED-7850-7F55658CAE42}"/>
+              </a:ext>
+            </a:extLst>
+          </p:cNvPr>
+          <p:cNvSpPr>
+            <a:spLocks noGrp="1"/>
+          </p:cNvSpPr>
+          <p:nvPr>
+            <p:ph type="title"/>
+          </p:nvPr>
+        </p:nvSpPr>
         <p:spPr/>
         <p:txBody>
           <a:bodyPr/>
           <a:lstStyle/>
           <a:p>
             <a:r>
-              <a:rPr lang="es-AR"/>
-              <a:t>Complejidad computacional???</a:t>
+              <a:rPr lang="es-AR" dirty="0"/>
+              <a:t>Elementos a comprender</a:t>
             </a:r>
           </a:p>
         </p:txBody>
@@ -15183,7 +11846,7 @@
           <p:cNvPr id="3" name="Marcador de contenido 2">
             <a:extLst>
               <a:ext uri="{FF2B5EF4-FFF2-40B4-BE49-F238E27FC236}">
-                <a16:creationId xmlns:a16="http://schemas.microsoft.com/office/drawing/2014/main" id="{5FC98181-4B46-0618-DA13-658B8329AAD3}"/>
+                <a16:creationId xmlns:a16="http://schemas.microsoft.com/office/drawing/2014/main" id="{3F67B82E-904B-A9A9-B221-2C78C5A07096}"/>
               </a:ext>
             </a:extLst>
           </p:cNvPr>
@@ -15199,14 +11862,122 @@
           <a:bodyPr/>
           <a:lstStyle/>
           <a:p>
-            <a:endParaRPr lang="es-AR"/>
+            <a:r>
+              <a:rPr lang="es-AR" dirty="0"/>
+              <a:t>MAPA</a:t>
+            </a:r>
+          </a:p>
+          <a:p>
+            <a:r>
+              <a:rPr lang="es-AR" dirty="0"/>
+              <a:t>Personaje</a:t>
+            </a:r>
+          </a:p>
+          <a:p>
+            <a:r>
+              <a:rPr lang="es-AR" dirty="0"/>
+              <a:t>Movimientos</a:t>
+            </a:r>
+          </a:p>
+          <a:p>
+            <a:endParaRPr lang="es-AR" dirty="0"/>
           </a:p>
         </p:txBody>
       </p:sp>
+      <p:pic>
+        <p:nvPicPr>
+          <p:cNvPr id="7" name="Imagen 6">
+            <a:extLst>
+              <a:ext uri="{FF2B5EF4-FFF2-40B4-BE49-F238E27FC236}">
+                <a16:creationId xmlns:a16="http://schemas.microsoft.com/office/drawing/2014/main" id="{5768CE89-5726-D22F-D7F4-7B9D7FE0B3D2}"/>
+              </a:ext>
+            </a:extLst>
+          </p:cNvPr>
+          <p:cNvPicPr>
+            <a:picLocks noChangeAspect="1"/>
+          </p:cNvPicPr>
+          <p:nvPr/>
+        </p:nvPicPr>
+        <p:blipFill>
+          <a:blip r:embed="rId3"/>
+          <a:stretch>
+            <a:fillRect/>
+          </a:stretch>
+        </p:blipFill>
+        <p:spPr>
+          <a:xfrm>
+            <a:off x="3547127" y="2476597"/>
+            <a:ext cx="3086100" cy="3086100"/>
+          </a:xfrm>
+          <a:prstGeom prst="rect">
+            <a:avLst/>
+          </a:prstGeom>
+        </p:spPr>
+      </p:pic>
+      <p:pic>
+        <p:nvPicPr>
+          <p:cNvPr id="10" name="Imagen 9">
+            <a:extLst>
+              <a:ext uri="{FF2B5EF4-FFF2-40B4-BE49-F238E27FC236}">
+                <a16:creationId xmlns:a16="http://schemas.microsoft.com/office/drawing/2014/main" id="{AF3845FD-7F60-7E4E-CE0C-F80231263D82}"/>
+              </a:ext>
+            </a:extLst>
+          </p:cNvPr>
+          <p:cNvPicPr>
+            <a:picLocks noChangeAspect="1"/>
+          </p:cNvPicPr>
+          <p:nvPr/>
+        </p:nvPicPr>
+        <p:blipFill>
+          <a:blip r:embed="rId4"/>
+          <a:stretch>
+            <a:fillRect/>
+          </a:stretch>
+        </p:blipFill>
+        <p:spPr>
+          <a:xfrm>
+            <a:off x="7026566" y="3467245"/>
+            <a:ext cx="1104803" cy="1104803"/>
+          </a:xfrm>
+          <a:prstGeom prst="rect">
+            <a:avLst/>
+          </a:prstGeom>
+        </p:spPr>
+      </p:pic>
+      <p:pic>
+        <p:nvPicPr>
+          <p:cNvPr id="21" name="Imagen 20">
+            <a:extLst>
+              <a:ext uri="{FF2B5EF4-FFF2-40B4-BE49-F238E27FC236}">
+                <a16:creationId xmlns:a16="http://schemas.microsoft.com/office/drawing/2014/main" id="{354621FC-B8F8-21BE-476A-1A9968E18E44}"/>
+              </a:ext>
+            </a:extLst>
+          </p:cNvPr>
+          <p:cNvPicPr>
+            <a:picLocks noChangeAspect="1"/>
+          </p:cNvPicPr>
+          <p:nvPr/>
+        </p:nvPicPr>
+        <p:blipFill>
+          <a:blip r:embed="rId5"/>
+          <a:stretch>
+            <a:fillRect/>
+          </a:stretch>
+        </p:blipFill>
+        <p:spPr>
+          <a:xfrm>
+            <a:off x="8524708" y="2476598"/>
+            <a:ext cx="3086099" cy="3086099"/>
+          </a:xfrm>
+          <a:prstGeom prst="rect">
+            <a:avLst/>
+          </a:prstGeom>
+        </p:spPr>
+      </p:pic>
     </p:spTree>
     <p:extLst>
       <p:ext uri="{BB962C8B-B14F-4D97-AF65-F5344CB8AC3E}">
-        <p14:creationId xmlns:p14="http://schemas.microsoft.com/office/powerpoint/2010/main" val="1832333674"/>
+        <p14:creationId xmlns:p14="http://schemas.microsoft.com/office/powerpoint/2010/main" val="3310725103"/>
       </p:ext>
     </p:extLst>
   </p:cSld>
@@ -15216,7 +11987,103 @@
 </p:sld>
 </file>
 
-<file path=ppt/slides/slide15.xml><?xml version="1.0" encoding="utf-8"?>
+<file path=ppt/slides/slide20.xml><?xml version="1.0" encoding="utf-8"?>
+<p:sld xmlns:a="http://schemas.openxmlformats.org/drawingml/2006/main" xmlns:r="http://schemas.openxmlformats.org/officeDocument/2006/relationships" xmlns:p="http://schemas.openxmlformats.org/presentationml/2006/main">
+  <p:cSld>
+    <p:spTree>
+      <p:nvGrpSpPr>
+        <p:cNvPr id="1" name=""/>
+        <p:cNvGrpSpPr/>
+        <p:nvPr/>
+      </p:nvGrpSpPr>
+      <p:grpSpPr>
+        <a:xfrm>
+          <a:off x="0" y="0"/>
+          <a:ext cx="0" cy="0"/>
+          <a:chOff x="0" y="0"/>
+          <a:chExt cx="0" cy="0"/>
+        </a:xfrm>
+      </p:grpSpPr>
+      <p:sp>
+        <p:nvSpPr>
+          <p:cNvPr id="2" name="Título 1">
+            <a:extLst>
+              <a:ext uri="{FF2B5EF4-FFF2-40B4-BE49-F238E27FC236}">
+                <a16:creationId xmlns:a16="http://schemas.microsoft.com/office/drawing/2014/main" id="{C0B15E2D-E772-B3EF-62F6-8ECF65F39809}"/>
+              </a:ext>
+            </a:extLst>
+          </p:cNvPr>
+          <p:cNvSpPr>
+            <a:spLocks noGrp="1"/>
+          </p:cNvSpPr>
+          <p:nvPr>
+            <p:ph type="title"/>
+          </p:nvPr>
+        </p:nvSpPr>
+        <p:spPr>
+          <a:xfrm>
+            <a:off x="581192" y="702156"/>
+            <a:ext cx="11029616" cy="1013800"/>
+          </a:xfrm>
+        </p:spPr>
+        <p:txBody>
+          <a:bodyPr anchor="b">
+            <a:normAutofit/>
+          </a:bodyPr>
+          <a:lstStyle/>
+          <a:p>
+            <a:r>
+              <a:rPr lang="es-AR" dirty="0"/>
+              <a:t>Ejemplo</a:t>
+            </a:r>
+          </a:p>
+        </p:txBody>
+      </p:sp>
+      <p:pic>
+        <p:nvPicPr>
+          <p:cNvPr id="15" name="Imagen 14">
+            <a:extLst>
+              <a:ext uri="{FF2B5EF4-FFF2-40B4-BE49-F238E27FC236}">
+                <a16:creationId xmlns:a16="http://schemas.microsoft.com/office/drawing/2014/main" id="{159CD3C8-3641-455E-ADF6-0BCF4A0B59D1}"/>
+              </a:ext>
+            </a:extLst>
+          </p:cNvPr>
+          <p:cNvPicPr>
+            <a:picLocks noChangeAspect="1"/>
+          </p:cNvPicPr>
+          <p:nvPr/>
+        </p:nvPicPr>
+        <p:blipFill>
+          <a:blip r:embed="rId2"/>
+          <a:stretch>
+            <a:fillRect/>
+          </a:stretch>
+        </p:blipFill>
+        <p:spPr>
+          <a:xfrm>
+            <a:off x="3573270" y="2180496"/>
+            <a:ext cx="5045459" cy="3678303"/>
+          </a:xfrm>
+          <a:prstGeom prst="rect">
+            <a:avLst/>
+          </a:prstGeom>
+          <a:noFill/>
+        </p:spPr>
+      </p:pic>
+    </p:spTree>
+    <p:extLst>
+      <p:ext uri="{BB962C8B-B14F-4D97-AF65-F5344CB8AC3E}">
+        <p14:creationId xmlns:p14="http://schemas.microsoft.com/office/powerpoint/2010/main" val="731834801"/>
+      </p:ext>
+    </p:extLst>
+  </p:cSld>
+  <p:clrMapOvr>
+    <a:masterClrMapping/>
+  </p:clrMapOvr>
+</p:sld>
+</file>
+
+<file path=ppt/slides/slide21.xml><?xml version="1.0" encoding="utf-8"?>
 <p:sld xmlns:a="http://schemas.openxmlformats.org/drawingml/2006/main" xmlns:r="http://schemas.openxmlformats.org/officeDocument/2006/relationships" xmlns:p="http://schemas.openxmlformats.org/presentationml/2006/main">
   <p:cSld>
     <p:bg>
@@ -15663,7 +12530,168 @@
 </p:sld>
 </file>
 
-<file path=ppt/slides/slide2.xml><?xml version="1.0" encoding="utf-8"?>
+<file path=ppt/slides/slide3.xml><?xml version="1.0" encoding="utf-8"?>
+<p:sld xmlns:a="http://schemas.openxmlformats.org/drawingml/2006/main" xmlns:r="http://schemas.openxmlformats.org/officeDocument/2006/relationships" xmlns:p="http://schemas.openxmlformats.org/presentationml/2006/main">
+  <p:cSld>
+    <p:spTree>
+      <p:nvGrpSpPr>
+        <p:cNvPr id="1" name=""/>
+        <p:cNvGrpSpPr/>
+        <p:nvPr/>
+      </p:nvGrpSpPr>
+      <p:grpSpPr>
+        <a:xfrm>
+          <a:off x="0" y="0"/>
+          <a:ext cx="0" cy="0"/>
+          <a:chOff x="0" y="0"/>
+          <a:chExt cx="0" cy="0"/>
+        </a:xfrm>
+      </p:grpSpPr>
+      <p:sp>
+        <p:nvSpPr>
+          <p:cNvPr id="2" name="Título 1">
+            <a:extLst>
+              <a:ext uri="{FF2B5EF4-FFF2-40B4-BE49-F238E27FC236}">
+                <a16:creationId xmlns:a16="http://schemas.microsoft.com/office/drawing/2014/main" id="{2C10B21B-C7C6-68F0-9A6E-393516BB1919}"/>
+              </a:ext>
+            </a:extLst>
+          </p:cNvPr>
+          <p:cNvSpPr>
+            <a:spLocks noGrp="1"/>
+          </p:cNvSpPr>
+          <p:nvPr>
+            <p:ph type="title"/>
+          </p:nvPr>
+        </p:nvSpPr>
+        <p:spPr>
+          <a:xfrm>
+            <a:off x="581193" y="729658"/>
+            <a:ext cx="11029616" cy="988332"/>
+          </a:xfrm>
+        </p:spPr>
+        <p:txBody>
+          <a:bodyPr anchor="b">
+            <a:normAutofit/>
+          </a:bodyPr>
+          <a:lstStyle/>
+          <a:p>
+            <a:r>
+              <a:rPr lang="es-AR" dirty="0"/>
+              <a:t>EN Habbo</a:t>
+            </a:r>
+          </a:p>
+        </p:txBody>
+      </p:sp>
+      <p:pic>
+        <p:nvPicPr>
+          <p:cNvPr id="19460" name="Picture 4" descr="Equipo administrativo de Habbo - Foro - Habbo-Happy">
+            <a:extLst>
+              <a:ext uri="{FF2B5EF4-FFF2-40B4-BE49-F238E27FC236}">
+                <a16:creationId xmlns:a16="http://schemas.microsoft.com/office/drawing/2014/main" id="{4339D685-768A-D20A-978E-2FCDE620AE65}"/>
+              </a:ext>
+            </a:extLst>
+          </p:cNvPr>
+          <p:cNvPicPr>
+            <a:picLocks noChangeAspect="1" noChangeArrowheads="1"/>
+          </p:cNvPicPr>
+          <p:nvPr/>
+        </p:nvPicPr>
+        <p:blipFill rotWithShape="1">
+          <a:blip r:embed="rId2">
+            <a:extLst>
+              <a:ext uri="{28A0092B-C50C-407E-A947-70E740481C1C}">
+                <a14:useLocalDpi xmlns:a14="http://schemas.microsoft.com/office/drawing/2010/main" val="0"/>
+              </a:ext>
+            </a:extLst>
+          </a:blip>
+          <a:srcRect r="4482" b="3"/>
+          <a:stretch/>
+        </p:blipFill>
+        <p:spPr bwMode="auto">
+          <a:xfrm>
+            <a:off x="581193" y="2228003"/>
+            <a:ext cx="5422390" cy="3633047"/>
+          </a:xfrm>
+          <a:prstGeom prst="rect">
+            <a:avLst/>
+          </a:prstGeom>
+          <a:solidFill>
+            <a:srgbClr val="FFFFFF"/>
+          </a:solidFill>
+          <a:extLst>
+            <a:ext uri="{909E8E84-426E-40DD-AFC4-6F175D3DCCD1}">
+              <a14:hiddenFill xmlns:a14="http://schemas.microsoft.com/office/drawing/2010/main">
+                <a:solidFill>
+                  <a:srgbClr val="FFFFFF"/>
+                </a:solidFill>
+              </a14:hiddenFill>
+            </a:ext>
+          </a:extLst>
+        </p:spPr>
+      </p:pic>
+      <p:pic>
+        <p:nvPicPr>
+          <p:cNvPr id="19458" name="Picture 2" descr="Casas pequenas habbo hotel | Habblet, Habbo, Ideias de dormitório">
+            <a:extLst>
+              <a:ext uri="{FF2B5EF4-FFF2-40B4-BE49-F238E27FC236}">
+                <a16:creationId xmlns:a16="http://schemas.microsoft.com/office/drawing/2014/main" id="{119C2BCA-96BA-3A8F-B192-A1BBF3B078AF}"/>
+              </a:ext>
+            </a:extLst>
+          </p:cNvPr>
+          <p:cNvPicPr>
+            <a:picLocks noGrp="1" noChangeAspect="1" noChangeArrowheads="1"/>
+          </p:cNvPicPr>
+          <p:nvPr>
+            <p:ph sz="half" idx="2"/>
+          </p:nvPr>
+        </p:nvPicPr>
+        <p:blipFill rotWithShape="1">
+          <a:blip r:embed="rId3">
+            <a:extLst>
+              <a:ext uri="{28A0092B-C50C-407E-A947-70E740481C1C}">
+                <a14:useLocalDpi xmlns:a14="http://schemas.microsoft.com/office/drawing/2010/main" val="0"/>
+              </a:ext>
+            </a:extLst>
+          </a:blip>
+          <a:srcRect l="15212" r="835" b="1"/>
+          <a:stretch/>
+        </p:blipFill>
+        <p:spPr bwMode="auto">
+          <a:xfrm>
+            <a:off x="6188417" y="2228003"/>
+            <a:ext cx="5422392" cy="3633047"/>
+          </a:xfrm>
+          <a:prstGeom prst="rect">
+            <a:avLst/>
+          </a:prstGeom>
+          <a:solidFill>
+            <a:srgbClr val="FFFFFF"/>
+          </a:solidFill>
+          <a:extLst>
+            <a:ext uri="{909E8E84-426E-40DD-AFC4-6F175D3DCCD1}">
+              <a14:hiddenFill xmlns:a14="http://schemas.microsoft.com/office/drawing/2010/main">
+                <a:solidFill>
+                  <a:srgbClr val="FFFFFF"/>
+                </a:solidFill>
+              </a14:hiddenFill>
+            </a:ext>
+          </a:extLst>
+        </p:spPr>
+      </p:pic>
+    </p:spTree>
+    <p:extLst>
+      <p:ext uri="{BB962C8B-B14F-4D97-AF65-F5344CB8AC3E}">
+        <p14:creationId xmlns:p14="http://schemas.microsoft.com/office/powerpoint/2010/main" val="536728153"/>
+      </p:ext>
+    </p:extLst>
+  </p:cSld>
+  <p:clrMapOvr>
+    <a:masterClrMapping/>
+  </p:clrMapOvr>
+</p:sld>
+</file>
+
+<file path=ppt/slides/slide4.xml><?xml version="1.0" encoding="utf-8"?>
 <p:sld xmlns:a="http://schemas.openxmlformats.org/drawingml/2006/main" xmlns:r="http://schemas.openxmlformats.org/officeDocument/2006/relationships" xmlns:p="http://schemas.openxmlformats.org/presentationml/2006/main">
   <p:cSld>
     <p:spTree>
@@ -15760,7 +12788,7 @@
 </p:sld>
 </file>
 
-<file path=ppt/slides/slide3.xml><?xml version="1.0" encoding="utf-8"?>
+<file path=ppt/slides/slide5.xml><?xml version="1.0" encoding="utf-8"?>
 <p:sld xmlns:a="http://schemas.openxmlformats.org/drawingml/2006/main" xmlns:r="http://schemas.openxmlformats.org/officeDocument/2006/relationships" xmlns:p="http://schemas.openxmlformats.org/presentationml/2006/main">
   <p:cSld>
     <p:spTree>
@@ -16029,7 +13057,7 @@
 </p:sld>
 </file>
 
-<file path=ppt/slides/slide4.xml><?xml version="1.0" encoding="utf-8"?>
+<file path=ppt/slides/slide6.xml><?xml version="1.0" encoding="utf-8"?>
 <p:sld xmlns:a="http://schemas.openxmlformats.org/drawingml/2006/main" xmlns:r="http://schemas.openxmlformats.org/officeDocument/2006/relationships" xmlns:p="http://schemas.openxmlformats.org/presentationml/2006/main">
   <p:cSld>
     <p:spTree>
@@ -16113,7 +13141,7 @@
           <a:p>
             <a:r>
               <a:rPr lang="es-AR" dirty="0"/>
-              <a:t>Cual será la manera de calcular la distancia en base a los posibles movimientos de la pieza</a:t>
+              <a:t>Distancia calculada O(1) desde elemento actual hacia el objetivo. </a:t>
             </a:r>
           </a:p>
           <a:p>
@@ -16198,7 +13226,7 @@
 </p:sld>
 </file>
 
-<file path=ppt/slides/slide5.xml><?xml version="1.0" encoding="utf-8"?>
+<file path=ppt/slides/slide7.xml><?xml version="1.0" encoding="utf-8"?>
 <p:sld xmlns:a="http://schemas.openxmlformats.org/drawingml/2006/main" xmlns:r="http://schemas.openxmlformats.org/officeDocument/2006/relationships" xmlns:p="http://schemas.openxmlformats.org/presentationml/2006/main">
   <p:cSld>
     <p:spTree>
@@ -16436,7 +13464,7 @@
 </p:sld>
 </file>
 
-<file path=ppt/slides/slide6.xml><?xml version="1.0" encoding="utf-8"?>
+<file path=ppt/slides/slide8.xml><?xml version="1.0" encoding="utf-8"?>
 <p:sld xmlns:a="http://schemas.openxmlformats.org/drawingml/2006/main" xmlns:r="http://schemas.openxmlformats.org/officeDocument/2006/relationships" xmlns:p="http://schemas.openxmlformats.org/presentationml/2006/main">
   <p:cSld>
     <p:spTree>
@@ -16720,7 +13748,7 @@
 </p:sld>
 </file>
 
-<file path=ppt/slides/slide7.xml><?xml version="1.0" encoding="utf-8"?>
+<file path=ppt/slides/slide9.xml><?xml version="1.0" encoding="utf-8"?>
 <p:sld xmlns:a="http://schemas.openxmlformats.org/drawingml/2006/main" xmlns:r="http://schemas.openxmlformats.org/officeDocument/2006/relationships" xmlns:p="http://schemas.openxmlformats.org/presentationml/2006/main">
   <p:cSld>
     <p:spTree>
@@ -16767,13 +13795,8 @@
           <a:p>
             <a:r>
               <a:rPr lang="es-AR" dirty="0"/>
-              <a:t>Distancia </a:t>
-            </a:r>
-            <a:r>
-              <a:rPr lang="es-AR" dirty="0" err="1"/>
-              <a:t>Euclideana</a:t>
-            </a:r>
-            <a:endParaRPr lang="es-AR" dirty="0"/>
+              <a:t>Distancia Euclidiana</a:t>
+            </a:r>
           </a:p>
         </p:txBody>
       </p:sp>
@@ -16943,7 +13966,7 @@
             <a:pPr lvl="1"/>
             <a:r>
               <a:rPr lang="en-US" dirty="0"/>
-              <a:t>h = sqrt ((dx +</a:t>
+              <a:t>h = sqrt ((dx + </a:t>
             </a:r>
             <a:r>
               <a:rPr lang="en-US" dirty="0" err="1"/>
@@ -16951,7 +13974,7 @@
             </a:r>
             <a:r>
               <a:rPr lang="en-US" dirty="0"/>
-              <a:t> )*2)</a:t>
+              <a:t> ) ^ 2)</a:t>
             </a:r>
           </a:p>
           <a:p>
@@ -16977,7 +14000,7 @@
               <a:t> de </a:t>
             </a:r>
             <a:r>
-              <a:rPr lang="en-US" dirty="0" err="1"/>
+              <a:rPr lang="en-US" u="sng" dirty="0" err="1"/>
               <a:t>igual</a:t>
             </a:r>
             <a:r>
@@ -17209,620 +14232,7 @@
     </p:spTree>
     <p:extLst>
       <p:ext uri="{BB962C8B-B14F-4D97-AF65-F5344CB8AC3E}">
-        <p14:creationId xmlns:p14="http://schemas.microsoft.com/office/powerpoint/2010/main" val="1030666478"/>
-      </p:ext>
-    </p:extLst>
-  </p:cSld>
-  <p:clrMapOvr>
-    <a:masterClrMapping/>
-  </p:clrMapOvr>
-</p:sld>
-</file>
-
-<file path=ppt/slides/slide8.xml><?xml version="1.0" encoding="utf-8"?>
-<p:sld xmlns:a="http://schemas.openxmlformats.org/drawingml/2006/main" xmlns:r="http://schemas.openxmlformats.org/officeDocument/2006/relationships" xmlns:p="http://schemas.openxmlformats.org/presentationml/2006/main">
-  <p:cSld>
-    <p:spTree>
-      <p:nvGrpSpPr>
-        <p:cNvPr id="1" name=""/>
-        <p:cNvGrpSpPr/>
-        <p:nvPr/>
-      </p:nvGrpSpPr>
-      <p:grpSpPr>
-        <a:xfrm>
-          <a:off x="0" y="0"/>
-          <a:ext cx="0" cy="0"/>
-          <a:chOff x="0" y="0"/>
-          <a:chExt cx="0" cy="0"/>
-        </a:xfrm>
-      </p:grpSpPr>
-      <p:sp>
-        <p:nvSpPr>
-          <p:cNvPr id="2" name="Título 1">
-            <a:extLst>
-              <a:ext uri="{FF2B5EF4-FFF2-40B4-BE49-F238E27FC236}">
-                <a16:creationId xmlns:a16="http://schemas.microsoft.com/office/drawing/2014/main" id="{BF4D516C-FB7A-3053-30F4-47D23D0C942A}"/>
-              </a:ext>
-            </a:extLst>
-          </p:cNvPr>
-          <p:cNvSpPr>
-            <a:spLocks noGrp="1"/>
-          </p:cNvSpPr>
-          <p:nvPr>
-            <p:ph type="title"/>
-          </p:nvPr>
-        </p:nvSpPr>
-        <p:spPr>
-          <a:xfrm>
-            <a:off x="581193" y="729658"/>
-            <a:ext cx="11029616" cy="988332"/>
-          </a:xfrm>
-        </p:spPr>
-        <p:txBody>
-          <a:bodyPr anchor="b">
-            <a:normAutofit/>
-          </a:bodyPr>
-          <a:lstStyle/>
-          <a:p>
-            <a:r>
-              <a:rPr lang="es-AR" dirty="0"/>
-              <a:t>Distancia Euclidiana</a:t>
-            </a:r>
-          </a:p>
-        </p:txBody>
-      </p:sp>
-      <p:sp>
-        <p:nvSpPr>
-          <p:cNvPr id="9" name="Content Placeholder 2">
-            <a:extLst>
-              <a:ext uri="{FF2B5EF4-FFF2-40B4-BE49-F238E27FC236}">
-                <a16:creationId xmlns:a16="http://schemas.microsoft.com/office/drawing/2014/main" id="{E651BBCD-5147-B917-7DF7-D193C0E7BFA5}"/>
-              </a:ext>
-            </a:extLst>
-          </p:cNvPr>
-          <p:cNvSpPr>
-            <a:spLocks noGrp="1"/>
-          </p:cNvSpPr>
-          <p:nvPr>
-            <p:ph sz="half" idx="1"/>
-          </p:nvPr>
-        </p:nvSpPr>
-        <p:spPr>
-          <a:xfrm>
-            <a:off x="581193" y="2228003"/>
-            <a:ext cx="5422390" cy="3633047"/>
-          </a:xfrm>
-        </p:spPr>
-        <p:txBody>
-          <a:bodyPr/>
-          <a:lstStyle/>
-          <a:p>
-            <a:r>
-              <a:rPr lang="en-US" dirty="0"/>
-              <a:t>El </a:t>
-            </a:r>
-            <a:r>
-              <a:rPr lang="en-US" dirty="0" err="1"/>
-              <a:t>camino</a:t>
-            </a:r>
-            <a:r>
-              <a:rPr lang="en-US" dirty="0"/>
-              <a:t> mas </a:t>
-            </a:r>
-            <a:r>
-              <a:rPr lang="en-US" dirty="0" err="1"/>
-              <a:t>corto</a:t>
-            </a:r>
-            <a:r>
-              <a:rPr lang="en-US" dirty="0"/>
-              <a:t> es </a:t>
-            </a:r>
-            <a:r>
-              <a:rPr lang="en-US" dirty="0" err="1"/>
-              <a:t>el</a:t>
-            </a:r>
-            <a:r>
-              <a:rPr lang="en-US" dirty="0"/>
-              <a:t> que </a:t>
-            </a:r>
-            <a:r>
-              <a:rPr lang="en-US" dirty="0" err="1"/>
-              <a:t>va</a:t>
-            </a:r>
-            <a:r>
-              <a:rPr lang="en-US" dirty="0"/>
-              <a:t> </a:t>
-            </a:r>
-            <a:r>
-              <a:rPr lang="en-US" dirty="0" err="1"/>
-              <a:t>directo</a:t>
-            </a:r>
-            <a:r>
-              <a:rPr lang="en-US" dirty="0"/>
-              <a:t> al </a:t>
-            </a:r>
-            <a:r>
-              <a:rPr lang="en-US" dirty="0" err="1"/>
-              <a:t>objetivo</a:t>
-            </a:r>
-            <a:r>
-              <a:rPr lang="en-US" dirty="0"/>
-              <a:t>. </a:t>
-            </a:r>
-            <a:r>
-              <a:rPr lang="en-US" dirty="0" err="1"/>
-              <a:t>Puedo</a:t>
-            </a:r>
-            <a:r>
-              <a:rPr lang="en-US" dirty="0"/>
-              <a:t> mover la </a:t>
-            </a:r>
-            <a:r>
-              <a:rPr lang="en-US" dirty="0" err="1"/>
-              <a:t>pieza</a:t>
-            </a:r>
-            <a:r>
-              <a:rPr lang="en-US" dirty="0"/>
-              <a:t> para </a:t>
-            </a:r>
-            <a:r>
-              <a:rPr lang="en-US" dirty="0" err="1"/>
-              <a:t>cualquier</a:t>
-            </a:r>
-            <a:r>
-              <a:rPr lang="en-US" dirty="0"/>
-              <a:t> </a:t>
-            </a:r>
-            <a:r>
-              <a:rPr lang="en-US" dirty="0" err="1"/>
-              <a:t>direccion</a:t>
-            </a:r>
-            <a:r>
-              <a:rPr lang="en-US" dirty="0"/>
-              <a:t> </a:t>
-            </a:r>
-          </a:p>
-          <a:p>
-            <a:r>
-              <a:rPr lang="en-US" dirty="0" err="1"/>
-              <a:t>Calculo</a:t>
-            </a:r>
-            <a:endParaRPr lang="en-US" dirty="0"/>
-          </a:p>
-          <a:p>
-            <a:pPr lvl="1"/>
-            <a:r>
-              <a:rPr lang="en-US" dirty="0"/>
-              <a:t>dx = </a:t>
-            </a:r>
-            <a:r>
-              <a:rPr lang="en-US" dirty="0" err="1"/>
-              <a:t>current_cell.x</a:t>
-            </a:r>
-            <a:r>
-              <a:rPr lang="en-US" dirty="0"/>
-              <a:t> – </a:t>
-            </a:r>
-            <a:r>
-              <a:rPr lang="en-US" dirty="0" err="1"/>
-              <a:t>goal.x</a:t>
-            </a:r>
-            <a:endParaRPr lang="en-US" dirty="0"/>
-          </a:p>
-          <a:p>
-            <a:pPr lvl="1"/>
-            <a:r>
-              <a:rPr lang="en-US" dirty="0" err="1"/>
-              <a:t>dy</a:t>
-            </a:r>
-            <a:r>
-              <a:rPr lang="en-US" dirty="0"/>
-              <a:t> = </a:t>
-            </a:r>
-            <a:r>
-              <a:rPr lang="en-US" dirty="0" err="1"/>
-              <a:t>current_cell.y</a:t>
-            </a:r>
-            <a:r>
-              <a:rPr lang="en-US" dirty="0"/>
-              <a:t> – </a:t>
-            </a:r>
-            <a:r>
-              <a:rPr lang="en-US" dirty="0" err="1"/>
-              <a:t>goal.y</a:t>
-            </a:r>
-            <a:endParaRPr lang="en-US" dirty="0"/>
-          </a:p>
-          <a:p>
-            <a:pPr lvl="1"/>
-            <a:r>
-              <a:rPr lang="en-US" dirty="0"/>
-              <a:t>h = sqrt ((dx +</a:t>
-            </a:r>
-            <a:r>
-              <a:rPr lang="en-US" dirty="0" err="1"/>
-              <a:t>dy</a:t>
-            </a:r>
-            <a:r>
-              <a:rPr lang="en-US" dirty="0"/>
-              <a:t> )*2)</a:t>
-            </a:r>
-          </a:p>
-          <a:p>
-            <a:pPr lvl="1"/>
-            <a:r>
-              <a:rPr lang="en-US" dirty="0"/>
-              <a:t>D es la </a:t>
-            </a:r>
-            <a:r>
-              <a:rPr lang="en-US" dirty="0" err="1"/>
-              <a:t>distancia</a:t>
-            </a:r>
-            <a:r>
-              <a:rPr lang="en-US" dirty="0"/>
-              <a:t> entre </a:t>
-            </a:r>
-            <a:r>
-              <a:rPr lang="en-US" dirty="0" err="1"/>
-              <a:t>nodos</a:t>
-            </a:r>
-            <a:r>
-              <a:rPr lang="en-US" dirty="0"/>
-              <a:t> de </a:t>
-            </a:r>
-            <a:r>
-              <a:rPr lang="en-US" dirty="0" err="1"/>
-              <a:t>igual</a:t>
-            </a:r>
-            <a:r>
-              <a:rPr lang="en-US" dirty="0"/>
-              <a:t> fila o </a:t>
-            </a:r>
-            <a:r>
-              <a:rPr lang="es-AR" dirty="0"/>
-              <a:t>columna</a:t>
-            </a:r>
-            <a:r>
-              <a:rPr lang="en-US" dirty="0"/>
-              <a:t>(</a:t>
-            </a:r>
-            <a:r>
-              <a:rPr lang="en-US" dirty="0" err="1"/>
-              <a:t>usualmente</a:t>
-            </a:r>
-            <a:r>
-              <a:rPr lang="en-US" dirty="0"/>
-              <a:t> = 1) y D2 es la </a:t>
-            </a:r>
-            <a:r>
-              <a:rPr lang="en-US" dirty="0" err="1"/>
-              <a:t>distancia</a:t>
-            </a:r>
-            <a:r>
-              <a:rPr lang="en-US" dirty="0"/>
-              <a:t> diagonal entre </a:t>
-            </a:r>
-            <a:r>
-              <a:rPr lang="en-US" dirty="0" err="1"/>
-              <a:t>nodos</a:t>
-            </a:r>
-            <a:r>
-              <a:rPr lang="en-US" dirty="0"/>
-              <a:t> (</a:t>
-            </a:r>
-            <a:r>
-              <a:rPr lang="en-US" dirty="0" err="1"/>
-              <a:t>usualmente</a:t>
-            </a:r>
-            <a:r>
-              <a:rPr lang="en-US" dirty="0"/>
-              <a:t> = sqrt(2) ). </a:t>
-            </a:r>
-          </a:p>
-        </p:txBody>
-      </p:sp>
-      <p:sp>
-        <p:nvSpPr>
-          <p:cNvPr id="3" name="Rectangle 1">
-            <a:extLst>
-              <a:ext uri="{FF2B5EF4-FFF2-40B4-BE49-F238E27FC236}">
-                <a16:creationId xmlns:a16="http://schemas.microsoft.com/office/drawing/2014/main" id="{5A4A6031-E54F-5AFA-F42F-3DB8E6EE854C}"/>
-              </a:ext>
-            </a:extLst>
-          </p:cNvPr>
-          <p:cNvSpPr>
-            <a:spLocks noChangeArrowheads="1"/>
-          </p:cNvSpPr>
-          <p:nvPr/>
-        </p:nvSpPr>
-        <p:spPr bwMode="auto">
-          <a:xfrm>
-            <a:off x="0" y="0"/>
-            <a:ext cx="12192000" cy="457200"/>
-          </a:xfrm>
-          <a:prstGeom prst="rect">
-            <a:avLst/>
-          </a:prstGeom>
-          <a:noFill/>
-          <a:ln>
-            <a:noFill/>
-          </a:ln>
-          <a:effectLst/>
-          <a:extLst>
-            <a:ext uri="{909E8E84-426E-40DD-AFC4-6F175D3DCCD1}">
-              <a14:hiddenFill xmlns:a14="http://schemas.microsoft.com/office/drawing/2010/main">
-                <a:solidFill>
-                  <a:schemeClr val="accent1"/>
-                </a:solidFill>
-              </a14:hiddenFill>
-            </a:ext>
-            <a:ext uri="{91240B29-F687-4F45-9708-019B960494DF}">
-              <a14:hiddenLine xmlns:a14="http://schemas.microsoft.com/office/drawing/2010/main" w="9525">
-                <a:solidFill>
-                  <a:schemeClr val="tx1"/>
-                </a:solidFill>
-                <a:miter lim="800000"/>
-                <a:headEnd/>
-                <a:tailEnd/>
-              </a14:hiddenLine>
-            </a:ext>
-            <a:ext uri="{AF507438-7753-43E0-B8FC-AC1667EBCBE1}">
-              <a14:hiddenEffects xmlns:a14="http://schemas.microsoft.com/office/drawing/2010/main">
-                <a:effectLst>
-                  <a:outerShdw dist="35921" dir="2700000" algn="ctr" rotWithShape="0">
-                    <a:schemeClr val="bg2"/>
-                  </a:outerShdw>
-                </a:effectLst>
-              </a14:hiddenEffects>
-            </a:ext>
-          </a:extLst>
-        </p:spPr>
-        <p:txBody>
-          <a:bodyPr vert="horz" wrap="none" lIns="0" tIns="0" rIns="0" bIns="0" numCol="1" anchor="ctr" anchorCtr="0" compatLnSpc="1">
-            <a:prstTxWarp prst="textNoShape">
-              <a:avLst/>
-            </a:prstTxWarp>
-            <a:spAutoFit/>
-          </a:bodyPr>
-          <a:lstStyle/>
-          <a:p>
-            <a:pPr marL="0" marR="0" lvl="0" indent="0" algn="l" defTabSz="914400" rtl="0" eaLnBrk="0" fontAlgn="base" latinLnBrk="0" hangingPunct="0">
-              <a:lnSpc>
-                <a:spcPct val="100000"/>
-              </a:lnSpc>
-              <a:spcBef>
-                <a:spcPct val="0"/>
-              </a:spcBef>
-              <a:spcAft>
-                <a:spcPct val="0"/>
-              </a:spcAft>
-              <a:buClrTx/>
-              <a:buSzTx/>
-              <a:buFontTx/>
-              <a:buNone/>
-              <a:tabLst/>
-            </a:pPr>
-            <a:r>
-              <a:rPr kumimoji="0" lang="es-AR" altLang="es-AR" sz="1200" b="1" i="0" u="none" strike="noStrike" cap="none" normalizeH="0" baseline="0">
-                <a:ln>
-                  <a:noFill/>
-                </a:ln>
-                <a:solidFill>
-                  <a:srgbClr val="FFFFFF"/>
-                </a:solidFill>
-                <a:effectLst/>
-                <a:latin typeface="Consolas" panose="020B0609020204030204" pitchFamily="49" charset="0"/>
-              </a:rPr>
-              <a:t>h</a:t>
-            </a:r>
-            <a:r>
-              <a:rPr kumimoji="0" lang="es-AR" altLang="es-AR" sz="1200" b="0" i="0" u="none" strike="noStrike" cap="none" normalizeH="0" baseline="0">
-                <a:ln>
-                  <a:noFill/>
-                </a:ln>
-                <a:solidFill>
-                  <a:srgbClr val="FFFFFF"/>
-                </a:solidFill>
-                <a:effectLst/>
-                <a:latin typeface="Consolas" panose="020B0609020204030204" pitchFamily="49" charset="0"/>
-              </a:rPr>
-              <a:t> = sqrt ( (current_cell.x – goal.x)2 + (current_cell.y – goal.y)2 )</a:t>
-            </a:r>
-            <a:r>
-              <a:rPr kumimoji="0" lang="es-AR" altLang="es-AR" sz="800" b="0" i="0" u="none" strike="noStrike" cap="none" normalizeH="0" baseline="0">
-                <a:ln>
-                  <a:noFill/>
-                </a:ln>
-                <a:solidFill>
-                  <a:schemeClr val="tx1"/>
-                </a:solidFill>
-                <a:effectLst/>
-              </a:rPr>
-              <a:t> </a:t>
-            </a:r>
-            <a:endParaRPr kumimoji="0" lang="es-AR" altLang="es-AR" sz="1800" b="0" i="0" u="none" strike="noStrike" cap="none" normalizeH="0" baseline="0">
-              <a:ln>
-                <a:noFill/>
-              </a:ln>
-              <a:solidFill>
-                <a:schemeClr val="tx1"/>
-              </a:solidFill>
-              <a:effectLst/>
-              <a:latin typeface="Arial" panose="020B0604020202020204" pitchFamily="34" charset="0"/>
-            </a:endParaRPr>
-          </a:p>
-        </p:txBody>
-      </p:sp>
-      <p:pic>
-        <p:nvPicPr>
-          <p:cNvPr id="2052" name="Picture 4" descr="Gráfica de los análisis de distancias euclidianas y promedios de los ...">
-            <a:extLst>
-              <a:ext uri="{FF2B5EF4-FFF2-40B4-BE49-F238E27FC236}">
-                <a16:creationId xmlns:a16="http://schemas.microsoft.com/office/drawing/2014/main" id="{63BD1851-B52E-CB0E-5E04-D7552DEEC13C}"/>
-              </a:ext>
-            </a:extLst>
-          </p:cNvPr>
-          <p:cNvPicPr>
-            <a:picLocks noChangeAspect="1" noChangeArrowheads="1"/>
-          </p:cNvPicPr>
-          <p:nvPr/>
-        </p:nvPicPr>
-        <p:blipFill>
-          <a:blip r:embed="rId2">
-            <a:extLst>
-              <a:ext uri="{28A0092B-C50C-407E-A947-70E740481C1C}">
-                <a14:useLocalDpi xmlns:a14="http://schemas.microsoft.com/office/drawing/2010/main" val="0"/>
-              </a:ext>
-            </a:extLst>
-          </a:blip>
-          <a:srcRect/>
-          <a:stretch>
-            <a:fillRect/>
-          </a:stretch>
-        </p:blipFill>
-        <p:spPr bwMode="auto">
-          <a:xfrm>
-            <a:off x="6924675" y="2534517"/>
-            <a:ext cx="4133849" cy="3326533"/>
-          </a:xfrm>
-          <a:prstGeom prst="rect">
-            <a:avLst/>
-          </a:prstGeom>
-          <a:noFill/>
-          <a:extLst>
-            <a:ext uri="{909E8E84-426E-40DD-AFC4-6F175D3DCCD1}">
-              <a14:hiddenFill xmlns:a14="http://schemas.microsoft.com/office/drawing/2010/main">
-                <a:solidFill>
-                  <a:srgbClr val="FFFFFF"/>
-                </a:solidFill>
-              </a14:hiddenFill>
-            </a:ext>
-          </a:extLst>
-        </p:spPr>
-      </p:pic>
-    </p:spTree>
-    <p:extLst>
-      <p:ext uri="{BB962C8B-B14F-4D97-AF65-F5344CB8AC3E}">
         <p14:creationId xmlns:p14="http://schemas.microsoft.com/office/powerpoint/2010/main" val="1024175078"/>
-      </p:ext>
-    </p:extLst>
-  </p:cSld>
-  <p:clrMapOvr>
-    <a:masterClrMapping/>
-  </p:clrMapOvr>
-</p:sld>
-</file>
-
-<file path=ppt/slides/slide9.xml><?xml version="1.0" encoding="utf-8"?>
-<p:sld xmlns:a="http://schemas.openxmlformats.org/drawingml/2006/main" xmlns:r="http://schemas.openxmlformats.org/officeDocument/2006/relationships" xmlns:p="http://schemas.openxmlformats.org/presentationml/2006/main">
-  <p:cSld>
-    <p:spTree>
-      <p:nvGrpSpPr>
-        <p:cNvPr id="1" name=""/>
-        <p:cNvGrpSpPr/>
-        <p:nvPr/>
-      </p:nvGrpSpPr>
-      <p:grpSpPr>
-        <a:xfrm>
-          <a:off x="0" y="0"/>
-          <a:ext cx="0" cy="0"/>
-          <a:chOff x="0" y="0"/>
-          <a:chExt cx="0" cy="0"/>
-        </a:xfrm>
-      </p:grpSpPr>
-      <p:sp>
-        <p:nvSpPr>
-          <p:cNvPr id="2" name="Título 1">
-            <a:extLst>
-              <a:ext uri="{FF2B5EF4-FFF2-40B4-BE49-F238E27FC236}">
-                <a16:creationId xmlns:a16="http://schemas.microsoft.com/office/drawing/2014/main" id="{F6FD6B9F-0482-AA65-DF49-442592B03715}"/>
-              </a:ext>
-            </a:extLst>
-          </p:cNvPr>
-          <p:cNvSpPr>
-            <a:spLocks noGrp="1"/>
-          </p:cNvSpPr>
-          <p:nvPr>
-            <p:ph type="title"/>
-          </p:nvPr>
-        </p:nvSpPr>
-        <p:spPr/>
-        <p:txBody>
-          <a:bodyPr/>
-          <a:lstStyle/>
-          <a:p>
-            <a:r>
-              <a:rPr lang="es-AR" dirty="0"/>
-              <a:t>Por que es importante esta heurística?</a:t>
-            </a:r>
-          </a:p>
-        </p:txBody>
-      </p:sp>
-      <p:sp>
-        <p:nvSpPr>
-          <p:cNvPr id="3" name="Marcador de contenido 2">
-            <a:extLst>
-              <a:ext uri="{FF2B5EF4-FFF2-40B4-BE49-F238E27FC236}">
-                <a16:creationId xmlns:a16="http://schemas.microsoft.com/office/drawing/2014/main" id="{9464E02B-2D7F-8346-5958-476BFCBD5803}"/>
-              </a:ext>
-            </a:extLst>
-          </p:cNvPr>
-          <p:cNvSpPr>
-            <a:spLocks noGrp="1"/>
-          </p:cNvSpPr>
-          <p:nvPr>
-            <p:ph idx="1"/>
-          </p:nvPr>
-        </p:nvSpPr>
-        <p:spPr/>
-        <p:txBody>
-          <a:bodyPr/>
-          <a:lstStyle/>
-          <a:p>
-            <a:r>
-              <a:rPr lang="es-AR" dirty="0"/>
-              <a:t>Es la manera de calcular que tan buena es la decisión de tomar un camino u otro f(x)</a:t>
-            </a:r>
-          </a:p>
-          <a:p>
-            <a:r>
-              <a:rPr lang="es-AR" dirty="0"/>
-              <a:t>f(x) = g(x) + h(x)</a:t>
-            </a:r>
-          </a:p>
-          <a:p>
-            <a:r>
-              <a:rPr lang="es-AR" dirty="0"/>
-              <a:t>g(x) es la distancia acumulada de ir a celda elegida desde la celda que venia </a:t>
-            </a:r>
-          </a:p>
-          <a:p>
-            <a:r>
-              <a:rPr lang="es-AR" dirty="0"/>
-              <a:t>h(x) es la distancia que hay entre la celda elegida y el destino </a:t>
-            </a:r>
-          </a:p>
-          <a:p>
-            <a:r>
-              <a:rPr lang="es-AR" dirty="0"/>
-              <a:t>Con esto puedo no solo saber si es bueno el camino en base a el movimiento local, sino que tambien puedo analizar si me estoy alejando del ideal</a:t>
-            </a:r>
-          </a:p>
-          <a:p>
-            <a:r>
-              <a:rPr lang="es-AR" dirty="0"/>
-              <a:t>Dijkstra funciona de esta manera, pero considera a h(x) como 0 siempre </a:t>
-            </a:r>
-          </a:p>
-          <a:p>
-            <a:endParaRPr lang="es-AR" dirty="0"/>
-          </a:p>
-        </p:txBody>
-      </p:sp>
-    </p:spTree>
-    <p:extLst>
-      <p:ext uri="{BB962C8B-B14F-4D97-AF65-F5344CB8AC3E}">
-        <p14:creationId xmlns:p14="http://schemas.microsoft.com/office/powerpoint/2010/main" val="2881798081"/>
       </p:ext>
     </p:extLst>
   </p:cSld>

--- a/presentacion/algoritmo A.pptx
+++ b/presentacion/algoritmo A.pptx
@@ -5,10 +5,10 @@
     <p:sldMasterId id="2147483672" r:id="rId1"/>
   </p:sldMasterIdLst>
   <p:notesMasterIdLst>
-    <p:notesMasterId r:id="rId23"/>
+    <p:notesMasterId r:id="rId22"/>
   </p:notesMasterIdLst>
   <p:handoutMasterIdLst>
-    <p:handoutMasterId r:id="rId24"/>
+    <p:handoutMasterId r:id="rId23"/>
   </p:handoutMasterIdLst>
   <p:sldIdLst>
     <p:sldId id="256" r:id="rId2"/>
@@ -21,17 +21,16 @@
     <p:sldId id="267" r:id="rId9"/>
     <p:sldId id="270" r:id="rId10"/>
     <p:sldId id="275" r:id="rId11"/>
-    <p:sldId id="297" r:id="rId12"/>
-    <p:sldId id="294" r:id="rId13"/>
-    <p:sldId id="277" r:id="rId14"/>
-    <p:sldId id="286" r:id="rId15"/>
-    <p:sldId id="287" r:id="rId16"/>
-    <p:sldId id="288" r:id="rId17"/>
-    <p:sldId id="289" r:id="rId18"/>
-    <p:sldId id="290" r:id="rId19"/>
-    <p:sldId id="291" r:id="rId20"/>
-    <p:sldId id="293" r:id="rId21"/>
-    <p:sldId id="260" r:id="rId22"/>
+    <p:sldId id="294" r:id="rId12"/>
+    <p:sldId id="277" r:id="rId13"/>
+    <p:sldId id="286" r:id="rId14"/>
+    <p:sldId id="287" r:id="rId15"/>
+    <p:sldId id="288" r:id="rId16"/>
+    <p:sldId id="289" r:id="rId17"/>
+    <p:sldId id="290" r:id="rId18"/>
+    <p:sldId id="291" r:id="rId19"/>
+    <p:sldId id="293" r:id="rId20"/>
+    <p:sldId id="260" r:id="rId21"/>
   </p:sldIdLst>
   <p:sldSz cx="12192000" cy="6858000"/>
   <p:notesSz cx="6858000" cy="9144000"/>
@@ -6376,7 +6375,7 @@
             <a:pPr rtl="0"/>
             <a:fld id="{C6B3AB32-59DF-41F1-9618-EDFBF5049629}" type="slidenum">
               <a:rPr lang="es-ES" smtClean="0"/>
-              <a:t>21</a:t>
+              <a:t>20</a:t>
             </a:fld>
             <a:endParaRPr lang="es-ES"/>
           </a:p>
@@ -10825,101 +10824,6 @@
           <p:cNvPr id="2" name="Título 1">
             <a:extLst>
               <a:ext uri="{FF2B5EF4-FFF2-40B4-BE49-F238E27FC236}">
-                <a16:creationId xmlns:a16="http://schemas.microsoft.com/office/drawing/2014/main" id="{D8906598-DD0A-7E42-ADA8-F67C7C548766}"/>
-              </a:ext>
-            </a:extLst>
-          </p:cNvPr>
-          <p:cNvSpPr>
-            <a:spLocks noGrp="1"/>
-          </p:cNvSpPr>
-          <p:nvPr>
-            <p:ph type="title"/>
-          </p:nvPr>
-        </p:nvSpPr>
-        <p:spPr/>
-        <p:txBody>
-          <a:bodyPr/>
-          <a:lstStyle/>
-          <a:p>
-            <a:r>
-              <a:rPr lang="es-AR" dirty="0"/>
-              <a:t>Por que no uso Dijkstra ?</a:t>
-            </a:r>
-          </a:p>
-        </p:txBody>
-      </p:sp>
-      <p:sp>
-        <p:nvSpPr>
-          <p:cNvPr id="3" name="Marcador de contenido 2">
-            <a:extLst>
-              <a:ext uri="{FF2B5EF4-FFF2-40B4-BE49-F238E27FC236}">
-                <a16:creationId xmlns:a16="http://schemas.microsoft.com/office/drawing/2014/main" id="{99FF5F63-D558-92B1-C77A-A2A0AC0859E8}"/>
-              </a:ext>
-            </a:extLst>
-          </p:cNvPr>
-          <p:cNvSpPr>
-            <a:spLocks noGrp="1"/>
-          </p:cNvSpPr>
-          <p:nvPr>
-            <p:ph idx="1"/>
-          </p:nvPr>
-        </p:nvSpPr>
-        <p:spPr/>
-        <p:txBody>
-          <a:bodyPr/>
-          <a:lstStyle/>
-          <a:p>
-            <a:r>
-              <a:rPr lang="es-AR" dirty="0"/>
-              <a:t>Si necesitas un algoritmo rápido para grafos grandes y muy conexos, pero con pesos muy similares entonces Dijkstra no servirá</a:t>
-            </a:r>
-          </a:p>
-          <a:p>
-            <a:r>
-              <a:rPr lang="es-AR" dirty="0"/>
-              <a:t>La MEJORA a Dijkstra que ofrece el algoritmo es la heurística. </a:t>
-            </a:r>
-          </a:p>
-          <a:p>
-            <a:endParaRPr lang="es-AR" dirty="0"/>
-          </a:p>
-        </p:txBody>
-      </p:sp>
-    </p:spTree>
-    <p:extLst>
-      <p:ext uri="{BB962C8B-B14F-4D97-AF65-F5344CB8AC3E}">
-        <p14:creationId xmlns:p14="http://schemas.microsoft.com/office/powerpoint/2010/main" val="663784992"/>
-      </p:ext>
-    </p:extLst>
-  </p:cSld>
-  <p:clrMapOvr>
-    <a:masterClrMapping/>
-  </p:clrMapOvr>
-</p:sld>
-</file>
-
-<file path=ppt/slides/slide12.xml><?xml version="1.0" encoding="utf-8"?>
-<p:sld xmlns:a="http://schemas.openxmlformats.org/drawingml/2006/main" xmlns:r="http://schemas.openxmlformats.org/officeDocument/2006/relationships" xmlns:p="http://schemas.openxmlformats.org/presentationml/2006/main">
-  <p:cSld>
-    <p:spTree>
-      <p:nvGrpSpPr>
-        <p:cNvPr id="1" name=""/>
-        <p:cNvGrpSpPr/>
-        <p:nvPr/>
-      </p:nvGrpSpPr>
-      <p:grpSpPr>
-        <a:xfrm>
-          <a:off x="0" y="0"/>
-          <a:ext cx="0" cy="0"/>
-          <a:chOff x="0" y="0"/>
-          <a:chExt cx="0" cy="0"/>
-        </a:xfrm>
-      </p:grpSpPr>
-      <p:sp>
-        <p:nvSpPr>
-          <p:cNvPr id="2" name="Título 1">
-            <a:extLst>
-              <a:ext uri="{FF2B5EF4-FFF2-40B4-BE49-F238E27FC236}">
                 <a16:creationId xmlns:a16="http://schemas.microsoft.com/office/drawing/2014/main" id="{F6FD6B9F-0482-AA65-DF49-442592B03715}"/>
               </a:ext>
             </a:extLst>
@@ -11049,7 +10953,7 @@
 </p:sld>
 </file>
 
-<file path=ppt/slides/slide13.xml><?xml version="1.0" encoding="utf-8"?>
+<file path=ppt/slides/slide12.xml><?xml version="1.0" encoding="utf-8"?>
 <p:sld xmlns:a="http://schemas.openxmlformats.org/drawingml/2006/main" xmlns:r="http://schemas.openxmlformats.org/officeDocument/2006/relationships" xmlns:p="http://schemas.openxmlformats.org/presentationml/2006/main">
   <p:cSld>
     <p:spTree>
@@ -11220,6 +11124,102 @@
 </p:sld>
 </file>
 
+<file path=ppt/slides/slide13.xml><?xml version="1.0" encoding="utf-8"?>
+<p:sld xmlns:a="http://schemas.openxmlformats.org/drawingml/2006/main" xmlns:r="http://schemas.openxmlformats.org/officeDocument/2006/relationships" xmlns:p="http://schemas.openxmlformats.org/presentationml/2006/main">
+  <p:cSld>
+    <p:spTree>
+      <p:nvGrpSpPr>
+        <p:cNvPr id="1" name=""/>
+        <p:cNvGrpSpPr/>
+        <p:nvPr/>
+      </p:nvGrpSpPr>
+      <p:grpSpPr>
+        <a:xfrm>
+          <a:off x="0" y="0"/>
+          <a:ext cx="0" cy="0"/>
+          <a:chOff x="0" y="0"/>
+          <a:chExt cx="0" cy="0"/>
+        </a:xfrm>
+      </p:grpSpPr>
+      <p:sp>
+        <p:nvSpPr>
+          <p:cNvPr id="2" name="Título 1">
+            <a:extLst>
+              <a:ext uri="{FF2B5EF4-FFF2-40B4-BE49-F238E27FC236}">
+                <a16:creationId xmlns:a16="http://schemas.microsoft.com/office/drawing/2014/main" id="{C0B15E2D-E772-B3EF-62F6-8ECF65F39809}"/>
+              </a:ext>
+            </a:extLst>
+          </p:cNvPr>
+          <p:cNvSpPr>
+            <a:spLocks noGrp="1"/>
+          </p:cNvSpPr>
+          <p:nvPr>
+            <p:ph type="title"/>
+          </p:nvPr>
+        </p:nvSpPr>
+        <p:spPr>
+          <a:xfrm>
+            <a:off x="581192" y="702156"/>
+            <a:ext cx="11029616" cy="1013800"/>
+          </a:xfrm>
+        </p:spPr>
+        <p:txBody>
+          <a:bodyPr anchor="b">
+            <a:normAutofit/>
+          </a:bodyPr>
+          <a:lstStyle/>
+          <a:p>
+            <a:r>
+              <a:rPr lang="es-AR" dirty="0"/>
+              <a:t>Ejemplo</a:t>
+            </a:r>
+          </a:p>
+        </p:txBody>
+      </p:sp>
+      <p:pic>
+        <p:nvPicPr>
+          <p:cNvPr id="6" name="Imagen 5">
+            <a:extLst>
+              <a:ext uri="{FF2B5EF4-FFF2-40B4-BE49-F238E27FC236}">
+                <a16:creationId xmlns:a16="http://schemas.microsoft.com/office/drawing/2014/main" id="{C9796B36-1D29-5FA5-CFE0-D902886301F2}"/>
+              </a:ext>
+            </a:extLst>
+          </p:cNvPr>
+          <p:cNvPicPr>
+            <a:picLocks noChangeAspect="1"/>
+          </p:cNvPicPr>
+          <p:nvPr/>
+        </p:nvPicPr>
+        <p:blipFill>
+          <a:blip r:embed="rId2"/>
+          <a:stretch>
+            <a:fillRect/>
+          </a:stretch>
+        </p:blipFill>
+        <p:spPr>
+          <a:xfrm>
+            <a:off x="3573270" y="2180496"/>
+            <a:ext cx="5045459" cy="3678303"/>
+          </a:xfrm>
+          <a:prstGeom prst="rect">
+            <a:avLst/>
+          </a:prstGeom>
+          <a:noFill/>
+        </p:spPr>
+      </p:pic>
+    </p:spTree>
+    <p:extLst>
+      <p:ext uri="{BB962C8B-B14F-4D97-AF65-F5344CB8AC3E}">
+        <p14:creationId xmlns:p14="http://schemas.microsoft.com/office/powerpoint/2010/main" val="1784396908"/>
+      </p:ext>
+    </p:extLst>
+  </p:cSld>
+  <p:clrMapOvr>
+    <a:masterClrMapping/>
+  </p:clrMapOvr>
+</p:sld>
+</file>
+
 <file path=ppt/slides/slide14.xml><?xml version="1.0" encoding="utf-8"?>
 <p:sld xmlns:a="http://schemas.openxmlformats.org/drawingml/2006/main" xmlns:r="http://schemas.openxmlformats.org/officeDocument/2006/relationships" xmlns:p="http://schemas.openxmlformats.org/presentationml/2006/main">
   <p:cSld>
@@ -11274,10 +11274,10 @@
       </p:sp>
       <p:pic>
         <p:nvPicPr>
-          <p:cNvPr id="6" name="Imagen 5">
+          <p:cNvPr id="9" name="Imagen 8">
             <a:extLst>
               <a:ext uri="{FF2B5EF4-FFF2-40B4-BE49-F238E27FC236}">
-                <a16:creationId xmlns:a16="http://schemas.microsoft.com/office/drawing/2014/main" id="{C9796B36-1D29-5FA5-CFE0-D902886301F2}"/>
+                <a16:creationId xmlns:a16="http://schemas.microsoft.com/office/drawing/2014/main" id="{F7AEEFD7-8680-BBCF-1153-3B998A469640}"/>
               </a:ext>
             </a:extLst>
           </p:cNvPr>
@@ -11306,7 +11306,7 @@
     </p:spTree>
     <p:extLst>
       <p:ext uri="{BB962C8B-B14F-4D97-AF65-F5344CB8AC3E}">
-        <p14:creationId xmlns:p14="http://schemas.microsoft.com/office/powerpoint/2010/main" val="1784396908"/>
+        <p14:creationId xmlns:p14="http://schemas.microsoft.com/office/powerpoint/2010/main" val="1321608087"/>
       </p:ext>
     </p:extLst>
   </p:cSld>
@@ -11370,10 +11370,10 @@
       </p:sp>
       <p:pic>
         <p:nvPicPr>
-          <p:cNvPr id="9" name="Imagen 8">
+          <p:cNvPr id="11" name="Imagen 10">
             <a:extLst>
               <a:ext uri="{FF2B5EF4-FFF2-40B4-BE49-F238E27FC236}">
-                <a16:creationId xmlns:a16="http://schemas.microsoft.com/office/drawing/2014/main" id="{F7AEEFD7-8680-BBCF-1153-3B998A469640}"/>
+                <a16:creationId xmlns:a16="http://schemas.microsoft.com/office/drawing/2014/main" id="{2B044471-C430-F380-087C-C7AFAFF1DC70}"/>
               </a:ext>
             </a:extLst>
           </p:cNvPr>
@@ -11402,7 +11402,7 @@
     </p:spTree>
     <p:extLst>
       <p:ext uri="{BB962C8B-B14F-4D97-AF65-F5344CB8AC3E}">
-        <p14:creationId xmlns:p14="http://schemas.microsoft.com/office/powerpoint/2010/main" val="1321608087"/>
+        <p14:creationId xmlns:p14="http://schemas.microsoft.com/office/powerpoint/2010/main" val="1182717397"/>
       </p:ext>
     </p:extLst>
   </p:cSld>
@@ -11466,10 +11466,10 @@
       </p:sp>
       <p:pic>
         <p:nvPicPr>
-          <p:cNvPr id="11" name="Imagen 10">
+          <p:cNvPr id="12" name="Imagen 11">
             <a:extLst>
               <a:ext uri="{FF2B5EF4-FFF2-40B4-BE49-F238E27FC236}">
-                <a16:creationId xmlns:a16="http://schemas.microsoft.com/office/drawing/2014/main" id="{2B044471-C430-F380-087C-C7AFAFF1DC70}"/>
+                <a16:creationId xmlns:a16="http://schemas.microsoft.com/office/drawing/2014/main" id="{4FE6EB89-049B-75AE-7901-37978C07F057}"/>
               </a:ext>
             </a:extLst>
           </p:cNvPr>
@@ -11498,7 +11498,7 @@
     </p:spTree>
     <p:extLst>
       <p:ext uri="{BB962C8B-B14F-4D97-AF65-F5344CB8AC3E}">
-        <p14:creationId xmlns:p14="http://schemas.microsoft.com/office/powerpoint/2010/main" val="1182717397"/>
+        <p14:creationId xmlns:p14="http://schemas.microsoft.com/office/powerpoint/2010/main" val="2169446380"/>
       </p:ext>
     </p:extLst>
   </p:cSld>
@@ -11562,10 +11562,10 @@
       </p:sp>
       <p:pic>
         <p:nvPicPr>
-          <p:cNvPr id="12" name="Imagen 11">
+          <p:cNvPr id="14" name="Imagen 13">
             <a:extLst>
               <a:ext uri="{FF2B5EF4-FFF2-40B4-BE49-F238E27FC236}">
-                <a16:creationId xmlns:a16="http://schemas.microsoft.com/office/drawing/2014/main" id="{4FE6EB89-049B-75AE-7901-37978C07F057}"/>
+                <a16:creationId xmlns:a16="http://schemas.microsoft.com/office/drawing/2014/main" id="{93E8E522-34A5-9D3B-B2CC-F69652D48F01}"/>
               </a:ext>
             </a:extLst>
           </p:cNvPr>
@@ -11582,8 +11582,8 @@
         </p:blipFill>
         <p:spPr>
           <a:xfrm>
-            <a:off x="3573270" y="2180496"/>
-            <a:ext cx="5045459" cy="3678303"/>
+            <a:off x="3345410" y="2180496"/>
+            <a:ext cx="5501178" cy="3678303"/>
           </a:xfrm>
           <a:prstGeom prst="rect">
             <a:avLst/>
@@ -11594,7 +11594,7 @@
     </p:spTree>
     <p:extLst>
       <p:ext uri="{BB962C8B-B14F-4D97-AF65-F5344CB8AC3E}">
-        <p14:creationId xmlns:p14="http://schemas.microsoft.com/office/powerpoint/2010/main" val="2169446380"/>
+        <p14:creationId xmlns:p14="http://schemas.microsoft.com/office/powerpoint/2010/main" val="2240845633"/>
       </p:ext>
     </p:extLst>
   </p:cSld>
@@ -11658,10 +11658,10 @@
       </p:sp>
       <p:pic>
         <p:nvPicPr>
-          <p:cNvPr id="14" name="Imagen 13">
+          <p:cNvPr id="15" name="Imagen 14">
             <a:extLst>
               <a:ext uri="{FF2B5EF4-FFF2-40B4-BE49-F238E27FC236}">
-                <a16:creationId xmlns:a16="http://schemas.microsoft.com/office/drawing/2014/main" id="{93E8E522-34A5-9D3B-B2CC-F69652D48F01}"/>
+                <a16:creationId xmlns:a16="http://schemas.microsoft.com/office/drawing/2014/main" id="{B3DBB2B5-B3E2-A33E-62EE-9E5645393DBA}"/>
               </a:ext>
             </a:extLst>
           </p:cNvPr>
@@ -11678,8 +11678,8 @@
         </p:blipFill>
         <p:spPr>
           <a:xfrm>
-            <a:off x="3345410" y="2180496"/>
-            <a:ext cx="5501178" cy="3678303"/>
+            <a:off x="3573270" y="2180496"/>
+            <a:ext cx="5045459" cy="3678303"/>
           </a:xfrm>
           <a:prstGeom prst="rect">
             <a:avLst/>
@@ -11690,7 +11690,7 @@
     </p:spTree>
     <p:extLst>
       <p:ext uri="{BB962C8B-B14F-4D97-AF65-F5344CB8AC3E}">
-        <p14:creationId xmlns:p14="http://schemas.microsoft.com/office/powerpoint/2010/main" val="2240845633"/>
+        <p14:creationId xmlns:p14="http://schemas.microsoft.com/office/powerpoint/2010/main" val="1627014233"/>
       </p:ext>
     </p:extLst>
   </p:cSld>
@@ -11757,7 +11757,7 @@
           <p:cNvPr id="15" name="Imagen 14">
             <a:extLst>
               <a:ext uri="{FF2B5EF4-FFF2-40B4-BE49-F238E27FC236}">
-                <a16:creationId xmlns:a16="http://schemas.microsoft.com/office/drawing/2014/main" id="{B3DBB2B5-B3E2-A33E-62EE-9E5645393DBA}"/>
+                <a16:creationId xmlns:a16="http://schemas.microsoft.com/office/drawing/2014/main" id="{159CD3C8-3641-455E-ADF6-0BCF4A0B59D1}"/>
               </a:ext>
             </a:extLst>
           </p:cNvPr>
@@ -11786,7 +11786,7 @@
     </p:spTree>
     <p:extLst>
       <p:ext uri="{BB962C8B-B14F-4D97-AF65-F5344CB8AC3E}">
-        <p14:creationId xmlns:p14="http://schemas.microsoft.com/office/powerpoint/2010/main" val="1627014233"/>
+        <p14:creationId xmlns:p14="http://schemas.microsoft.com/office/powerpoint/2010/main" val="731834801"/>
       </p:ext>
     </p:extLst>
   </p:cSld>
@@ -11899,7 +11899,7 @@
           <p:nvPr/>
         </p:nvPicPr>
         <p:blipFill>
-          <a:blip r:embed="rId3"/>
+          <a:blip r:embed="rId2"/>
           <a:stretch>
             <a:fillRect/>
           </a:stretch>
@@ -11929,7 +11929,7 @@
           <p:nvPr/>
         </p:nvPicPr>
         <p:blipFill>
-          <a:blip r:embed="rId4"/>
+          <a:blip r:embed="rId3"/>
           <a:stretch>
             <a:fillRect/>
           </a:stretch>
@@ -11959,7 +11959,7 @@
           <p:nvPr/>
         </p:nvPicPr>
         <p:blipFill>
-          <a:blip r:embed="rId5"/>
+          <a:blip r:embed="rId4"/>
           <a:stretch>
             <a:fillRect/>
           </a:stretch>
@@ -11988,102 +11988,6 @@
 </file>
 
 <file path=ppt/slides/slide20.xml><?xml version="1.0" encoding="utf-8"?>
-<p:sld xmlns:a="http://schemas.openxmlformats.org/drawingml/2006/main" xmlns:r="http://schemas.openxmlformats.org/officeDocument/2006/relationships" xmlns:p="http://schemas.openxmlformats.org/presentationml/2006/main">
-  <p:cSld>
-    <p:spTree>
-      <p:nvGrpSpPr>
-        <p:cNvPr id="1" name=""/>
-        <p:cNvGrpSpPr/>
-        <p:nvPr/>
-      </p:nvGrpSpPr>
-      <p:grpSpPr>
-        <a:xfrm>
-          <a:off x="0" y="0"/>
-          <a:ext cx="0" cy="0"/>
-          <a:chOff x="0" y="0"/>
-          <a:chExt cx="0" cy="0"/>
-        </a:xfrm>
-      </p:grpSpPr>
-      <p:sp>
-        <p:nvSpPr>
-          <p:cNvPr id="2" name="Título 1">
-            <a:extLst>
-              <a:ext uri="{FF2B5EF4-FFF2-40B4-BE49-F238E27FC236}">
-                <a16:creationId xmlns:a16="http://schemas.microsoft.com/office/drawing/2014/main" id="{C0B15E2D-E772-B3EF-62F6-8ECF65F39809}"/>
-              </a:ext>
-            </a:extLst>
-          </p:cNvPr>
-          <p:cNvSpPr>
-            <a:spLocks noGrp="1"/>
-          </p:cNvSpPr>
-          <p:nvPr>
-            <p:ph type="title"/>
-          </p:nvPr>
-        </p:nvSpPr>
-        <p:spPr>
-          <a:xfrm>
-            <a:off x="581192" y="702156"/>
-            <a:ext cx="11029616" cy="1013800"/>
-          </a:xfrm>
-        </p:spPr>
-        <p:txBody>
-          <a:bodyPr anchor="b">
-            <a:normAutofit/>
-          </a:bodyPr>
-          <a:lstStyle/>
-          <a:p>
-            <a:r>
-              <a:rPr lang="es-AR" dirty="0"/>
-              <a:t>Ejemplo</a:t>
-            </a:r>
-          </a:p>
-        </p:txBody>
-      </p:sp>
-      <p:pic>
-        <p:nvPicPr>
-          <p:cNvPr id="15" name="Imagen 14">
-            <a:extLst>
-              <a:ext uri="{FF2B5EF4-FFF2-40B4-BE49-F238E27FC236}">
-                <a16:creationId xmlns:a16="http://schemas.microsoft.com/office/drawing/2014/main" id="{159CD3C8-3641-455E-ADF6-0BCF4A0B59D1}"/>
-              </a:ext>
-            </a:extLst>
-          </p:cNvPr>
-          <p:cNvPicPr>
-            <a:picLocks noChangeAspect="1"/>
-          </p:cNvPicPr>
-          <p:nvPr/>
-        </p:nvPicPr>
-        <p:blipFill>
-          <a:blip r:embed="rId2"/>
-          <a:stretch>
-            <a:fillRect/>
-          </a:stretch>
-        </p:blipFill>
-        <p:spPr>
-          <a:xfrm>
-            <a:off x="3573270" y="2180496"/>
-            <a:ext cx="5045459" cy="3678303"/>
-          </a:xfrm>
-          <a:prstGeom prst="rect">
-            <a:avLst/>
-          </a:prstGeom>
-          <a:noFill/>
-        </p:spPr>
-      </p:pic>
-    </p:spTree>
-    <p:extLst>
-      <p:ext uri="{BB962C8B-B14F-4D97-AF65-F5344CB8AC3E}">
-        <p14:creationId xmlns:p14="http://schemas.microsoft.com/office/powerpoint/2010/main" val="731834801"/>
-      </p:ext>
-    </p:extLst>
-  </p:cSld>
-  <p:clrMapOvr>
-    <a:masterClrMapping/>
-  </p:clrMapOvr>
-</p:sld>
-</file>
-
-<file path=ppt/slides/slide21.xml><?xml version="1.0" encoding="utf-8"?>
 <p:sld xmlns:a="http://schemas.openxmlformats.org/drawingml/2006/main" xmlns:r="http://schemas.openxmlformats.org/officeDocument/2006/relationships" xmlns:p="http://schemas.openxmlformats.org/presentationml/2006/main">
   <p:cSld>
     <p:bg>
@@ -12618,15 +12522,6 @@
           <a:solidFill>
             <a:srgbClr val="FFFFFF"/>
           </a:solidFill>
-          <a:extLst>
-            <a:ext uri="{909E8E84-426E-40DD-AFC4-6F175D3DCCD1}">
-              <a14:hiddenFill xmlns:a14="http://schemas.microsoft.com/office/drawing/2010/main">
-                <a:solidFill>
-                  <a:srgbClr val="FFFFFF"/>
-                </a:solidFill>
-              </a14:hiddenFill>
-            </a:ext>
-          </a:extLst>
         </p:spPr>
       </p:pic>
       <p:pic>
@@ -12667,15 +12562,6 @@
           <a:solidFill>
             <a:srgbClr val="FFFFFF"/>
           </a:solidFill>
-          <a:extLst>
-            <a:ext uri="{909E8E84-426E-40DD-AFC4-6F175D3DCCD1}">
-              <a14:hiddenFill xmlns:a14="http://schemas.microsoft.com/office/drawing/2010/main">
-                <a:solidFill>
-                  <a:srgbClr val="FFFFFF"/>
-                </a:solidFill>
-              </a14:hiddenFill>
-            </a:ext>
-          </a:extLst>
         </p:spPr>
       </p:pic>
     </p:spTree>
@@ -13966,7 +13852,7 @@
             <a:pPr lvl="1"/>
             <a:r>
               <a:rPr lang="en-US" dirty="0"/>
-              <a:t>h = sqrt ((dx + </a:t>
+              <a:t>h = sqrt (dx ^ 2 + </a:t>
             </a:r>
             <a:r>
               <a:rPr lang="en-US" dirty="0" err="1"/>
@@ -13974,7 +13860,7 @@
             </a:r>
             <a:r>
               <a:rPr lang="en-US" dirty="0"/>
-              <a:t> ) ^ 2)</a:t>
+              <a:t> ^ 2 )</a:t>
             </a:r>
           </a:p>
           <a:p>
